--- a/ppt/Presentation3.pptx
+++ b/ppt/Presentation3.pptx
@@ -5,10 +5,10 @@
     <p:sldMasterId id="2147483648" r:id="rId1"/>
   </p:sldMasterIdLst>
   <p:notesMasterIdLst>
-    <p:notesMasterId r:id="rId38"/>
+    <p:notesMasterId r:id="rId35"/>
   </p:notesMasterIdLst>
   <p:handoutMasterIdLst>
-    <p:handoutMasterId r:id="rId39"/>
+    <p:handoutMasterId r:id="rId36"/>
   </p:handoutMasterIdLst>
   <p:sldIdLst>
     <p:sldId id="306" r:id="rId2"/>
@@ -23,30 +23,27 @@
     <p:sldId id="320" r:id="rId11"/>
     <p:sldId id="321" r:id="rId12"/>
     <p:sldId id="322" r:id="rId13"/>
-    <p:sldId id="323" r:id="rId14"/>
-    <p:sldId id="324" r:id="rId15"/>
-    <p:sldId id="325" r:id="rId16"/>
-    <p:sldId id="326" r:id="rId17"/>
-    <p:sldId id="327" r:id="rId18"/>
-    <p:sldId id="328" r:id="rId19"/>
-    <p:sldId id="329" r:id="rId20"/>
-    <p:sldId id="330" r:id="rId21"/>
-    <p:sldId id="331" r:id="rId22"/>
-    <p:sldId id="332" r:id="rId23"/>
-    <p:sldId id="333" r:id="rId24"/>
-    <p:sldId id="318" r:id="rId25"/>
-    <p:sldId id="316" r:id="rId26"/>
-    <p:sldId id="317" r:id="rId27"/>
-    <p:sldId id="309" r:id="rId28"/>
-    <p:sldId id="307" r:id="rId29"/>
-    <p:sldId id="263" r:id="rId30"/>
-    <p:sldId id="260" r:id="rId31"/>
-    <p:sldId id="295" r:id="rId32"/>
-    <p:sldId id="268" r:id="rId33"/>
-    <p:sldId id="293" r:id="rId34"/>
-    <p:sldId id="267" r:id="rId35"/>
-    <p:sldId id="270" r:id="rId36"/>
-    <p:sldId id="299" r:id="rId37"/>
+    <p:sldId id="334" r:id="rId14"/>
+    <p:sldId id="335" r:id="rId15"/>
+    <p:sldId id="336" r:id="rId16"/>
+    <p:sldId id="337" r:id="rId17"/>
+    <p:sldId id="338" r:id="rId18"/>
+    <p:sldId id="323" r:id="rId19"/>
+    <p:sldId id="324" r:id="rId20"/>
+    <p:sldId id="325" r:id="rId21"/>
+    <p:sldId id="326" r:id="rId22"/>
+    <p:sldId id="327" r:id="rId23"/>
+    <p:sldId id="328" r:id="rId24"/>
+    <p:sldId id="329" r:id="rId25"/>
+    <p:sldId id="330" r:id="rId26"/>
+    <p:sldId id="331" r:id="rId27"/>
+    <p:sldId id="332" r:id="rId28"/>
+    <p:sldId id="333" r:id="rId29"/>
+    <p:sldId id="318" r:id="rId30"/>
+    <p:sldId id="316" r:id="rId31"/>
+    <p:sldId id="317" r:id="rId32"/>
+    <p:sldId id="270" r:id="rId33"/>
+    <p:sldId id="339" r:id="rId34"/>
   </p:sldIdLst>
   <p:sldSz cx="9144000" cy="6858000" type="screen4x3"/>
   <p:notesSz cx="6858000" cy="9144000"/>
@@ -230,7 +227,7 @@
           <a:p>
             <a:fld id="{744D7EC3-CD50-4DA5-B722-330229C0073D}" type="datetimeFigureOut">
               <a:rPr lang="en-US" smtClean="0"/>
-              <a:t>11/25/2015</a:t>
+              <a:t>11/29/2015</a:t>
             </a:fld>
             <a:endParaRPr lang="en-US"/>
           </a:p>
@@ -395,7 +392,7 @@
           <a:p>
             <a:fld id="{85BE0011-04E0-4F3F-BFCE-633C944A425A}" type="datetimeFigureOut">
               <a:rPr lang="en-US" smtClean="0"/>
-              <a:t>11/25/2015</a:t>
+              <a:t>11/29/2015</a:t>
             </a:fld>
             <a:endParaRPr lang="en-US"/>
           </a:p>
@@ -811,7 +808,7 @@
           <a:p>
             <a:r>
               <a:rPr lang="en-US" dirty="0" smtClean="0"/>
-              <a:t>Case diagram</a:t>
+              <a:t>System Design</a:t>
             </a:r>
             <a:endParaRPr lang="en-US" dirty="0"/>
           </a:p>
@@ -899,7 +896,7 @@
           <a:p>
             <a:r>
               <a:rPr lang="en-US" dirty="0" smtClean="0"/>
-              <a:t>Class diagram</a:t>
+              <a:t>Login Process – Component Design</a:t>
             </a:r>
             <a:endParaRPr lang="en-US" dirty="0"/>
           </a:p>
@@ -987,11 +984,11 @@
           <a:p>
             <a:r>
               <a:rPr lang="en-US" dirty="0" smtClean="0"/>
-              <a:t>Data</a:t>
-            </a:r>
-            <a:r>
-              <a:rPr lang="en-US" baseline="0" dirty="0" smtClean="0"/>
-              <a:t> Flow Diagram</a:t>
+              <a:t>Stock Search Engine</a:t>
+            </a:r>
+            <a:r>
+              <a:rPr lang="en-US" altLang="zh-HK" dirty="0" smtClean="0"/>
+              <a:t>– Component Design</a:t>
             </a:r>
             <a:endParaRPr lang="en-US" dirty="0"/>
           </a:p>
@@ -1079,15 +1076,11 @@
           <a:p>
             <a:r>
               <a:rPr lang="en-US" dirty="0" smtClean="0"/>
-              <a:t>UI</a:t>
-            </a:r>
-            <a:r>
-              <a:rPr lang="en-US" baseline="0" dirty="0" smtClean="0"/>
-              <a:t> – </a:t>
-            </a:r>
-            <a:r>
-              <a:rPr lang="en-US" baseline="0" dirty="0" err="1" smtClean="0"/>
-              <a:t>MemberMangagementSystem_Login</a:t>
+              <a:t>Financial News</a:t>
+            </a:r>
+            <a:r>
+              <a:rPr lang="en-US" altLang="zh-HK" dirty="0" smtClean="0"/>
+              <a:t>– Component Design</a:t>
             </a:r>
             <a:endParaRPr lang="en-US" dirty="0"/>
           </a:p>
@@ -1119,7 +1112,7 @@
     </p:spTree>
     <p:extLst>
       <p:ext uri="{BB962C8B-B14F-4D97-AF65-F5344CB8AC3E}">
-        <p14:creationId xmlns:p14="http://schemas.microsoft.com/office/powerpoint/2010/main" val="2820704640"/>
+        <p14:creationId xmlns:p14="http://schemas.microsoft.com/office/powerpoint/2010/main" val="4006488752"/>
       </p:ext>
     </p:extLst>
   </p:cSld>
@@ -1175,19 +1168,11 @@
           <a:p>
             <a:r>
               <a:rPr lang="en-US" dirty="0" smtClean="0"/>
-              <a:t>UI</a:t>
-            </a:r>
-            <a:r>
-              <a:rPr lang="en-US" baseline="0" dirty="0" smtClean="0"/>
-              <a:t> - </a:t>
-            </a:r>
-            <a:r>
-              <a:rPr lang="en-US" baseline="0" dirty="0" err="1" smtClean="0"/>
-              <a:t>MemberMangagementSystem_</a:t>
-            </a:r>
-            <a:r>
-              <a:rPr lang="en-US" baseline="0" dirty="0" err="1" smtClean="0"/>
-              <a:t>Register</a:t>
+              <a:t>About Us &amp; Indexes</a:t>
+            </a:r>
+            <a:r>
+              <a:rPr lang="en-US" altLang="zh-HK" dirty="0" smtClean="0"/>
+              <a:t>– Component Design</a:t>
             </a:r>
             <a:endParaRPr lang="en-US" dirty="0"/>
           </a:p>
@@ -1219,7 +1204,7 @@
     </p:spTree>
     <p:extLst>
       <p:ext uri="{BB962C8B-B14F-4D97-AF65-F5344CB8AC3E}">
-        <p14:creationId xmlns:p14="http://schemas.microsoft.com/office/powerpoint/2010/main" val="2820704640"/>
+        <p14:creationId xmlns:p14="http://schemas.microsoft.com/office/powerpoint/2010/main" val="4006488752"/>
       </p:ext>
     </p:extLst>
   </p:cSld>
@@ -1275,19 +1260,11 @@
           <a:p>
             <a:r>
               <a:rPr lang="en-US" dirty="0" smtClean="0"/>
-              <a:t>UI</a:t>
-            </a:r>
-            <a:r>
-              <a:rPr lang="en-US" baseline="0" dirty="0" smtClean="0"/>
-              <a:t> - </a:t>
-            </a:r>
-            <a:r>
-              <a:rPr lang="en-US" baseline="0" dirty="0" err="1" smtClean="0"/>
-              <a:t>MemberMangagementSystem_</a:t>
-            </a:r>
-            <a:r>
-              <a:rPr lang="en-US" baseline="0" dirty="0" err="1" smtClean="0"/>
-              <a:t>Logout</a:t>
+              <a:t>Setting</a:t>
+            </a:r>
+            <a:r>
+              <a:rPr lang="en-US" altLang="zh-HK" dirty="0" smtClean="0"/>
+              <a:t>– Component Design</a:t>
             </a:r>
             <a:endParaRPr lang="en-US" dirty="0"/>
           </a:p>
@@ -1319,7 +1296,7 @@
     </p:spTree>
     <p:extLst>
       <p:ext uri="{BB962C8B-B14F-4D97-AF65-F5344CB8AC3E}">
-        <p14:creationId xmlns:p14="http://schemas.microsoft.com/office/powerpoint/2010/main" val="2820704640"/>
+        <p14:creationId xmlns:p14="http://schemas.microsoft.com/office/powerpoint/2010/main" val="4006488752"/>
       </p:ext>
     </p:extLst>
   </p:cSld>
@@ -1374,20 +1351,16 @@
           <a:lstStyle/>
           <a:p>
             <a:r>
-              <a:rPr lang="en-US" dirty="0" smtClean="0"/>
-              <a:t>UI</a:t>
-            </a:r>
-            <a:r>
-              <a:rPr lang="en-US" baseline="0" dirty="0" smtClean="0"/>
-              <a:t> - </a:t>
-            </a:r>
-            <a:r>
-              <a:rPr lang="en-US" baseline="0" dirty="0" err="1" smtClean="0"/>
-              <a:t>MemberMangagementSystem_</a:t>
-            </a:r>
-            <a:r>
-              <a:rPr lang="en-US" baseline="0" dirty="0" err="1" smtClean="0"/>
-              <a:t>Setting</a:t>
+              <a:rPr lang="en-US" altLang="zh-HK" dirty="0" smtClean="0"/>
+              <a:t>Monitoring</a:t>
+            </a:r>
+            <a:r>
+              <a:rPr lang="en-US" altLang="zh-HK" baseline="0" dirty="0" smtClean="0"/>
+              <a:t> System + Notification</a:t>
+            </a:r>
+            <a:r>
+              <a:rPr lang="en-US" altLang="zh-HK" dirty="0" smtClean="0"/>
+              <a:t>– Component Design</a:t>
             </a:r>
             <a:endParaRPr lang="en-US" dirty="0"/>
           </a:p>
@@ -1419,7 +1392,7 @@
     </p:spTree>
     <p:extLst>
       <p:ext uri="{BB962C8B-B14F-4D97-AF65-F5344CB8AC3E}">
-        <p14:creationId xmlns:p14="http://schemas.microsoft.com/office/powerpoint/2010/main" val="2820704640"/>
+        <p14:creationId xmlns:p14="http://schemas.microsoft.com/office/powerpoint/2010/main" val="4006488752"/>
       </p:ext>
     </p:extLst>
   </p:cSld>
@@ -1474,16 +1447,12 @@
           <a:lstStyle/>
           <a:p>
             <a:r>
-              <a:rPr lang="en-US" dirty="0" smtClean="0"/>
-              <a:t>UI</a:t>
-            </a:r>
-            <a:r>
-              <a:rPr lang="en-US" baseline="0" dirty="0" smtClean="0"/>
-              <a:t> - </a:t>
-            </a:r>
-            <a:r>
-              <a:rPr lang="en-US" baseline="0" dirty="0" err="1" smtClean="0"/>
-              <a:t>NewsDisplay</a:t>
+              <a:rPr lang="en-US" altLang="zh-HK" dirty="0" err="1" smtClean="0"/>
+              <a:t>Adminstration</a:t>
+            </a:r>
+            <a:r>
+              <a:rPr lang="en-US" altLang="zh-HK" dirty="0" smtClean="0"/>
+              <a:t>– Component Design</a:t>
             </a:r>
             <a:endParaRPr lang="en-US" dirty="0"/>
           </a:p>
@@ -1515,7 +1484,7 @@
     </p:spTree>
     <p:extLst>
       <p:ext uri="{BB962C8B-B14F-4D97-AF65-F5344CB8AC3E}">
-        <p14:creationId xmlns:p14="http://schemas.microsoft.com/office/powerpoint/2010/main" val="2820704640"/>
+        <p14:creationId xmlns:p14="http://schemas.microsoft.com/office/powerpoint/2010/main" val="4006488752"/>
       </p:ext>
     </p:extLst>
   </p:cSld>
@@ -1575,11 +1544,11 @@
             </a:r>
             <a:r>
               <a:rPr lang="en-US" baseline="0" dirty="0" smtClean="0"/>
-              <a:t> - </a:t>
+              <a:t> – </a:t>
             </a:r>
             <a:r>
               <a:rPr lang="en-US" baseline="0" dirty="0" err="1" smtClean="0"/>
-              <a:t>StockSearchEngine</a:t>
+              <a:t>MemberMangagementSystem_Login</a:t>
             </a:r>
             <a:endParaRPr lang="en-US" dirty="0"/>
           </a:p>
@@ -1675,7 +1644,7 @@
             </a:r>
             <a:r>
               <a:rPr lang="en-US" baseline="0" dirty="0" err="1" smtClean="0"/>
-              <a:t>StockMonitoring</a:t>
+              <a:t>MemberMangagementSystem_Register</a:t>
             </a:r>
             <a:endParaRPr lang="en-US" dirty="0"/>
           </a:p>
@@ -1850,7 +1819,7 @@
             </a:r>
             <a:r>
               <a:rPr lang="en-US" baseline="0" dirty="0" err="1" smtClean="0"/>
-              <a:t>NotificationSystem</a:t>
+              <a:t>MemberMangagementSystem_Logout</a:t>
             </a:r>
             <a:endParaRPr lang="en-US" dirty="0"/>
           </a:p>
@@ -1936,10 +1905,6 @@
           <a:bodyPr/>
           <a:lstStyle/>
           <a:p>
-            <a:pPr marL="457200" lvl="1" indent="0">
-              <a:buFont typeface="Arial" pitchFamily="34" charset="0"/>
-              <a:buNone/>
-            </a:pPr>
             <a:r>
               <a:rPr lang="en-US" dirty="0" smtClean="0"/>
               <a:t>UI</a:t>
@@ -1949,12 +1914,8 @@
               <a:t> - </a:t>
             </a:r>
             <a:r>
-              <a:rPr lang="en-US" dirty="0" err="1" smtClean="0"/>
-              <a:t>Modifiy</a:t>
-            </a:r>
-            <a:r>
               <a:rPr lang="en-US" baseline="0" dirty="0" err="1" smtClean="0"/>
-              <a:t>UserInfo</a:t>
+              <a:t>MemberMangagementSystem_Setting</a:t>
             </a:r>
             <a:endParaRPr lang="en-US" dirty="0"/>
           </a:p>
@@ -2040,34 +2001,19 @@
           <a:bodyPr/>
           <a:lstStyle/>
           <a:p>
-            <a:pPr marL="457200" lvl="1" indent="0">
-              <a:buFont typeface="Arial" pitchFamily="34" charset="0"/>
-              <a:buNone/>
-            </a:pPr>
-            <a:r>
-              <a:rPr lang="en-US" sz="2400" b="1" dirty="0" smtClean="0">
-                <a:solidFill>
-                  <a:srgbClr val="FC7500"/>
-                </a:solidFill>
-              </a:rPr>
+            <a:r>
+              <a:rPr lang="en-US" dirty="0" smtClean="0"/>
               <a:t>UI</a:t>
             </a:r>
             <a:r>
-              <a:rPr lang="en-US" sz="2400" b="1" baseline="0" dirty="0" smtClean="0">
-                <a:solidFill>
-                  <a:srgbClr val="FC7500"/>
-                </a:solidFill>
-              </a:rPr>
+              <a:rPr lang="en-US" baseline="0" dirty="0" smtClean="0"/>
               <a:t> - </a:t>
             </a:r>
             <a:r>
-              <a:rPr lang="en-US" sz="2400" b="1" dirty="0" smtClean="0">
-                <a:solidFill>
-                  <a:srgbClr val="FC7500"/>
-                </a:solidFill>
-              </a:rPr>
-              <a:t>Member authorization</a:t>
-            </a:r>
+              <a:rPr lang="en-US" baseline="0" dirty="0" err="1" smtClean="0"/>
+              <a:t>NewsDisplay</a:t>
+            </a:r>
+            <a:endParaRPr lang="en-US" dirty="0"/>
           </a:p>
         </p:txBody>
       </p:sp>
@@ -2151,10 +2097,6 @@
           <a:bodyPr/>
           <a:lstStyle/>
           <a:p>
-            <a:pPr marL="457200" lvl="1" indent="0">
-              <a:buFont typeface="Arial" pitchFamily="34" charset="0"/>
-              <a:buNone/>
-            </a:pPr>
             <a:r>
               <a:rPr lang="en-US" dirty="0" smtClean="0"/>
               <a:t>UI</a:t>
@@ -2164,18 +2106,10 @@
               <a:t> - </a:t>
             </a:r>
             <a:r>
-              <a:rPr lang="en-US" sz="2400" b="1" dirty="0" smtClean="0">
-                <a:solidFill>
-                  <a:srgbClr val="FC7500"/>
-                </a:solidFill>
-              </a:rPr>
-              <a:t>System statistics</a:t>
-            </a:r>
-            <a:endParaRPr lang="en-US" sz="2400" b="1" dirty="0">
-              <a:solidFill>
-                <a:srgbClr val="FC7500"/>
-              </a:solidFill>
-            </a:endParaRPr>
+              <a:rPr lang="en-US" baseline="0" dirty="0" err="1" smtClean="0"/>
+              <a:t>StockSearchEngine</a:t>
+            </a:r>
+            <a:endParaRPr lang="en-US" dirty="0"/>
           </a:p>
         </p:txBody>
       </p:sp>
@@ -2259,6 +2193,18 @@
           <a:bodyPr/>
           <a:lstStyle/>
           <a:p>
+            <a:r>
+              <a:rPr lang="en-US" dirty="0" smtClean="0"/>
+              <a:t>UI</a:t>
+            </a:r>
+            <a:r>
+              <a:rPr lang="en-US" baseline="0" dirty="0" smtClean="0"/>
+              <a:t> - </a:t>
+            </a:r>
+            <a:r>
+              <a:rPr lang="en-US" baseline="0" dirty="0" err="1" smtClean="0"/>
+              <a:t>StockMonitoring</a:t>
+            </a:r>
             <a:endParaRPr lang="en-US" dirty="0"/>
           </a:p>
         </p:txBody>
@@ -2287,6 +2233,11 @@
         </p:txBody>
       </p:sp>
     </p:spTree>
+    <p:extLst>
+      <p:ext uri="{BB962C8B-B14F-4D97-AF65-F5344CB8AC3E}">
+        <p14:creationId xmlns:p14="http://schemas.microsoft.com/office/powerpoint/2010/main" val="2820704640"/>
+      </p:ext>
+    </p:extLst>
   </p:cSld>
   <p:clrMapOvr>
     <a:masterClrMapping/>
@@ -2338,6 +2289,18 @@
           <a:bodyPr/>
           <a:lstStyle/>
           <a:p>
+            <a:r>
+              <a:rPr lang="en-US" dirty="0" smtClean="0"/>
+              <a:t>UI</a:t>
+            </a:r>
+            <a:r>
+              <a:rPr lang="en-US" baseline="0" dirty="0" smtClean="0"/>
+              <a:t> - </a:t>
+            </a:r>
+            <a:r>
+              <a:rPr lang="en-US" baseline="0" dirty="0" err="1" smtClean="0"/>
+              <a:t>NotificationSystem</a:t>
+            </a:r>
             <a:endParaRPr lang="en-US" dirty="0"/>
           </a:p>
         </p:txBody>
@@ -2366,6 +2329,11 @@
         </p:txBody>
       </p:sp>
     </p:spTree>
+    <p:extLst>
+      <p:ext uri="{BB962C8B-B14F-4D97-AF65-F5344CB8AC3E}">
+        <p14:creationId xmlns:p14="http://schemas.microsoft.com/office/powerpoint/2010/main" val="2820704640"/>
+      </p:ext>
+    </p:extLst>
   </p:cSld>
   <p:clrMapOvr>
     <a:masterClrMapping/>
@@ -2417,6 +2385,26 @@
           <a:bodyPr/>
           <a:lstStyle/>
           <a:p>
+            <a:pPr marL="457200" lvl="1" indent="0">
+              <a:buFont typeface="Arial" pitchFamily="34" charset="0"/>
+              <a:buNone/>
+            </a:pPr>
+            <a:r>
+              <a:rPr lang="en-US" dirty="0" smtClean="0"/>
+              <a:t>UI</a:t>
+            </a:r>
+            <a:r>
+              <a:rPr lang="en-US" baseline="0" dirty="0" smtClean="0"/>
+              <a:t> - </a:t>
+            </a:r>
+            <a:r>
+              <a:rPr lang="en-US" dirty="0" err="1" smtClean="0"/>
+              <a:t>Modifiy</a:t>
+            </a:r>
+            <a:r>
+              <a:rPr lang="en-US" baseline="0" dirty="0" err="1" smtClean="0"/>
+              <a:t>UserInfo</a:t>
+            </a:r>
             <a:endParaRPr lang="en-US" dirty="0"/>
           </a:p>
         </p:txBody>
@@ -2445,6 +2433,11 @@
         </p:txBody>
       </p:sp>
     </p:spTree>
+    <p:extLst>
+      <p:ext uri="{BB962C8B-B14F-4D97-AF65-F5344CB8AC3E}">
+        <p14:creationId xmlns:p14="http://schemas.microsoft.com/office/powerpoint/2010/main" val="2820704640"/>
+      </p:ext>
+    </p:extLst>
   </p:cSld>
   <p:clrMapOvr>
     <a:masterClrMapping/>
@@ -2496,7 +2489,34 @@
           <a:bodyPr/>
           <a:lstStyle/>
           <a:p>
-            <a:endParaRPr lang="en-US" dirty="0"/>
+            <a:pPr marL="457200" lvl="1" indent="0">
+              <a:buFont typeface="Arial" pitchFamily="34" charset="0"/>
+              <a:buNone/>
+            </a:pPr>
+            <a:r>
+              <a:rPr lang="en-US" sz="2400" b="1" dirty="0" smtClean="0">
+                <a:solidFill>
+                  <a:srgbClr val="FC7500"/>
+                </a:solidFill>
+              </a:rPr>
+              <a:t>UI</a:t>
+            </a:r>
+            <a:r>
+              <a:rPr lang="en-US" sz="2400" b="1" baseline="0" dirty="0" smtClean="0">
+                <a:solidFill>
+                  <a:srgbClr val="FC7500"/>
+                </a:solidFill>
+              </a:rPr>
+              <a:t> - </a:t>
+            </a:r>
+            <a:r>
+              <a:rPr lang="en-US" sz="2400" b="1" dirty="0" smtClean="0">
+                <a:solidFill>
+                  <a:srgbClr val="FC7500"/>
+                </a:solidFill>
+              </a:rPr>
+              <a:t>Member authorization</a:t>
+            </a:r>
           </a:p>
         </p:txBody>
       </p:sp>
@@ -2524,6 +2544,11 @@
         </p:txBody>
       </p:sp>
     </p:spTree>
+    <p:extLst>
+      <p:ext uri="{BB962C8B-B14F-4D97-AF65-F5344CB8AC3E}">
+        <p14:creationId xmlns:p14="http://schemas.microsoft.com/office/powerpoint/2010/main" val="2820704640"/>
+      </p:ext>
+    </p:extLst>
   </p:cSld>
   <p:clrMapOvr>
     <a:masterClrMapping/>
@@ -2575,7 +2600,31 @@
           <a:bodyPr/>
           <a:lstStyle/>
           <a:p>
-            <a:endParaRPr lang="en-US" dirty="0"/>
+            <a:pPr marL="457200" lvl="1" indent="0">
+              <a:buFont typeface="Arial" pitchFamily="34" charset="0"/>
+              <a:buNone/>
+            </a:pPr>
+            <a:r>
+              <a:rPr lang="en-US" dirty="0" smtClean="0"/>
+              <a:t>UI</a:t>
+            </a:r>
+            <a:r>
+              <a:rPr lang="en-US" baseline="0" dirty="0" smtClean="0"/>
+              <a:t> - </a:t>
+            </a:r>
+            <a:r>
+              <a:rPr lang="en-US" sz="2400" b="1" dirty="0" smtClean="0">
+                <a:solidFill>
+                  <a:srgbClr val="FC7500"/>
+                </a:solidFill>
+              </a:rPr>
+              <a:t>System statistics</a:t>
+            </a:r>
+            <a:endParaRPr lang="en-US" sz="2400" b="1" dirty="0">
+              <a:solidFill>
+                <a:srgbClr val="FC7500"/>
+              </a:solidFill>
+            </a:endParaRPr>
           </a:p>
         </p:txBody>
       </p:sp>
@@ -2596,13 +2645,18 @@
           <a:p>
             <a:fld id="{DD7D2AD7-BD31-48B9-8C8A-7D4EAE7F6485}" type="slidenum">
               <a:rPr lang="en-US" smtClean="0"/>
-              <a:t>29</a:t>
+              <a:t>28</a:t>
             </a:fld>
             <a:endParaRPr lang="en-US"/>
           </a:p>
         </p:txBody>
       </p:sp>
     </p:spTree>
+    <p:extLst>
+      <p:ext uri="{BB962C8B-B14F-4D97-AF65-F5344CB8AC3E}">
+        <p14:creationId xmlns:p14="http://schemas.microsoft.com/office/powerpoint/2010/main" val="2820704640"/>
+      </p:ext>
+    </p:extLst>
   </p:cSld>
   <p:clrMapOvr>
     <a:masterClrMapping/>
@@ -2675,7 +2729,7 @@
           <a:p>
             <a:fld id="{DD7D2AD7-BD31-48B9-8C8A-7D4EAE7F6485}" type="slidenum">
               <a:rPr lang="en-US" smtClean="0"/>
-              <a:t>31</a:t>
+              <a:t>29</a:t>
             </a:fld>
             <a:endParaRPr lang="en-US"/>
           </a:p>
@@ -2833,7 +2887,7 @@
           <a:p>
             <a:fld id="{DD7D2AD7-BD31-48B9-8C8A-7D4EAE7F6485}" type="slidenum">
               <a:rPr lang="en-US" smtClean="0"/>
-              <a:t>33</a:t>
+              <a:t>30</a:t>
             </a:fld>
             <a:endParaRPr lang="en-US"/>
           </a:p>
@@ -2912,7 +2966,7 @@
           <a:p>
             <a:fld id="{DD7D2AD7-BD31-48B9-8C8A-7D4EAE7F6485}" type="slidenum">
               <a:rPr lang="en-US" smtClean="0"/>
-              <a:t>34</a:t>
+              <a:t>31</a:t>
             </a:fld>
             <a:endParaRPr lang="en-US"/>
           </a:p>
@@ -2991,7 +3045,86 @@
           <a:p>
             <a:fld id="{DD7D2AD7-BD31-48B9-8C8A-7D4EAE7F6485}" type="slidenum">
               <a:rPr lang="en-US" smtClean="0"/>
-              <a:t>35</a:t>
+              <a:t>32</a:t>
+            </a:fld>
+            <a:endParaRPr lang="en-US"/>
+          </a:p>
+        </p:txBody>
+      </p:sp>
+    </p:spTree>
+  </p:cSld>
+  <p:clrMapOvr>
+    <a:masterClrMapping/>
+  </p:clrMapOvr>
+</p:notes>
+</file>
+
+<file path=ppt/notesSlides/notesSlide33.xml><?xml version="1.0" encoding="utf-8"?>
+<p:notes xmlns:a="http://schemas.openxmlformats.org/drawingml/2006/main" xmlns:r="http://schemas.openxmlformats.org/officeDocument/2006/relationships" xmlns:p="http://schemas.openxmlformats.org/presentationml/2006/main">
+  <p:cSld>
+    <p:spTree>
+      <p:nvGrpSpPr>
+        <p:cNvPr id="1" name=""/>
+        <p:cNvGrpSpPr/>
+        <p:nvPr/>
+      </p:nvGrpSpPr>
+      <p:grpSpPr>
+        <a:xfrm>
+          <a:off x="0" y="0"/>
+          <a:ext cx="0" cy="0"/>
+          <a:chOff x="0" y="0"/>
+          <a:chExt cx="0" cy="0"/>
+        </a:xfrm>
+      </p:grpSpPr>
+      <p:sp>
+        <p:nvSpPr>
+          <p:cNvPr id="2" name="Slide Image Placeholder 1"/>
+          <p:cNvSpPr>
+            <a:spLocks noGrp="1" noRot="1" noChangeAspect="1"/>
+          </p:cNvSpPr>
+          <p:nvPr>
+            <p:ph type="sldImg"/>
+          </p:nvPr>
+        </p:nvSpPr>
+        <p:spPr/>
+      </p:sp>
+      <p:sp>
+        <p:nvSpPr>
+          <p:cNvPr id="3" name="Notes Placeholder 2"/>
+          <p:cNvSpPr>
+            <a:spLocks noGrp="1"/>
+          </p:cNvSpPr>
+          <p:nvPr>
+            <p:ph type="body" idx="1"/>
+          </p:nvPr>
+        </p:nvSpPr>
+        <p:spPr/>
+        <p:txBody>
+          <a:bodyPr/>
+          <a:lstStyle/>
+          <a:p>
+            <a:endParaRPr lang="en-US" dirty="0"/>
+          </a:p>
+        </p:txBody>
+      </p:sp>
+      <p:sp>
+        <p:nvSpPr>
+          <p:cNvPr id="4" name="Slide Number Placeholder 3"/>
+          <p:cNvSpPr>
+            <a:spLocks noGrp="1"/>
+          </p:cNvSpPr>
+          <p:nvPr>
+            <p:ph type="sldNum" sz="quarter" idx="10"/>
+          </p:nvPr>
+        </p:nvSpPr>
+        <p:spPr/>
+        <p:txBody>
+          <a:bodyPr/>
+          <a:lstStyle/>
+          <a:p>
+            <a:fld id="{DD7D2AD7-BD31-48B9-8C8A-7D4EAE7F6485}" type="slidenum">
+              <a:rPr lang="en-US" smtClean="0"/>
+              <a:t>33</a:t>
             </a:fld>
             <a:endParaRPr lang="en-US"/>
           </a:p>
@@ -4137,7 +4270,7 @@
             <a:fld id="{EFEED2B4-868F-4681-9E70-FF7ECCDC67D4}" type="datetimeFigureOut">
               <a:rPr lang="en-US" smtClean="0"/>
               <a:pPr/>
-              <a:t>11/25/2015</a:t>
+              <a:t>11/29/2015</a:t>
             </a:fld>
             <a:endParaRPr lang="en-US" dirty="0"/>
           </a:p>
@@ -4403,7 +4536,7 @@
           <a:p>
             <a:fld id="{EFEED2B4-868F-4681-9E70-FF7ECCDC67D4}" type="datetimeFigureOut">
               <a:rPr lang="en-US" smtClean="0"/>
-              <a:t>11/25/2015</a:t>
+              <a:t>11/29/2015</a:t>
             </a:fld>
             <a:endParaRPr lang="en-US"/>
           </a:p>
@@ -5113,7 +5246,7 @@
           <a:p>
             <a:fld id="{EFEED2B4-868F-4681-9E70-FF7ECCDC67D4}" type="datetimeFigureOut">
               <a:rPr lang="en-US" smtClean="0"/>
-              <a:t>11/25/2015</a:t>
+              <a:t>11/29/2015</a:t>
             </a:fld>
             <a:endParaRPr lang="en-US"/>
           </a:p>
@@ -5723,7 +5856,7 @@
             <a:fld id="{EFEED2B4-868F-4681-9E70-FF7ECCDC67D4}" type="datetimeFigureOut">
               <a:rPr lang="en-US" smtClean="0"/>
               <a:pPr/>
-              <a:t>11/25/2015</a:t>
+              <a:t>11/29/2015</a:t>
             </a:fld>
             <a:endParaRPr lang="en-US" dirty="0"/>
           </a:p>
@@ -5877,7 +6010,7 @@
           <a:p>
             <a:fld id="{EFEED2B4-868F-4681-9E70-FF7ECCDC67D4}" type="datetimeFigureOut">
               <a:rPr lang="en-US" smtClean="0"/>
-              <a:t>11/25/2015</a:t>
+              <a:t>11/29/2015</a:t>
             </a:fld>
             <a:endParaRPr lang="en-US"/>
           </a:p>
@@ -6396,7 +6529,7 @@
           <a:p>
             <a:fld id="{EFEED2B4-868F-4681-9E70-FF7ECCDC67D4}" type="datetimeFigureOut">
               <a:rPr lang="en-US" smtClean="0"/>
-              <a:t>11/25/2015</a:t>
+              <a:t>11/29/2015</a:t>
             </a:fld>
             <a:endParaRPr lang="en-US"/>
           </a:p>
@@ -6938,7 +7071,7 @@
           <a:p>
             <a:fld id="{EFEED2B4-868F-4681-9E70-FF7ECCDC67D4}" type="datetimeFigureOut">
               <a:rPr lang="en-US" smtClean="0"/>
-              <a:t>11/25/2015</a:t>
+              <a:t>11/29/2015</a:t>
             </a:fld>
             <a:endParaRPr lang="en-US"/>
           </a:p>
@@ -7506,7 +7639,7 @@
           <a:p>
             <a:fld id="{EFEED2B4-868F-4681-9E70-FF7ECCDC67D4}" type="datetimeFigureOut">
               <a:rPr lang="en-US" smtClean="0"/>
-              <a:t>11/25/2015</a:t>
+              <a:t>11/29/2015</a:t>
             </a:fld>
             <a:endParaRPr lang="en-US"/>
           </a:p>
@@ -8564,7 +8697,7 @@
             <a:fld id="{EFEED2B4-868F-4681-9E70-FF7ECCDC67D4}" type="datetimeFigureOut">
               <a:rPr lang="en-US" smtClean="0"/>
               <a:pPr/>
-              <a:t>11/25/2015</a:t>
+              <a:t>11/29/2015</a:t>
             </a:fld>
             <a:endParaRPr lang="en-US" dirty="0"/>
           </a:p>
@@ -9011,7 +9144,7 @@
           <a:p>
             <a:fld id="{EFEED2B4-868F-4681-9E70-FF7ECCDC67D4}" type="datetimeFigureOut">
               <a:rPr lang="en-US" smtClean="0"/>
-              <a:t>11/25/2015</a:t>
+              <a:t>11/29/2015</a:t>
             </a:fld>
             <a:endParaRPr lang="en-US"/>
           </a:p>
@@ -9396,7 +9529,7 @@
           <a:p>
             <a:fld id="{EFEED2B4-868F-4681-9E70-FF7ECCDC67D4}" type="datetimeFigureOut">
               <a:rPr lang="en-US" smtClean="0"/>
-              <a:t>11/25/2015</a:t>
+              <a:t>11/29/2015</a:t>
             </a:fld>
             <a:endParaRPr lang="en-US"/>
           </a:p>
@@ -9957,7 +10090,7 @@
           <a:p>
             <a:fld id="{EFEED2B4-868F-4681-9E70-FF7ECCDC67D4}" type="datetimeFigureOut">
               <a:rPr lang="en-US" smtClean="0"/>
-              <a:t>11/25/2015</a:t>
+              <a:t>11/29/2015</a:t>
             </a:fld>
             <a:endParaRPr lang="en-US"/>
           </a:p>
@@ -10074,7 +10207,7 @@
           <a:p>
             <a:fld id="{EFEED2B4-868F-4681-9E70-FF7ECCDC67D4}" type="datetimeFigureOut">
               <a:rPr lang="en-US" smtClean="0"/>
-              <a:t>11/25/2015</a:t>
+              <a:t>11/29/2015</a:t>
             </a:fld>
             <a:endParaRPr lang="en-US"/>
           </a:p>
@@ -11590,7 +11723,7 @@
           <a:p>
             <a:fld id="{EFEED2B4-868F-4681-9E70-FF7ECCDC67D4}" type="datetimeFigureOut">
               <a:rPr lang="en-US" smtClean="0"/>
-              <a:t>11/25/2015</a:t>
+              <a:t>11/29/2015</a:t>
             </a:fld>
             <a:endParaRPr lang="en-US"/>
           </a:p>
@@ -12752,7 +12885,7 @@
           <a:p>
             <a:fld id="{EFEED2B4-868F-4681-9E70-FF7ECCDC67D4}" type="datetimeFigureOut">
               <a:rPr lang="en-US" smtClean="0"/>
-              <a:t>11/25/2015</a:t>
+              <a:t>11/29/2015</a:t>
             </a:fld>
             <a:endParaRPr lang="en-US"/>
           </a:p>
@@ -13131,7 +13264,7 @@
             <a:fld id="{EFEED2B4-868F-4681-9E70-FF7ECCDC67D4}" type="datetimeFigureOut">
               <a:rPr lang="en-US" smtClean="0"/>
               <a:pPr/>
-              <a:t>11/25/2015</a:t>
+              <a:t>11/29/2015</a:t>
             </a:fld>
             <a:endParaRPr lang="en-US" dirty="0"/>
           </a:p>
@@ -13428,7 +13561,7 @@
             <a:fld id="{EFEED2B4-868F-4681-9E70-FF7ECCDC67D4}" type="datetimeFigureOut">
               <a:rPr lang="en-US" smtClean="0"/>
               <a:pPr/>
-              <a:t>11/25/2015</a:t>
+              <a:t>11/29/2015</a:t>
             </a:fld>
             <a:endParaRPr lang="en-US" dirty="0"/>
           </a:p>
@@ -13904,7 +14037,7 @@
             <a:fld id="{EFEED2B4-868F-4681-9E70-FF7ECCDC67D4}" type="datetimeFigureOut">
               <a:rPr lang="en-US" smtClean="0"/>
               <a:pPr/>
-              <a:t>11/25/2015</a:t>
+              <a:t>11/29/2015</a:t>
             </a:fld>
             <a:endParaRPr lang="en-US" dirty="0"/>
           </a:p>
@@ -14187,7 +14320,7 @@
           <a:p>
             <a:fld id="{EFEED2B4-868F-4681-9E70-FF7ECCDC67D4}" type="datetimeFigureOut">
               <a:rPr lang="en-US" smtClean="0"/>
-              <a:t>11/25/2015</a:t>
+              <a:t>11/29/2015</a:t>
             </a:fld>
             <a:endParaRPr lang="en-US"/>
           </a:p>
@@ -14401,7 +14534,7 @@
           <a:p>
             <a:fld id="{EFEED2B4-868F-4681-9E70-FF7ECCDC67D4}" type="datetimeFigureOut">
               <a:rPr lang="en-US" smtClean="0"/>
-              <a:t>11/25/2015</a:t>
+              <a:t>11/29/2015</a:t>
             </a:fld>
             <a:endParaRPr lang="en-US"/>
           </a:p>
@@ -14812,7 +14945,7 @@
           <a:p>
             <a:fld id="{EFEED2B4-868F-4681-9E70-FF7ECCDC67D4}" type="datetimeFigureOut">
               <a:rPr lang="en-US" smtClean="0"/>
-              <a:t>11/25/2015</a:t>
+              <a:t>11/29/2015</a:t>
             </a:fld>
             <a:endParaRPr lang="en-US"/>
           </a:p>
@@ -15088,7 +15221,7 @@
           <a:p>
             <a:fld id="{EFEED2B4-868F-4681-9E70-FF7ECCDC67D4}" type="datetimeFigureOut">
               <a:rPr lang="en-US" smtClean="0"/>
-              <a:t>11/25/2015</a:t>
+              <a:t>11/29/2015</a:t>
             </a:fld>
             <a:endParaRPr lang="en-US"/>
           </a:p>
@@ -15525,7 +15658,7 @@
           <a:p>
             <a:fld id="{EFEED2B4-868F-4681-9E70-FF7ECCDC67D4}" type="datetimeFigureOut">
               <a:rPr lang="en-US" smtClean="0"/>
-              <a:t>11/25/2015</a:t>
+              <a:t>11/29/2015</a:t>
             </a:fld>
             <a:endParaRPr lang="en-US"/>
           </a:p>
@@ -15746,7 +15879,7 @@
           <a:p>
             <a:fld id="{EFEED2B4-868F-4681-9E70-FF7ECCDC67D4}" type="datetimeFigureOut">
               <a:rPr lang="en-US" smtClean="0"/>
-              <a:t>11/25/2015</a:t>
+              <a:t>11/29/2015</a:t>
             </a:fld>
             <a:endParaRPr lang="en-US"/>
           </a:p>
@@ -16236,7 +16369,7 @@
           <a:p>
             <a:fld id="{EFEED2B4-868F-4681-9E70-FF7ECCDC67D4}" type="datetimeFigureOut">
               <a:rPr lang="en-US" smtClean="0"/>
-              <a:t>11/25/2015</a:t>
+              <a:t>11/29/2015</a:t>
             </a:fld>
             <a:endParaRPr lang="en-US"/>
           </a:p>
@@ -16390,7 +16523,7 @@
             <a:fld id="{EFEED2B4-868F-4681-9E70-FF7ECCDC67D4}" type="datetimeFigureOut">
               <a:rPr lang="en-US" smtClean="0"/>
               <a:pPr/>
-              <a:t>11/25/2015</a:t>
+              <a:t>11/29/2015</a:t>
             </a:fld>
             <a:endParaRPr lang="en-US" dirty="0"/>
           </a:p>
@@ -16883,7 +17016,7 @@
           <a:p>
             <a:fld id="{EFEED2B4-868F-4681-9E70-FF7ECCDC67D4}" type="datetimeFigureOut">
               <a:rPr lang="en-US" smtClean="0"/>
-              <a:t>11/25/2015</a:t>
+              <a:t>11/29/2015</a:t>
             </a:fld>
             <a:endParaRPr lang="en-US"/>
           </a:p>
@@ -17113,7 +17246,7 @@
           <a:p>
             <a:fld id="{EFEED2B4-868F-4681-9E70-FF7ECCDC67D4}" type="datetimeFigureOut">
               <a:rPr lang="en-US" smtClean="0"/>
-              <a:t>11/25/2015</a:t>
+              <a:t>11/29/2015</a:t>
             </a:fld>
             <a:endParaRPr lang="en-US"/>
           </a:p>
@@ -17834,7 +17967,7 @@
       </p:grpSpPr>
       <p:sp>
         <p:nvSpPr>
-          <p:cNvPr id="2" name="Picture Placeholder 1"/>
+          <p:cNvPr id="5" name="圖片版面配置區 4"/>
           <p:cNvSpPr>
             <a:spLocks noGrp="1"/>
           </p:cNvSpPr>
@@ -17844,6 +17977,45 @@
         </p:nvSpPr>
         <p:spPr/>
       </p:sp>
+      <p:pic>
+        <p:nvPicPr>
+          <p:cNvPr id="7" name="Picture 2" descr="C:\Users\Kitten\Documents\GitHub\comp3006\System Design\System Design - arch.png"/>
+          <p:cNvPicPr>
+            <a:picLocks noChangeAspect="1" noChangeArrowheads="1"/>
+          </p:cNvPicPr>
+          <p:nvPr/>
+        </p:nvPicPr>
+        <p:blipFill rotWithShape="1">
+          <a:blip r:embed="rId3">
+            <a:extLst>
+              <a:ext uri="{28A0092B-C50C-407E-A947-70E740481C1C}">
+                <a14:useLocalDpi xmlns:a14="http://schemas.microsoft.com/office/drawing/2010/main" val="0"/>
+              </a:ext>
+            </a:extLst>
+          </a:blip>
+          <a:srcRect l="2518" r="2556"/>
+          <a:stretch/>
+        </p:blipFill>
+        <p:spPr bwMode="auto">
+          <a:xfrm>
+            <a:off x="570721" y="1143000"/>
+            <a:ext cx="7977985" cy="4267200"/>
+          </a:xfrm>
+          <a:prstGeom prst="rect">
+            <a:avLst/>
+          </a:prstGeom>
+          <a:noFill/>
+          <a:extLst>
+            <a:ext uri="{909E8E84-426E-40DD-AFC4-6F175D3DCCD1}">
+              <a14:hiddenFill xmlns:a14="http://schemas.microsoft.com/office/drawing/2010/main">
+                <a:solidFill>
+                  <a:srgbClr val="FFFFFF"/>
+                </a:solidFill>
+              </a14:hiddenFill>
+            </a:ext>
+          </a:extLst>
+        </p:spPr>
+      </p:pic>
     </p:spTree>
     <p:extLst>
       <p:ext uri="{BB962C8B-B14F-4D97-AF65-F5344CB8AC3E}">
@@ -17893,6 +18065,45 @@
         </p:nvSpPr>
         <p:spPr/>
       </p:sp>
+      <p:pic>
+        <p:nvPicPr>
+          <p:cNvPr id="2050" name="Picture 2" descr="C:\Users\Kitten\Documents\GitHub\comp3006\System Design\com design - 1.png"/>
+          <p:cNvPicPr>
+            <a:picLocks noChangeAspect="1" noChangeArrowheads="1"/>
+          </p:cNvPicPr>
+          <p:nvPr/>
+        </p:nvPicPr>
+        <p:blipFill rotWithShape="1">
+          <a:blip r:embed="rId3">
+            <a:extLst>
+              <a:ext uri="{28A0092B-C50C-407E-A947-70E740481C1C}">
+                <a14:useLocalDpi xmlns:a14="http://schemas.microsoft.com/office/drawing/2010/main" val="0"/>
+              </a:ext>
+            </a:extLst>
+          </a:blip>
+          <a:srcRect r="2464"/>
+          <a:stretch/>
+        </p:blipFill>
+        <p:spPr bwMode="auto">
+          <a:xfrm>
+            <a:off x="609600" y="1905000"/>
+            <a:ext cx="7976752" cy="2819400"/>
+          </a:xfrm>
+          <a:prstGeom prst="rect">
+            <a:avLst/>
+          </a:prstGeom>
+          <a:noFill/>
+          <a:extLst>
+            <a:ext uri="{909E8E84-426E-40DD-AFC4-6F175D3DCCD1}">
+              <a14:hiddenFill xmlns:a14="http://schemas.microsoft.com/office/drawing/2010/main">
+                <a:solidFill>
+                  <a:srgbClr val="FFFFFF"/>
+                </a:solidFill>
+              </a14:hiddenFill>
+            </a:ext>
+          </a:extLst>
+        </p:spPr>
+      </p:pic>
     </p:spTree>
     <p:extLst>
       <p:ext uri="{BB962C8B-B14F-4D97-AF65-F5344CB8AC3E}">
@@ -17942,6 +18153,47 @@
         </p:nvSpPr>
         <p:spPr/>
       </p:sp>
+      <p:pic>
+        <p:nvPicPr>
+          <p:cNvPr id="3074" name="Picture 2" descr="C:\Users\Kitten\Documents\GitHub\comp3006\System Design\com design - 2.png"/>
+          <p:cNvPicPr>
+            <a:picLocks noChangeAspect="1" noChangeArrowheads="1"/>
+          </p:cNvPicPr>
+          <p:nvPr/>
+        </p:nvPicPr>
+        <p:blipFill>
+          <a:blip r:embed="rId3">
+            <a:extLst>
+              <a:ext uri="{28A0092B-C50C-407E-A947-70E740481C1C}">
+                <a14:useLocalDpi xmlns:a14="http://schemas.microsoft.com/office/drawing/2010/main" val="0"/>
+              </a:ext>
+            </a:extLst>
+          </a:blip>
+          <a:srcRect/>
+          <a:stretch>
+            <a:fillRect/>
+          </a:stretch>
+        </p:blipFill>
+        <p:spPr bwMode="auto">
+          <a:xfrm>
+            <a:off x="609600" y="2026356"/>
+            <a:ext cx="7924800" cy="3155244"/>
+          </a:xfrm>
+          <a:prstGeom prst="rect">
+            <a:avLst/>
+          </a:prstGeom>
+          <a:noFill/>
+          <a:extLst>
+            <a:ext uri="{909E8E84-426E-40DD-AFC4-6F175D3DCCD1}">
+              <a14:hiddenFill xmlns:a14="http://schemas.microsoft.com/office/drawing/2010/main">
+                <a:solidFill>
+                  <a:srgbClr val="FFFFFF"/>
+                </a:solidFill>
+              </a14:hiddenFill>
+            </a:ext>
+          </a:extLst>
+        </p:spPr>
+      </p:pic>
     </p:spTree>
     <p:extLst>
       <p:ext uri="{BB962C8B-B14F-4D97-AF65-F5344CB8AC3E}">
@@ -17991,10 +18243,51 @@
         </p:nvSpPr>
         <p:spPr/>
       </p:sp>
+      <p:pic>
+        <p:nvPicPr>
+          <p:cNvPr id="4098" name="Picture 2" descr="C:\Users\Kitten\Documents\GitHub\comp3006\System Design\com design - 3.png"/>
+          <p:cNvPicPr>
+            <a:picLocks noChangeAspect="1" noChangeArrowheads="1"/>
+          </p:cNvPicPr>
+          <p:nvPr/>
+        </p:nvPicPr>
+        <p:blipFill>
+          <a:blip r:embed="rId3">
+            <a:extLst>
+              <a:ext uri="{28A0092B-C50C-407E-A947-70E740481C1C}">
+                <a14:useLocalDpi xmlns:a14="http://schemas.microsoft.com/office/drawing/2010/main" val="0"/>
+              </a:ext>
+            </a:extLst>
+          </a:blip>
+          <a:srcRect/>
+          <a:stretch>
+            <a:fillRect/>
+          </a:stretch>
+        </p:blipFill>
+        <p:spPr bwMode="auto">
+          <a:xfrm>
+            <a:off x="693519" y="1371600"/>
+            <a:ext cx="7840881" cy="4114800"/>
+          </a:xfrm>
+          <a:prstGeom prst="rect">
+            <a:avLst/>
+          </a:prstGeom>
+          <a:noFill/>
+          <a:extLst>
+            <a:ext uri="{909E8E84-426E-40DD-AFC4-6F175D3DCCD1}">
+              <a14:hiddenFill xmlns:a14="http://schemas.microsoft.com/office/drawing/2010/main">
+                <a:solidFill>
+                  <a:srgbClr val="FFFFFF"/>
+                </a:solidFill>
+              </a14:hiddenFill>
+            </a:ext>
+          </a:extLst>
+        </p:spPr>
+      </p:pic>
     </p:spTree>
     <p:extLst>
       <p:ext uri="{BB962C8B-B14F-4D97-AF65-F5344CB8AC3E}">
-        <p14:creationId xmlns:p14="http://schemas.microsoft.com/office/powerpoint/2010/main" val="1584867095"/>
+        <p14:creationId xmlns:p14="http://schemas.microsoft.com/office/powerpoint/2010/main" val="2860670244"/>
       </p:ext>
     </p:extLst>
   </p:cSld>
@@ -18040,10 +18333,92 @@
         </p:nvSpPr>
         <p:spPr/>
       </p:sp>
+      <p:pic>
+        <p:nvPicPr>
+          <p:cNvPr id="5122" name="Picture 2" descr="C:\Users\Kitten\Documents\GitHub\comp3006\System Design\com design - 4.png"/>
+          <p:cNvPicPr>
+            <a:picLocks noChangeAspect="1" noChangeArrowheads="1"/>
+          </p:cNvPicPr>
+          <p:nvPr/>
+        </p:nvPicPr>
+        <p:blipFill>
+          <a:blip r:embed="rId3">
+            <a:extLst>
+              <a:ext uri="{28A0092B-C50C-407E-A947-70E740481C1C}">
+                <a14:useLocalDpi xmlns:a14="http://schemas.microsoft.com/office/drawing/2010/main" val="0"/>
+              </a:ext>
+            </a:extLst>
+          </a:blip>
+          <a:srcRect/>
+          <a:stretch>
+            <a:fillRect/>
+          </a:stretch>
+        </p:blipFill>
+        <p:spPr bwMode="auto">
+          <a:xfrm>
+            <a:off x="533400" y="304800"/>
+            <a:ext cx="3924300" cy="3314700"/>
+          </a:xfrm>
+          <a:prstGeom prst="rect">
+            <a:avLst/>
+          </a:prstGeom>
+          <a:noFill/>
+          <a:extLst>
+            <a:ext uri="{909E8E84-426E-40DD-AFC4-6F175D3DCCD1}">
+              <a14:hiddenFill xmlns:a14="http://schemas.microsoft.com/office/drawing/2010/main">
+                <a:solidFill>
+                  <a:srgbClr val="FFFFFF"/>
+                </a:solidFill>
+              </a14:hiddenFill>
+            </a:ext>
+          </a:extLst>
+        </p:spPr>
+      </p:pic>
+      <p:pic>
+        <p:nvPicPr>
+          <p:cNvPr id="5123" name="Picture 3" descr="C:\Users\Kitten\Documents\GitHub\comp3006\System Design\com design - 5.png"/>
+          <p:cNvPicPr>
+            <a:picLocks noChangeAspect="1" noChangeArrowheads="1"/>
+          </p:cNvPicPr>
+          <p:nvPr/>
+        </p:nvPicPr>
+        <p:blipFill>
+          <a:blip r:embed="rId4">
+            <a:extLst>
+              <a:ext uri="{28A0092B-C50C-407E-A947-70E740481C1C}">
+                <a14:useLocalDpi xmlns:a14="http://schemas.microsoft.com/office/drawing/2010/main" val="0"/>
+              </a:ext>
+            </a:extLst>
+          </a:blip>
+          <a:srcRect/>
+          <a:stretch>
+            <a:fillRect/>
+          </a:stretch>
+        </p:blipFill>
+        <p:spPr bwMode="auto">
+          <a:xfrm>
+            <a:off x="4445259" y="2971800"/>
+            <a:ext cx="3990975" cy="3314700"/>
+          </a:xfrm>
+          <a:prstGeom prst="rect">
+            <a:avLst/>
+          </a:prstGeom>
+          <a:noFill/>
+          <a:extLst>
+            <a:ext uri="{909E8E84-426E-40DD-AFC4-6F175D3DCCD1}">
+              <a14:hiddenFill xmlns:a14="http://schemas.microsoft.com/office/drawing/2010/main">
+                <a:solidFill>
+                  <a:srgbClr val="FFFFFF"/>
+                </a:solidFill>
+              </a14:hiddenFill>
+            </a:ext>
+          </a:extLst>
+        </p:spPr>
+      </p:pic>
     </p:spTree>
     <p:extLst>
       <p:ext uri="{BB962C8B-B14F-4D97-AF65-F5344CB8AC3E}">
-        <p14:creationId xmlns:p14="http://schemas.microsoft.com/office/powerpoint/2010/main" val="4291436500"/>
+        <p14:creationId xmlns:p14="http://schemas.microsoft.com/office/powerpoint/2010/main" val="214721373"/>
       </p:ext>
     </p:extLst>
   </p:cSld>
@@ -18089,10 +18464,51 @@
         </p:nvSpPr>
         <p:spPr/>
       </p:sp>
+      <p:pic>
+        <p:nvPicPr>
+          <p:cNvPr id="6146" name="Picture 2" descr="C:\Users\Kitten\Documents\GitHub\comp3006\System Design\com design - 6.png"/>
+          <p:cNvPicPr>
+            <a:picLocks noChangeAspect="1" noChangeArrowheads="1"/>
+          </p:cNvPicPr>
+          <p:nvPr/>
+        </p:nvPicPr>
+        <p:blipFill>
+          <a:blip r:embed="rId3">
+            <a:extLst>
+              <a:ext uri="{28A0092B-C50C-407E-A947-70E740481C1C}">
+                <a14:useLocalDpi xmlns:a14="http://schemas.microsoft.com/office/drawing/2010/main" val="0"/>
+              </a:ext>
+            </a:extLst>
+          </a:blip>
+          <a:srcRect/>
+          <a:stretch>
+            <a:fillRect/>
+          </a:stretch>
+        </p:blipFill>
+        <p:spPr bwMode="auto">
+          <a:xfrm>
+            <a:off x="609600" y="1143000"/>
+            <a:ext cx="7991475" cy="4439709"/>
+          </a:xfrm>
+          <a:prstGeom prst="rect">
+            <a:avLst/>
+          </a:prstGeom>
+          <a:noFill/>
+          <a:extLst>
+            <a:ext uri="{909E8E84-426E-40DD-AFC4-6F175D3DCCD1}">
+              <a14:hiddenFill xmlns:a14="http://schemas.microsoft.com/office/drawing/2010/main">
+                <a:solidFill>
+                  <a:srgbClr val="FFFFFF"/>
+                </a:solidFill>
+              </a14:hiddenFill>
+            </a:ext>
+          </a:extLst>
+        </p:spPr>
+      </p:pic>
     </p:spTree>
     <p:extLst>
       <p:ext uri="{BB962C8B-B14F-4D97-AF65-F5344CB8AC3E}">
-        <p14:creationId xmlns:p14="http://schemas.microsoft.com/office/powerpoint/2010/main" val="4291436500"/>
+        <p14:creationId xmlns:p14="http://schemas.microsoft.com/office/powerpoint/2010/main" val="340129151"/>
       </p:ext>
     </p:extLst>
   </p:cSld>
@@ -18138,10 +18554,49 @@
         </p:nvSpPr>
         <p:spPr/>
       </p:sp>
+      <p:pic>
+        <p:nvPicPr>
+          <p:cNvPr id="7170" name="Picture 2" descr="C:\Users\Kitten\Documents\GitHub\comp3006\System Design\com design - 7.png"/>
+          <p:cNvPicPr>
+            <a:picLocks noChangeAspect="1" noChangeArrowheads="1"/>
+          </p:cNvPicPr>
+          <p:nvPr/>
+        </p:nvPicPr>
+        <p:blipFill rotWithShape="1">
+          <a:blip r:embed="rId3">
+            <a:extLst>
+              <a:ext uri="{28A0092B-C50C-407E-A947-70E740481C1C}">
+                <a14:useLocalDpi xmlns:a14="http://schemas.microsoft.com/office/drawing/2010/main" val="0"/>
+              </a:ext>
+            </a:extLst>
+          </a:blip>
+          <a:srcRect r="3363"/>
+          <a:stretch/>
+        </p:blipFill>
+        <p:spPr bwMode="auto">
+          <a:xfrm>
+            <a:off x="533400" y="1075180"/>
+            <a:ext cx="8001000" cy="4716020"/>
+          </a:xfrm>
+          <a:prstGeom prst="rect">
+            <a:avLst/>
+          </a:prstGeom>
+          <a:noFill/>
+          <a:extLst>
+            <a:ext uri="{909E8E84-426E-40DD-AFC4-6F175D3DCCD1}">
+              <a14:hiddenFill xmlns:a14="http://schemas.microsoft.com/office/drawing/2010/main">
+                <a:solidFill>
+                  <a:srgbClr val="FFFFFF"/>
+                </a:solidFill>
+              </a14:hiddenFill>
+            </a:ext>
+          </a:extLst>
+        </p:spPr>
+      </p:pic>
     </p:spTree>
     <p:extLst>
       <p:ext uri="{BB962C8B-B14F-4D97-AF65-F5344CB8AC3E}">
-        <p14:creationId xmlns:p14="http://schemas.microsoft.com/office/powerpoint/2010/main" val="4291436500"/>
+        <p14:creationId xmlns:p14="http://schemas.microsoft.com/office/powerpoint/2010/main" val="3343891532"/>
       </p:ext>
     </p:extLst>
   </p:cSld>
@@ -18187,10 +18642,49 @@
         </p:nvSpPr>
         <p:spPr/>
       </p:sp>
+      <p:pic>
+        <p:nvPicPr>
+          <p:cNvPr id="8194" name="Picture 2" descr="C:\Users\Kitten\Documents\GitHub\comp3006\System Design\com design - 8.png"/>
+          <p:cNvPicPr>
+            <a:picLocks noChangeAspect="1" noChangeArrowheads="1"/>
+          </p:cNvPicPr>
+          <p:nvPr/>
+        </p:nvPicPr>
+        <p:blipFill rotWithShape="1">
+          <a:blip r:embed="rId3">
+            <a:extLst>
+              <a:ext uri="{28A0092B-C50C-407E-A947-70E740481C1C}">
+                <a14:useLocalDpi xmlns:a14="http://schemas.microsoft.com/office/drawing/2010/main" val="0"/>
+              </a:ext>
+            </a:extLst>
+          </a:blip>
+          <a:srcRect r="2654"/>
+          <a:stretch/>
+        </p:blipFill>
+        <p:spPr bwMode="auto">
+          <a:xfrm>
+            <a:off x="609600" y="838199"/>
+            <a:ext cx="7924800" cy="5265353"/>
+          </a:xfrm>
+          <a:prstGeom prst="rect">
+            <a:avLst/>
+          </a:prstGeom>
+          <a:noFill/>
+          <a:extLst>
+            <a:ext uri="{909E8E84-426E-40DD-AFC4-6F175D3DCCD1}">
+              <a14:hiddenFill xmlns:a14="http://schemas.microsoft.com/office/drawing/2010/main">
+                <a:solidFill>
+                  <a:srgbClr val="FFFFFF"/>
+                </a:solidFill>
+              </a14:hiddenFill>
+            </a:ext>
+          </a:extLst>
+        </p:spPr>
+      </p:pic>
     </p:spTree>
     <p:extLst>
       <p:ext uri="{BB962C8B-B14F-4D97-AF65-F5344CB8AC3E}">
-        <p14:creationId xmlns:p14="http://schemas.microsoft.com/office/powerpoint/2010/main" val="4291436500"/>
+        <p14:creationId xmlns:p14="http://schemas.microsoft.com/office/powerpoint/2010/main" val="1456117753"/>
       </p:ext>
     </p:extLst>
   </p:cSld>
@@ -18239,7 +18733,7 @@
     </p:spTree>
     <p:extLst>
       <p:ext uri="{BB962C8B-B14F-4D97-AF65-F5344CB8AC3E}">
-        <p14:creationId xmlns:p14="http://schemas.microsoft.com/office/powerpoint/2010/main" val="4291436500"/>
+        <p14:creationId xmlns:p14="http://schemas.microsoft.com/office/powerpoint/2010/main" val="1584867095"/>
       </p:ext>
     </p:extLst>
   </p:cSld>
@@ -18288,7 +18782,7 @@
     </p:spTree>
     <p:extLst>
       <p:ext uri="{BB962C8B-B14F-4D97-AF65-F5344CB8AC3E}">
-        <p14:creationId xmlns:p14="http://schemas.microsoft.com/office/powerpoint/2010/main" val="1730450768"/>
+        <p14:creationId xmlns:p14="http://schemas.microsoft.com/office/powerpoint/2010/main" val="4291436500"/>
       </p:ext>
     </p:extLst>
   </p:cSld>
@@ -18629,7 +19123,7 @@
     </p:spTree>
     <p:extLst>
       <p:ext uri="{BB962C8B-B14F-4D97-AF65-F5344CB8AC3E}">
-        <p14:creationId xmlns:p14="http://schemas.microsoft.com/office/powerpoint/2010/main" val="1582206214"/>
+        <p14:creationId xmlns:p14="http://schemas.microsoft.com/office/powerpoint/2010/main" val="4291436500"/>
       </p:ext>
     </p:extLst>
   </p:cSld>
@@ -18678,7 +19172,7 @@
     </p:spTree>
     <p:extLst>
       <p:ext uri="{BB962C8B-B14F-4D97-AF65-F5344CB8AC3E}">
-        <p14:creationId xmlns:p14="http://schemas.microsoft.com/office/powerpoint/2010/main" val="326641061"/>
+        <p14:creationId xmlns:p14="http://schemas.microsoft.com/office/powerpoint/2010/main" val="4291436500"/>
       </p:ext>
     </p:extLst>
   </p:cSld>
@@ -18727,7 +19221,7 @@
     </p:spTree>
     <p:extLst>
       <p:ext uri="{BB962C8B-B14F-4D97-AF65-F5344CB8AC3E}">
-        <p14:creationId xmlns:p14="http://schemas.microsoft.com/office/powerpoint/2010/main" val="1365972875"/>
+        <p14:creationId xmlns:p14="http://schemas.microsoft.com/office/powerpoint/2010/main" val="4291436500"/>
       </p:ext>
     </p:extLst>
   </p:cSld>
@@ -18776,6 +19270,251 @@
     </p:spTree>
     <p:extLst>
       <p:ext uri="{BB962C8B-B14F-4D97-AF65-F5344CB8AC3E}">
+        <p14:creationId xmlns:p14="http://schemas.microsoft.com/office/powerpoint/2010/main" val="4291436500"/>
+      </p:ext>
+    </p:extLst>
+  </p:cSld>
+  <p:clrMapOvr>
+    <a:masterClrMapping/>
+  </p:clrMapOvr>
+  <p:timing>
+    <p:tnLst>
+      <p:par>
+        <p:cTn id="1" dur="indefinite" restart="never" nodeType="tmRoot"/>
+      </p:par>
+    </p:tnLst>
+  </p:timing>
+</p:sld>
+</file>
+
+<file path=ppt/slides/slide24.xml><?xml version="1.0" encoding="utf-8"?>
+<p:sld xmlns:a="http://schemas.openxmlformats.org/drawingml/2006/main" xmlns:r="http://schemas.openxmlformats.org/officeDocument/2006/relationships" xmlns:p="http://schemas.openxmlformats.org/presentationml/2006/main">
+  <p:cSld>
+    <p:spTree>
+      <p:nvGrpSpPr>
+        <p:cNvPr id="1" name=""/>
+        <p:cNvGrpSpPr/>
+        <p:nvPr/>
+      </p:nvGrpSpPr>
+      <p:grpSpPr>
+        <a:xfrm>
+          <a:off x="0" y="0"/>
+          <a:ext cx="0" cy="0"/>
+          <a:chOff x="0" y="0"/>
+          <a:chExt cx="0" cy="0"/>
+        </a:xfrm>
+      </p:grpSpPr>
+      <p:sp>
+        <p:nvSpPr>
+          <p:cNvPr id="2" name="Picture Placeholder 1"/>
+          <p:cNvSpPr>
+            <a:spLocks noGrp="1"/>
+          </p:cNvSpPr>
+          <p:nvPr>
+            <p:ph type="pic" sz="quarter" idx="13"/>
+          </p:nvPr>
+        </p:nvSpPr>
+        <p:spPr/>
+      </p:sp>
+    </p:spTree>
+    <p:extLst>
+      <p:ext uri="{BB962C8B-B14F-4D97-AF65-F5344CB8AC3E}">
+        <p14:creationId xmlns:p14="http://schemas.microsoft.com/office/powerpoint/2010/main" val="1730450768"/>
+      </p:ext>
+    </p:extLst>
+  </p:cSld>
+  <p:clrMapOvr>
+    <a:masterClrMapping/>
+  </p:clrMapOvr>
+  <p:timing>
+    <p:tnLst>
+      <p:par>
+        <p:cTn id="1" dur="indefinite" restart="never" nodeType="tmRoot"/>
+      </p:par>
+    </p:tnLst>
+  </p:timing>
+</p:sld>
+</file>
+
+<file path=ppt/slides/slide25.xml><?xml version="1.0" encoding="utf-8"?>
+<p:sld xmlns:a="http://schemas.openxmlformats.org/drawingml/2006/main" xmlns:r="http://schemas.openxmlformats.org/officeDocument/2006/relationships" xmlns:p="http://schemas.openxmlformats.org/presentationml/2006/main">
+  <p:cSld>
+    <p:spTree>
+      <p:nvGrpSpPr>
+        <p:cNvPr id="1" name=""/>
+        <p:cNvGrpSpPr/>
+        <p:nvPr/>
+      </p:nvGrpSpPr>
+      <p:grpSpPr>
+        <a:xfrm>
+          <a:off x="0" y="0"/>
+          <a:ext cx="0" cy="0"/>
+          <a:chOff x="0" y="0"/>
+          <a:chExt cx="0" cy="0"/>
+        </a:xfrm>
+      </p:grpSpPr>
+      <p:sp>
+        <p:nvSpPr>
+          <p:cNvPr id="2" name="Picture Placeholder 1"/>
+          <p:cNvSpPr>
+            <a:spLocks noGrp="1"/>
+          </p:cNvSpPr>
+          <p:nvPr>
+            <p:ph type="pic" sz="quarter" idx="13"/>
+          </p:nvPr>
+        </p:nvSpPr>
+        <p:spPr/>
+      </p:sp>
+    </p:spTree>
+    <p:extLst>
+      <p:ext uri="{BB962C8B-B14F-4D97-AF65-F5344CB8AC3E}">
+        <p14:creationId xmlns:p14="http://schemas.microsoft.com/office/powerpoint/2010/main" val="1582206214"/>
+      </p:ext>
+    </p:extLst>
+  </p:cSld>
+  <p:clrMapOvr>
+    <a:masterClrMapping/>
+  </p:clrMapOvr>
+  <p:timing>
+    <p:tnLst>
+      <p:par>
+        <p:cTn id="1" dur="indefinite" restart="never" nodeType="tmRoot"/>
+      </p:par>
+    </p:tnLst>
+  </p:timing>
+</p:sld>
+</file>
+
+<file path=ppt/slides/slide26.xml><?xml version="1.0" encoding="utf-8"?>
+<p:sld xmlns:a="http://schemas.openxmlformats.org/drawingml/2006/main" xmlns:r="http://schemas.openxmlformats.org/officeDocument/2006/relationships" xmlns:p="http://schemas.openxmlformats.org/presentationml/2006/main">
+  <p:cSld>
+    <p:spTree>
+      <p:nvGrpSpPr>
+        <p:cNvPr id="1" name=""/>
+        <p:cNvGrpSpPr/>
+        <p:nvPr/>
+      </p:nvGrpSpPr>
+      <p:grpSpPr>
+        <a:xfrm>
+          <a:off x="0" y="0"/>
+          <a:ext cx="0" cy="0"/>
+          <a:chOff x="0" y="0"/>
+          <a:chExt cx="0" cy="0"/>
+        </a:xfrm>
+      </p:grpSpPr>
+      <p:sp>
+        <p:nvSpPr>
+          <p:cNvPr id="2" name="Picture Placeholder 1"/>
+          <p:cNvSpPr>
+            <a:spLocks noGrp="1"/>
+          </p:cNvSpPr>
+          <p:nvPr>
+            <p:ph type="pic" sz="quarter" idx="13"/>
+          </p:nvPr>
+        </p:nvSpPr>
+        <p:spPr/>
+      </p:sp>
+    </p:spTree>
+    <p:extLst>
+      <p:ext uri="{BB962C8B-B14F-4D97-AF65-F5344CB8AC3E}">
+        <p14:creationId xmlns:p14="http://schemas.microsoft.com/office/powerpoint/2010/main" val="326641061"/>
+      </p:ext>
+    </p:extLst>
+  </p:cSld>
+  <p:clrMapOvr>
+    <a:masterClrMapping/>
+  </p:clrMapOvr>
+  <p:timing>
+    <p:tnLst>
+      <p:par>
+        <p:cTn id="1" dur="indefinite" restart="never" nodeType="tmRoot"/>
+      </p:par>
+    </p:tnLst>
+  </p:timing>
+</p:sld>
+</file>
+
+<file path=ppt/slides/slide27.xml><?xml version="1.0" encoding="utf-8"?>
+<p:sld xmlns:a="http://schemas.openxmlformats.org/drawingml/2006/main" xmlns:r="http://schemas.openxmlformats.org/officeDocument/2006/relationships" xmlns:p="http://schemas.openxmlformats.org/presentationml/2006/main">
+  <p:cSld>
+    <p:spTree>
+      <p:nvGrpSpPr>
+        <p:cNvPr id="1" name=""/>
+        <p:cNvGrpSpPr/>
+        <p:nvPr/>
+      </p:nvGrpSpPr>
+      <p:grpSpPr>
+        <a:xfrm>
+          <a:off x="0" y="0"/>
+          <a:ext cx="0" cy="0"/>
+          <a:chOff x="0" y="0"/>
+          <a:chExt cx="0" cy="0"/>
+        </a:xfrm>
+      </p:grpSpPr>
+      <p:sp>
+        <p:nvSpPr>
+          <p:cNvPr id="2" name="Picture Placeholder 1"/>
+          <p:cNvSpPr>
+            <a:spLocks noGrp="1"/>
+          </p:cNvSpPr>
+          <p:nvPr>
+            <p:ph type="pic" sz="quarter" idx="13"/>
+          </p:nvPr>
+        </p:nvSpPr>
+        <p:spPr/>
+      </p:sp>
+    </p:spTree>
+    <p:extLst>
+      <p:ext uri="{BB962C8B-B14F-4D97-AF65-F5344CB8AC3E}">
+        <p14:creationId xmlns:p14="http://schemas.microsoft.com/office/powerpoint/2010/main" val="1365972875"/>
+      </p:ext>
+    </p:extLst>
+  </p:cSld>
+  <p:clrMapOvr>
+    <a:masterClrMapping/>
+  </p:clrMapOvr>
+  <p:timing>
+    <p:tnLst>
+      <p:par>
+        <p:cTn id="1" dur="indefinite" restart="never" nodeType="tmRoot"/>
+      </p:par>
+    </p:tnLst>
+  </p:timing>
+</p:sld>
+</file>
+
+<file path=ppt/slides/slide28.xml><?xml version="1.0" encoding="utf-8"?>
+<p:sld xmlns:a="http://schemas.openxmlformats.org/drawingml/2006/main" xmlns:r="http://schemas.openxmlformats.org/officeDocument/2006/relationships" xmlns:p="http://schemas.openxmlformats.org/presentationml/2006/main">
+  <p:cSld>
+    <p:spTree>
+      <p:nvGrpSpPr>
+        <p:cNvPr id="1" name=""/>
+        <p:cNvGrpSpPr/>
+        <p:nvPr/>
+      </p:nvGrpSpPr>
+      <p:grpSpPr>
+        <a:xfrm>
+          <a:off x="0" y="0"/>
+          <a:ext cx="0" cy="0"/>
+          <a:chOff x="0" y="0"/>
+          <a:chExt cx="0" cy="0"/>
+        </a:xfrm>
+      </p:grpSpPr>
+      <p:sp>
+        <p:nvSpPr>
+          <p:cNvPr id="2" name="Picture Placeholder 1"/>
+          <p:cNvSpPr>
+            <a:spLocks noGrp="1"/>
+          </p:cNvSpPr>
+          <p:nvPr>
+            <p:ph type="pic" sz="quarter" idx="13"/>
+          </p:nvPr>
+        </p:nvSpPr>
+        <p:spPr/>
+      </p:sp>
+    </p:spTree>
+    <p:extLst>
+      <p:ext uri="{BB962C8B-B14F-4D97-AF65-F5344CB8AC3E}">
         <p14:creationId xmlns:p14="http://schemas.microsoft.com/office/powerpoint/2010/main" val="4233378754"/>
       </p:ext>
     </p:extLst>
@@ -18793,7 +19532,7 @@
 </p:sld>
 </file>
 
-<file path=ppt/slides/slide24.xml><?xml version="1.0" encoding="utf-8"?>
+<file path=ppt/slides/slide29.xml><?xml version="1.0" encoding="utf-8"?>
 <p:sld xmlns:a="http://schemas.openxmlformats.org/drawingml/2006/main" xmlns:r="http://schemas.openxmlformats.org/officeDocument/2006/relationships" xmlns:p="http://schemas.openxmlformats.org/presentationml/2006/main">
   <p:cSld>
     <p:spTree>
@@ -19090,7 +19829,236 @@
 </p:sld>
 </file>
 
-<file path=ppt/slides/slide25.xml><?xml version="1.0" encoding="utf-8"?>
+<file path=ppt/slides/slide3.xml><?xml version="1.0" encoding="utf-8"?>
+<p:sld xmlns:a="http://schemas.openxmlformats.org/drawingml/2006/main" xmlns:r="http://schemas.openxmlformats.org/officeDocument/2006/relationships" xmlns:p="http://schemas.openxmlformats.org/presentationml/2006/main">
+  <p:cSld>
+    <p:spTree>
+      <p:nvGrpSpPr>
+        <p:cNvPr id="1" name=""/>
+        <p:cNvGrpSpPr/>
+        <p:nvPr/>
+      </p:nvGrpSpPr>
+      <p:grpSpPr>
+        <a:xfrm>
+          <a:off x="0" y="0"/>
+          <a:ext cx="0" cy="0"/>
+          <a:chOff x="0" y="0"/>
+          <a:chExt cx="0" cy="0"/>
+        </a:xfrm>
+      </p:grpSpPr>
+      <p:sp>
+        <p:nvSpPr>
+          <p:cNvPr id="15" name="Rectangle 14"/>
+          <p:cNvSpPr/>
+          <p:nvPr/>
+        </p:nvSpPr>
+        <p:spPr>
+          <a:xfrm>
+            <a:off x="240475" y="240475"/>
+            <a:ext cx="8686800" cy="6400800"/>
+          </a:xfrm>
+          <a:prstGeom prst="rect">
+            <a:avLst/>
+          </a:prstGeom>
+          <a:solidFill>
+            <a:schemeClr val="bg1"/>
+          </a:solidFill>
+          <a:ln>
+            <a:noFill/>
+          </a:ln>
+        </p:spPr>
+        <p:style>
+          <a:lnRef idx="2">
+            <a:schemeClr val="accent1">
+              <a:shade val="50000"/>
+            </a:schemeClr>
+          </a:lnRef>
+          <a:fillRef idx="1">
+            <a:schemeClr val="accent1"/>
+          </a:fillRef>
+          <a:effectRef idx="0">
+            <a:schemeClr val="accent1"/>
+          </a:effectRef>
+          <a:fontRef idx="minor">
+            <a:schemeClr val="lt1"/>
+          </a:fontRef>
+        </p:style>
+        <p:txBody>
+          <a:bodyPr rtlCol="0" anchor="ctr"/>
+          <a:lstStyle/>
+          <a:p>
+            <a:pPr algn="ctr"/>
+            <a:endParaRPr lang="en-US"/>
+          </a:p>
+        </p:txBody>
+      </p:sp>
+      <p:sp>
+        <p:nvSpPr>
+          <p:cNvPr id="16" name="Rectangle 15"/>
+          <p:cNvSpPr/>
+          <p:nvPr/>
+        </p:nvSpPr>
+        <p:spPr>
+          <a:xfrm>
+            <a:off x="188259" y="188259"/>
+            <a:ext cx="8776448" cy="6490448"/>
+          </a:xfrm>
+          <a:prstGeom prst="rect">
+            <a:avLst/>
+          </a:prstGeom>
+          <a:noFill/>
+          <a:ln w="31750">
+            <a:solidFill>
+              <a:schemeClr val="bg1"/>
+            </a:solidFill>
+          </a:ln>
+        </p:spPr>
+        <p:style>
+          <a:lnRef idx="2">
+            <a:schemeClr val="accent1">
+              <a:shade val="50000"/>
+            </a:schemeClr>
+          </a:lnRef>
+          <a:fillRef idx="1">
+            <a:schemeClr val="accent1"/>
+          </a:fillRef>
+          <a:effectRef idx="0">
+            <a:schemeClr val="accent1"/>
+          </a:effectRef>
+          <a:fontRef idx="minor">
+            <a:schemeClr val="lt1"/>
+          </a:fontRef>
+        </p:style>
+        <p:txBody>
+          <a:bodyPr rtlCol="0" anchor="ctr"/>
+          <a:lstStyle/>
+          <a:p>
+            <a:pPr algn="ctr"/>
+            <a:endParaRPr lang="en-US"/>
+          </a:p>
+        </p:txBody>
+      </p:sp>
+      <p:sp>
+        <p:nvSpPr>
+          <p:cNvPr id="9" name="TextBox 8"/>
+          <p:cNvSpPr txBox="1"/>
+          <p:nvPr/>
+        </p:nvSpPr>
+        <p:spPr>
+          <a:xfrm>
+            <a:off x="1143000" y="1828799"/>
+            <a:ext cx="6781800" cy="4648201"/>
+          </a:xfrm>
+          <a:prstGeom prst="rect">
+            <a:avLst/>
+          </a:prstGeom>
+          <a:noFill/>
+        </p:spPr>
+        <p:txBody>
+          <a:bodyPr wrap="square" rtlCol="0">
+            <a:normAutofit/>
+          </a:bodyPr>
+          <a:lstStyle/>
+          <a:p>
+            <a:pPr marL="342900" indent="-342900">
+              <a:buFont typeface="Arial" pitchFamily="34" charset="0"/>
+              <a:buChar char="•"/>
+            </a:pPr>
+            <a:r>
+              <a:rPr lang="en-US" sz="2400" b="1" dirty="0">
+                <a:solidFill>
+                  <a:srgbClr val="FC7500"/>
+                </a:solidFill>
+              </a:rPr>
+              <a:t>Background Removal </a:t>
+            </a:r>
+            <a:r>
+              <a:rPr lang="en-US" sz="2400" dirty="0"/>
+              <a:t>allows you to quickly and easily remove backgrounds to isolate </a:t>
+            </a:r>
+            <a:r>
+              <a:rPr lang="en-US" sz="2400" dirty="0" smtClean="0"/>
+              <a:t>items </a:t>
+            </a:r>
+            <a:r>
+              <a:rPr lang="en-US" sz="2400" dirty="0"/>
+              <a:t>in your image.</a:t>
+            </a:r>
+          </a:p>
+        </p:txBody>
+      </p:sp>
+      <p:sp>
+        <p:nvSpPr>
+          <p:cNvPr id="10" name="TextBox 9"/>
+          <p:cNvSpPr txBox="1"/>
+          <p:nvPr/>
+        </p:nvSpPr>
+        <p:spPr>
+          <a:xfrm>
+            <a:off x="240767" y="762000"/>
+            <a:ext cx="6432176" cy="461665"/>
+          </a:xfrm>
+          <a:prstGeom prst="rect">
+            <a:avLst/>
+          </a:prstGeom>
+          <a:solidFill>
+            <a:schemeClr val="tx1">
+              <a:lumMod val="95000"/>
+              <a:lumOff val="5000"/>
+              <a:alpha val="55000"/>
+            </a:schemeClr>
+          </a:solidFill>
+        </p:spPr>
+        <p:txBody>
+          <a:bodyPr wrap="square" rtlCol="0">
+            <a:normAutofit/>
+          </a:bodyPr>
+          <a:lstStyle/>
+          <a:p>
+            <a:r>
+              <a:rPr lang="en-US" sz="2400" b="1" dirty="0" smtClean="0">
+                <a:solidFill>
+                  <a:schemeClr val="bg1"/>
+                </a:solidFill>
+              </a:rPr>
+              <a:t>	What is Stock Monitoring System</a:t>
+            </a:r>
+            <a:endParaRPr lang="en-US" sz="2400" b="1" dirty="0">
+              <a:solidFill>
+                <a:schemeClr val="bg1"/>
+              </a:solidFill>
+            </a:endParaRPr>
+          </a:p>
+        </p:txBody>
+      </p:sp>
+    </p:spTree>
+  </p:cSld>
+  <p:clrMapOvr>
+    <a:masterClrMapping/>
+  </p:clrMapOvr>
+  <mc:AlternateContent xmlns:mc="http://schemas.openxmlformats.org/markup-compatibility/2006" xmlns:p14="http://schemas.microsoft.com/office/powerpoint/2010/main">
+    <mc:Choice Requires="p14">
+      <p:transition spd="slow" p14:dur="2000">
+        <p:blinds dir="vert"/>
+      </p:transition>
+    </mc:Choice>
+    <mc:Fallback xmlns="">
+      <p:transition spd="slow">
+        <p:blinds dir="vert"/>
+      </p:transition>
+    </mc:Fallback>
+  </mc:AlternateContent>
+  <p:timing>
+    <p:tnLst>
+      <p:par>
+        <p:cTn id="1" dur="indefinite" restart="never" nodeType="tmRoot"/>
+      </p:par>
+    </p:tnLst>
+  </p:timing>
+</p:sld>
+</file>
+
+<file path=ppt/slides/slide30.xml><?xml version="1.0" encoding="utf-8"?>
 <p:sld xmlns:a="http://schemas.openxmlformats.org/drawingml/2006/main" xmlns:r="http://schemas.openxmlformats.org/officeDocument/2006/relationships" xmlns:p="http://schemas.openxmlformats.org/presentationml/2006/main">
   <p:cSld>
     <p:spTree>
@@ -19387,7 +20355,7 @@
 </p:sld>
 </file>
 
-<file path=ppt/slides/slide26.xml><?xml version="1.0" encoding="utf-8"?>
+<file path=ppt/slides/slide31.xml><?xml version="1.0" encoding="utf-8"?>
 <p:sld xmlns:a="http://schemas.openxmlformats.org/drawingml/2006/main" xmlns:r="http://schemas.openxmlformats.org/officeDocument/2006/relationships" xmlns:p="http://schemas.openxmlformats.org/presentationml/2006/main">
   <p:cSld>
     <p:spTree>
@@ -19504,7 +20472,7 @@
         </p:nvSpPr>
         <p:spPr>
           <a:xfrm>
-            <a:off x="1143000" y="1828798"/>
+            <a:off x="1143000" y="1793031"/>
             <a:ext cx="6781800" cy="4648201"/>
           </a:xfrm>
           <a:prstGeom prst="rect">
@@ -19542,7 +20510,15 @@
                   <a:srgbClr val="FC7500"/>
                 </a:solidFill>
               </a:rPr>
-              <a:t>Multi-processing enhancement</a:t>
+              <a:t>Multi-processing/threading </a:t>
+            </a:r>
+            <a:r>
+              <a:rPr lang="en-US" sz="2400" b="1" dirty="0" smtClean="0">
+                <a:solidFill>
+                  <a:srgbClr val="FC7500"/>
+                </a:solidFill>
+              </a:rPr>
+              <a:t>enhancement</a:t>
             </a:r>
           </a:p>
           <a:p>
@@ -19556,8 +20532,13 @@
                   <a:srgbClr val="FC7500"/>
                 </a:solidFill>
               </a:rPr>
-              <a:t>Notification System  enhancement</a:t>
-            </a:r>
+              <a:t>Complete Functions Development</a:t>
+            </a:r>
+            <a:endParaRPr lang="en-US" sz="2400" b="1" dirty="0" smtClean="0">
+              <a:solidFill>
+                <a:srgbClr val="FC7500"/>
+              </a:solidFill>
+            </a:endParaRPr>
           </a:p>
           <a:p>
             <a:pPr marL="342900" indent="-342900">
@@ -19570,8 +20551,49 @@
                   <a:srgbClr val="FC7500"/>
                 </a:solidFill>
               </a:rPr>
-              <a:t>Multi-language platforms</a:t>
-            </a:r>
+              <a:t>Multi-language </a:t>
+            </a:r>
+            <a:r>
+              <a:rPr lang="en-US" sz="2400" b="1" dirty="0" smtClean="0">
+                <a:solidFill>
+                  <a:srgbClr val="FC7500"/>
+                </a:solidFill>
+              </a:rPr>
+              <a:t>platforms</a:t>
+            </a:r>
+          </a:p>
+          <a:p>
+            <a:pPr marL="342900" indent="-342900">
+              <a:buFont typeface="Arial" pitchFamily="34" charset="0"/>
+              <a:buChar char="•"/>
+            </a:pPr>
+            <a:r>
+              <a:rPr lang="en-US" sz="2400" b="1" dirty="0" smtClean="0">
+                <a:solidFill>
+                  <a:srgbClr val="FC7500"/>
+                </a:solidFill>
+              </a:rPr>
+              <a:t>System Security</a:t>
+            </a:r>
+          </a:p>
+          <a:p>
+            <a:pPr marL="342900" indent="-342900">
+              <a:buFont typeface="Arial" pitchFamily="34" charset="0"/>
+              <a:buChar char="•"/>
+            </a:pPr>
+            <a:r>
+              <a:rPr lang="en-US" sz="2400" b="1" dirty="0" smtClean="0">
+                <a:solidFill>
+                  <a:srgbClr val="FC7500"/>
+                </a:solidFill>
+              </a:rPr>
+              <a:t>Multi-Platform Compatible</a:t>
+            </a:r>
+            <a:endParaRPr lang="en-US" sz="2400" b="1" dirty="0" smtClean="0">
+              <a:solidFill>
+                <a:srgbClr val="FC7500"/>
+              </a:solidFill>
+            </a:endParaRPr>
           </a:p>
           <a:p>
             <a:pPr marL="342900" indent="-342900">
@@ -19670,15 +20692,7 @@
                   <a:schemeClr val="bg1"/>
                 </a:solidFill>
               </a:rPr>
-              <a:t>	</a:t>
-            </a:r>
-            <a:r>
-              <a:rPr lang="en-US" sz="2400" b="1" dirty="0" smtClean="0">
-                <a:solidFill>
-                  <a:schemeClr val="bg1"/>
-                </a:solidFill>
-              </a:rPr>
-              <a:t>Future development</a:t>
+              <a:t>	Future development</a:t>
             </a:r>
             <a:endParaRPr lang="en-US" sz="2400" b="1" dirty="0">
               <a:solidFill>
@@ -19720,4830 +20734,7 @@
 </p:sld>
 </file>
 
-<file path=ppt/slides/slide27.xml><?xml version="1.0" encoding="utf-8"?>
-<p:sld xmlns:a="http://schemas.openxmlformats.org/drawingml/2006/main" xmlns:r="http://schemas.openxmlformats.org/officeDocument/2006/relationships" xmlns:p="http://schemas.openxmlformats.org/presentationml/2006/main">
-  <p:cSld>
-    <p:spTree>
-      <p:nvGrpSpPr>
-        <p:cNvPr id="1" name=""/>
-        <p:cNvGrpSpPr/>
-        <p:nvPr/>
-      </p:nvGrpSpPr>
-      <p:grpSpPr>
-        <a:xfrm>
-          <a:off x="0" y="0"/>
-          <a:ext cx="0" cy="0"/>
-          <a:chOff x="0" y="0"/>
-          <a:chExt cx="0" cy="0"/>
-        </a:xfrm>
-      </p:grpSpPr>
-      <p:pic>
-        <p:nvPicPr>
-          <p:cNvPr id="14" name="Picture 3"/>
-          <p:cNvPicPr>
-            <a:picLocks noChangeAspect="1" noChangeArrowheads="1"/>
-          </p:cNvPicPr>
-          <p:nvPr/>
-        </p:nvPicPr>
-        <p:blipFill rotWithShape="1">
-          <a:blip r:embed="rId3">
-            <a:extLst>
-              <a:ext uri="{28A0092B-C50C-407E-A947-70E740481C1C}">
-                <a14:useLocalDpi xmlns:a14="http://schemas.microsoft.com/office/drawing/2010/main" val="0"/>
-              </a:ext>
-            </a:extLst>
-          </a:blip>
-          <a:srcRect/>
-          <a:stretch/>
-        </p:blipFill>
-        <p:spPr bwMode="auto">
-          <a:xfrm>
-            <a:off x="1281287" y="609600"/>
-            <a:ext cx="6048027" cy="4531425"/>
-          </a:xfrm>
-          <a:prstGeom prst="rect">
-            <a:avLst/>
-          </a:prstGeom>
-          <a:solidFill>
-            <a:srgbClr val="F0F0F0"/>
-          </a:solidFill>
-          <a:ln w="57150">
-            <a:solidFill>
-              <a:schemeClr val="bg1"/>
-            </a:solidFill>
-          </a:ln>
-          <a:effectLst>
-            <a:outerShdw dist="38100" dir="2700000" algn="tl" rotWithShape="0">
-              <a:prstClr val="black">
-                <a:alpha val="17000"/>
-              </a:prstClr>
-            </a:outerShdw>
-          </a:effectLst>
-          <a:extLst>
-            <a:ext uri="{53640926-AAD7-44D8-BBD7-CCE9431645EC}">
-              <a14:shadowObscured xmlns:a14="http://schemas.microsoft.com/office/drawing/2010/main" val="1"/>
-            </a:ext>
-          </a:extLst>
-        </p:spPr>
-      </p:pic>
-      <p:pic>
-        <p:nvPicPr>
-          <p:cNvPr id="12" name="Picture 2"/>
-          <p:cNvPicPr>
-            <a:picLocks noChangeAspect="1" noChangeArrowheads="1"/>
-          </p:cNvPicPr>
-          <p:nvPr/>
-        </p:nvPicPr>
-        <p:blipFill>
-          <a:blip r:embed="rId4"/>
-          <a:srcRect/>
-          <a:stretch>
-            <a:fillRect/>
-          </a:stretch>
-        </p:blipFill>
-        <p:spPr bwMode="auto">
-          <a:xfrm>
-            <a:off x="1066800" y="873826"/>
-            <a:ext cx="3590704" cy="3590704"/>
-          </a:xfrm>
-          <a:prstGeom prst="rect">
-            <a:avLst/>
-          </a:prstGeom>
-        </p:spPr>
-      </p:pic>
-      <p:sp>
-        <p:nvSpPr>
-          <p:cNvPr id="17" name="TextBox 16"/>
-          <p:cNvSpPr txBox="1"/>
-          <p:nvPr/>
-        </p:nvSpPr>
-        <p:spPr>
-          <a:xfrm>
-            <a:off x="914400" y="5486400"/>
-            <a:ext cx="6781800" cy="1219200"/>
-          </a:xfrm>
-          <a:prstGeom prst="rect">
-            <a:avLst/>
-          </a:prstGeom>
-          <a:noFill/>
-        </p:spPr>
-        <p:txBody>
-          <a:bodyPr wrap="square" rtlCol="0">
-            <a:normAutofit/>
-          </a:bodyPr>
-          <a:lstStyle/>
-          <a:p>
-            <a:pPr algn="ctr"/>
-            <a:r>
-              <a:rPr lang="en-US" sz="2400" dirty="0" smtClean="0">
-                <a:solidFill>
-                  <a:schemeClr val="tx1">
-                    <a:lumMod val="85000"/>
-                    <a:lumOff val="15000"/>
-                  </a:schemeClr>
-                </a:solidFill>
-              </a:rPr>
-              <a:t>By </a:t>
-            </a:r>
-            <a:r>
-              <a:rPr lang="en-US" sz="2400" b="1" dirty="0" smtClean="0">
-                <a:solidFill>
-                  <a:srgbClr val="FC7500"/>
-                </a:solidFill>
-              </a:rPr>
-              <a:t>layering multiple objects </a:t>
-            </a:r>
-            <a:r>
-              <a:rPr lang="en-US" sz="2400" dirty="0" smtClean="0">
-                <a:solidFill>
-                  <a:schemeClr val="tx1">
-                    <a:lumMod val="85000"/>
-                    <a:lumOff val="15000"/>
-                  </a:schemeClr>
-                </a:solidFill>
-              </a:rPr>
-              <a:t>on a different background, you can create dynamic layouts</a:t>
-            </a:r>
-            <a:endParaRPr lang="en-US" sz="2400" dirty="0">
-              <a:solidFill>
-                <a:schemeClr val="tx1">
-                  <a:lumMod val="85000"/>
-                  <a:lumOff val="15000"/>
-                </a:schemeClr>
-              </a:solidFill>
-            </a:endParaRPr>
-          </a:p>
-        </p:txBody>
-      </p:sp>
-      <p:pic>
-        <p:nvPicPr>
-          <p:cNvPr id="10" name="Picture 9"/>
-          <p:cNvPicPr>
-            <a:picLocks noChangeAspect="1"/>
-          </p:cNvPicPr>
-          <p:nvPr/>
-        </p:nvPicPr>
-        <p:blipFill rotWithShape="1">
-          <a:blip r:embed="rId5" cstate="screen">
-            <a:extLst>
-              <a:ext uri="{28A0092B-C50C-407E-A947-70E740481C1C}">
-                <a14:useLocalDpi xmlns:a14="http://schemas.microsoft.com/office/drawing/2010/main" val="0"/>
-              </a:ext>
-            </a:extLst>
-          </a:blip>
-          <a:srcRect/>
-          <a:stretch/>
-        </p:blipFill>
-        <p:spPr>
-          <a:xfrm flipH="1">
-            <a:off x="3962400" y="1828800"/>
-            <a:ext cx="3864903" cy="2852928"/>
-          </a:xfrm>
-          <a:prstGeom prst="rect">
-            <a:avLst/>
-          </a:prstGeom>
-        </p:spPr>
-      </p:pic>
-    </p:spTree>
-  </p:cSld>
-  <p:clrMapOvr>
-    <a:masterClrMapping/>
-  </p:clrMapOvr>
-  <mc:AlternateContent xmlns:mc="http://schemas.openxmlformats.org/markup-compatibility/2006" xmlns:p14="http://schemas.microsoft.com/office/powerpoint/2010/main">
-    <mc:Choice Requires="p14">
-      <p:transition spd="slow" p14:dur="2000">
-        <p:circle/>
-      </p:transition>
-    </mc:Choice>
-    <mc:Fallback xmlns="">
-      <p:transition spd="slow">
-        <p:circle/>
-      </p:transition>
-    </mc:Fallback>
-  </mc:AlternateContent>
-  <p:timing>
-    <p:tnLst>
-      <p:par>
-        <p:cTn id="1" dur="indefinite" restart="never" nodeType="tmRoot">
-          <p:childTnLst>
-            <p:seq concurrent="1" nextAc="seek">
-              <p:cTn id="2" dur="indefinite" nodeType="mainSeq">
-                <p:childTnLst>
-                  <p:par>
-                    <p:cTn id="3" fill="hold">
-                      <p:stCondLst>
-                        <p:cond delay="indefinite"/>
-                        <p:cond evt="onBegin" delay="0">
-                          <p:tn val="2"/>
-                        </p:cond>
-                      </p:stCondLst>
-                      <p:childTnLst>
-                        <p:par>
-                          <p:cTn id="4" fill="hold">
-                            <p:stCondLst>
-                              <p:cond delay="0"/>
-                            </p:stCondLst>
-                            <p:childTnLst>
-                              <p:par>
-                                <p:cTn id="5" presetID="31" presetClass="entr" presetSubtype="0" fill="hold" nodeType="afterEffect">
-                                  <p:stCondLst>
-                                    <p:cond delay="300"/>
-                                  </p:stCondLst>
-                                  <p:iterate type="lt">
-                                    <p:tmPct val="5000"/>
-                                  </p:iterate>
-                                  <p:childTnLst>
-                                    <p:set>
-                                      <p:cBhvr>
-                                        <p:cTn id="6" dur="1" fill="hold">
-                                          <p:stCondLst>
-                                            <p:cond delay="0"/>
-                                          </p:stCondLst>
-                                        </p:cTn>
-                                        <p:tgtEl>
-                                          <p:spTgt spid="12"/>
-                                        </p:tgtEl>
-                                        <p:attrNameLst>
-                                          <p:attrName>style.visibility</p:attrName>
-                                        </p:attrNameLst>
-                                      </p:cBhvr>
-                                      <p:to>
-                                        <p:strVal val="visible"/>
-                                      </p:to>
-                                    </p:set>
-                                    <p:anim calcmode="lin" valueType="num">
-                                      <p:cBhvr>
-                                        <p:cTn id="7" dur="1000" fill="hold"/>
-                                        <p:tgtEl>
-                                          <p:spTgt spid="12"/>
-                                        </p:tgtEl>
-                                        <p:attrNameLst>
-                                          <p:attrName>ppt_w</p:attrName>
-                                        </p:attrNameLst>
-                                      </p:cBhvr>
-                                      <p:tavLst>
-                                        <p:tav tm="0">
-                                          <p:val>
-                                            <p:fltVal val="0"/>
-                                          </p:val>
-                                        </p:tav>
-                                        <p:tav tm="100000">
-                                          <p:val>
-                                            <p:strVal val="#ppt_w"/>
-                                          </p:val>
-                                        </p:tav>
-                                      </p:tavLst>
-                                    </p:anim>
-                                    <p:anim calcmode="lin" valueType="num">
-                                      <p:cBhvr>
-                                        <p:cTn id="8" dur="1000" fill="hold"/>
-                                        <p:tgtEl>
-                                          <p:spTgt spid="12"/>
-                                        </p:tgtEl>
-                                        <p:attrNameLst>
-                                          <p:attrName>ppt_h</p:attrName>
-                                        </p:attrNameLst>
-                                      </p:cBhvr>
-                                      <p:tavLst>
-                                        <p:tav tm="0">
-                                          <p:val>
-                                            <p:fltVal val="0"/>
-                                          </p:val>
-                                        </p:tav>
-                                        <p:tav tm="100000">
-                                          <p:val>
-                                            <p:strVal val="#ppt_h"/>
-                                          </p:val>
-                                        </p:tav>
-                                      </p:tavLst>
-                                    </p:anim>
-                                    <p:anim calcmode="lin" valueType="num">
-                                      <p:cBhvr>
-                                        <p:cTn id="9" dur="1000" fill="hold"/>
-                                        <p:tgtEl>
-                                          <p:spTgt spid="12"/>
-                                        </p:tgtEl>
-                                        <p:attrNameLst>
-                                          <p:attrName>style.rotation</p:attrName>
-                                        </p:attrNameLst>
-                                      </p:cBhvr>
-                                      <p:tavLst>
-                                        <p:tav tm="0">
-                                          <p:val>
-                                            <p:fltVal val="90"/>
-                                          </p:val>
-                                        </p:tav>
-                                        <p:tav tm="100000">
-                                          <p:val>
-                                            <p:fltVal val="0"/>
-                                          </p:val>
-                                        </p:tav>
-                                      </p:tavLst>
-                                    </p:anim>
-                                    <p:animEffect transition="in" filter="fade">
-                                      <p:cBhvr>
-                                        <p:cTn id="10" dur="1000"/>
-                                        <p:tgtEl>
-                                          <p:spTgt spid="12"/>
-                                        </p:tgtEl>
-                                      </p:cBhvr>
-                                    </p:animEffect>
-                                  </p:childTnLst>
-                                </p:cTn>
-                              </p:par>
-                            </p:childTnLst>
-                          </p:cTn>
-                        </p:par>
-                        <p:par>
-                          <p:cTn id="11" fill="hold">
-                            <p:stCondLst>
-                              <p:cond delay="1300"/>
-                            </p:stCondLst>
-                            <p:childTnLst>
-                              <p:par>
-                                <p:cTn id="12" presetID="2" presetClass="entr" presetSubtype="2" fill="hold" nodeType="afterEffect">
-                                  <p:stCondLst>
-                                    <p:cond delay="0"/>
-                                  </p:stCondLst>
-                                  <p:childTnLst>
-                                    <p:set>
-                                      <p:cBhvr>
-                                        <p:cTn id="13" dur="1" fill="hold">
-                                          <p:stCondLst>
-                                            <p:cond delay="0"/>
-                                          </p:stCondLst>
-                                        </p:cTn>
-                                        <p:tgtEl>
-                                          <p:spTgt spid="10">
-                                            <p:bg/>
-                                          </p:spTgt>
-                                        </p:tgtEl>
-                                        <p:attrNameLst>
-                                          <p:attrName>style.visibility</p:attrName>
-                                        </p:attrNameLst>
-                                      </p:cBhvr>
-                                      <p:to>
-                                        <p:strVal val="visible"/>
-                                      </p:to>
-                                    </p:set>
-                                    <p:anim calcmode="lin" valueType="num">
-                                      <p:cBhvr additive="base">
-                                        <p:cTn id="14" dur="500" fill="hold"/>
-                                        <p:tgtEl>
-                                          <p:spTgt spid="10">
-                                            <p:bg/>
-                                          </p:spTgt>
-                                        </p:tgtEl>
-                                        <p:attrNameLst>
-                                          <p:attrName>ppt_x</p:attrName>
-                                        </p:attrNameLst>
-                                      </p:cBhvr>
-                                      <p:tavLst>
-                                        <p:tav tm="0">
-                                          <p:val>
-                                            <p:strVal val="1+#ppt_w/2"/>
-                                          </p:val>
-                                        </p:tav>
-                                        <p:tav tm="100000">
-                                          <p:val>
-                                            <p:strVal val="#ppt_x"/>
-                                          </p:val>
-                                        </p:tav>
-                                      </p:tavLst>
-                                    </p:anim>
-                                    <p:anim calcmode="lin" valueType="num">
-                                      <p:cBhvr additive="base">
-                                        <p:cTn id="15" dur="500" fill="hold"/>
-                                        <p:tgtEl>
-                                          <p:spTgt spid="10">
-                                            <p:bg/>
-                                          </p:spTgt>
-                                        </p:tgtEl>
-                                        <p:attrNameLst>
-                                          <p:attrName>ppt_y</p:attrName>
-                                        </p:attrNameLst>
-                                      </p:cBhvr>
-                                      <p:tavLst>
-                                        <p:tav tm="0">
-                                          <p:val>
-                                            <p:strVal val="#ppt_y"/>
-                                          </p:val>
-                                        </p:tav>
-                                        <p:tav tm="100000">
-                                          <p:val>
-                                            <p:strVal val="#ppt_y"/>
-                                          </p:val>
-                                        </p:tav>
-                                      </p:tavLst>
-                                    </p:anim>
-                                  </p:childTnLst>
-                                </p:cTn>
-                              </p:par>
-                            </p:childTnLst>
-                          </p:cTn>
-                        </p:par>
-                      </p:childTnLst>
-                    </p:cTn>
-                  </p:par>
-                </p:childTnLst>
-              </p:cTn>
-              <p:prevCondLst>
-                <p:cond evt="onPrev" delay="0">
-                  <p:tgtEl>
-                    <p:sldTgt/>
-                  </p:tgtEl>
-                </p:cond>
-              </p:prevCondLst>
-              <p:nextCondLst>
-                <p:cond evt="onNext" delay="0">
-                  <p:tgtEl>
-                    <p:sldTgt/>
-                  </p:tgtEl>
-                </p:cond>
-              </p:nextCondLst>
-            </p:seq>
-          </p:childTnLst>
-        </p:cTn>
-      </p:par>
-    </p:tnLst>
-  </p:timing>
-</p:sld>
-</file>
-
-<file path=ppt/slides/slide28.xml><?xml version="1.0" encoding="utf-8"?>
-<p:sld xmlns:a="http://schemas.openxmlformats.org/drawingml/2006/main" xmlns:r="http://schemas.openxmlformats.org/officeDocument/2006/relationships" xmlns:p="http://schemas.openxmlformats.org/presentationml/2006/main">
-  <p:cSld>
-    <p:spTree>
-      <p:nvGrpSpPr>
-        <p:cNvPr id="1" name=""/>
-        <p:cNvGrpSpPr/>
-        <p:nvPr/>
-      </p:nvGrpSpPr>
-      <p:grpSpPr>
-        <a:xfrm>
-          <a:off x="0" y="0"/>
-          <a:ext cx="0" cy="0"/>
-          <a:chOff x="0" y="0"/>
-          <a:chExt cx="0" cy="0"/>
-        </a:xfrm>
-      </p:grpSpPr>
-      <p:pic>
-        <p:nvPicPr>
-          <p:cNvPr id="3" name="Picture 2"/>
-          <p:cNvPicPr>
-            <a:picLocks/>
-          </p:cNvPicPr>
-          <p:nvPr/>
-        </p:nvPicPr>
-        <p:blipFill>
-          <a:blip r:embed="rId2" cstate="email">
-            <a:extLst>
-              <a:ext uri="{28A0092B-C50C-407E-A947-70E740481C1C}">
-                <a14:useLocalDpi xmlns:a14="http://schemas.microsoft.com/office/drawing/2010/main"/>
-              </a:ext>
-            </a:extLst>
-          </a:blip>
-          <a:stretch>
-            <a:fillRect/>
-          </a:stretch>
-        </p:blipFill>
-        <p:spPr>
-          <a:xfrm>
-            <a:off x="5755195" y="552255"/>
-            <a:ext cx="1993392" cy="3099816"/>
-          </a:xfrm>
-          <a:prstGeom prst="rect">
-            <a:avLst/>
-          </a:prstGeom>
-          <a:solidFill>
-            <a:srgbClr val="F0F0F0"/>
-          </a:solidFill>
-          <a:ln w="57150">
-            <a:solidFill>
-              <a:schemeClr val="bg1"/>
-            </a:solidFill>
-          </a:ln>
-          <a:effectLst>
-            <a:outerShdw dist="38100" dir="2700000" algn="tl" rotWithShape="0">
-              <a:prstClr val="black">
-                <a:alpha val="17000"/>
-              </a:prstClr>
-            </a:outerShdw>
-          </a:effectLst>
-        </p:spPr>
-      </p:pic>
-      <p:pic>
-        <p:nvPicPr>
-          <p:cNvPr id="4" name="Picture 3"/>
-          <p:cNvPicPr>
-            <a:picLocks/>
-          </p:cNvPicPr>
-          <p:nvPr/>
-        </p:nvPicPr>
-        <p:blipFill rotWithShape="1">
-          <a:blip r:embed="rId3" cstate="email">
-            <a:extLst>
-              <a:ext uri="{28A0092B-C50C-407E-A947-70E740481C1C}">
-                <a14:useLocalDpi xmlns:a14="http://schemas.microsoft.com/office/drawing/2010/main"/>
-              </a:ext>
-            </a:extLst>
-          </a:blip>
-          <a:srcRect b="-396"/>
-          <a:stretch/>
-        </p:blipFill>
-        <p:spPr>
-          <a:xfrm>
-            <a:off x="300764" y="552255"/>
-            <a:ext cx="1993392" cy="3099816"/>
-          </a:xfrm>
-          <a:prstGeom prst="rect">
-            <a:avLst/>
-          </a:prstGeom>
-          <a:solidFill>
-            <a:srgbClr val="F0F0F0"/>
-          </a:solidFill>
-          <a:ln w="57150">
-            <a:solidFill>
-              <a:schemeClr val="bg1"/>
-            </a:solidFill>
-          </a:ln>
-          <a:effectLst>
-            <a:outerShdw dist="38100" dir="2700000" algn="tl" rotWithShape="0">
-              <a:prstClr val="black">
-                <a:alpha val="17000"/>
-              </a:prstClr>
-            </a:outerShdw>
-          </a:effectLst>
-        </p:spPr>
-      </p:pic>
-      <p:pic>
-        <p:nvPicPr>
-          <p:cNvPr id="7" name="Picture 6"/>
-          <p:cNvPicPr>
-            <a:picLocks/>
-          </p:cNvPicPr>
-          <p:nvPr/>
-        </p:nvPicPr>
-        <p:blipFill rotWithShape="1">
-          <a:blip r:embed="rId4" cstate="email">
-            <a:extLst>
-              <a:ext uri="{28A0092B-C50C-407E-A947-70E740481C1C}">
-                <a14:useLocalDpi xmlns:a14="http://schemas.microsoft.com/office/drawing/2010/main"/>
-              </a:ext>
-            </a:extLst>
-          </a:blip>
-          <a:srcRect l="-1"/>
-          <a:stretch/>
-        </p:blipFill>
-        <p:spPr>
-          <a:xfrm rot="10800000">
-            <a:off x="3027979" y="552255"/>
-            <a:ext cx="1993392" cy="3099816"/>
-          </a:xfrm>
-          <a:prstGeom prst="rect">
-            <a:avLst/>
-          </a:prstGeom>
-          <a:solidFill>
-            <a:srgbClr val="F0F0F0"/>
-          </a:solidFill>
-          <a:ln w="57150">
-            <a:solidFill>
-              <a:schemeClr val="bg1"/>
-            </a:solidFill>
-          </a:ln>
-          <a:effectLst>
-            <a:outerShdw dist="38100" dir="2700000" algn="tl" rotWithShape="0">
-              <a:prstClr val="black">
-                <a:alpha val="17000"/>
-              </a:prstClr>
-            </a:outerShdw>
-          </a:effectLst>
-        </p:spPr>
-      </p:pic>
-      <p:sp>
-        <p:nvSpPr>
-          <p:cNvPr id="13" name="TextBox 12"/>
-          <p:cNvSpPr txBox="1"/>
-          <p:nvPr/>
-        </p:nvSpPr>
-        <p:spPr>
-          <a:xfrm>
-            <a:off x="752475" y="5562600"/>
-            <a:ext cx="7553325" cy="1143000"/>
-          </a:xfrm>
-          <a:prstGeom prst="rect">
-            <a:avLst/>
-          </a:prstGeom>
-          <a:noFill/>
-        </p:spPr>
-        <p:txBody>
-          <a:bodyPr wrap="square" rtlCol="0">
-            <a:normAutofit/>
-          </a:bodyPr>
-          <a:lstStyle/>
-          <a:p>
-            <a:r>
-              <a:rPr lang="en-US" sz="2400" dirty="0" smtClean="0">
-                <a:solidFill>
-                  <a:schemeClr val="tx1">
-                    <a:lumMod val="75000"/>
-                    <a:lumOff val="25000"/>
-                  </a:schemeClr>
-                </a:solidFill>
-              </a:rPr>
-              <a:t>You can use </a:t>
-            </a:r>
-            <a:r>
-              <a:rPr lang="en-US" sz="2400" b="1" dirty="0" smtClean="0">
-                <a:solidFill>
-                  <a:srgbClr val="FC7500"/>
-                </a:solidFill>
-              </a:rPr>
-              <a:t>Picture Color </a:t>
-            </a:r>
-            <a:r>
-              <a:rPr lang="en-US" sz="2400" dirty="0" smtClean="0">
-                <a:solidFill>
-                  <a:schemeClr val="tx1">
-                    <a:lumMod val="75000"/>
-                    <a:lumOff val="25000"/>
-                  </a:schemeClr>
-                </a:solidFill>
-              </a:rPr>
-              <a:t>to change the tone or saturation of your picture or to recolor it to a single color</a:t>
-            </a:r>
-            <a:endParaRPr lang="en-US" sz="2400" dirty="0">
-              <a:solidFill>
-                <a:schemeClr val="tx1">
-                  <a:lumMod val="75000"/>
-                  <a:lumOff val="25000"/>
-                </a:schemeClr>
-              </a:solidFill>
-            </a:endParaRPr>
-          </a:p>
-        </p:txBody>
-      </p:sp>
-      <p:pic>
-        <p:nvPicPr>
-          <p:cNvPr id="15" name="Picture 14"/>
-          <p:cNvPicPr>
-            <a:picLocks noChangeAspect="1"/>
-          </p:cNvPicPr>
-          <p:nvPr/>
-        </p:nvPicPr>
-        <p:blipFill>
-          <a:blip r:embed="rId5" cstate="email">
-            <a:duotone>
-              <a:prstClr val="black"/>
-              <a:schemeClr val="accent6">
-                <a:tint val="45000"/>
-                <a:satMod val="400000"/>
-              </a:schemeClr>
-            </a:duotone>
-            <a:extLst>
-              <a:ext uri="{28A0092B-C50C-407E-A947-70E740481C1C}">
-                <a14:useLocalDpi xmlns:a14="http://schemas.microsoft.com/office/drawing/2010/main"/>
-              </a:ext>
-            </a:extLst>
-          </a:blip>
-          <a:stretch>
-            <a:fillRect/>
-          </a:stretch>
-        </p:blipFill>
-        <p:spPr>
-          <a:xfrm>
-            <a:off x="6258251" y="2074849"/>
-            <a:ext cx="1994170" cy="3097113"/>
-          </a:xfrm>
-          <a:prstGeom prst="rect">
-            <a:avLst/>
-          </a:prstGeom>
-          <a:solidFill>
-            <a:srgbClr val="F0F0F0"/>
-          </a:solidFill>
-          <a:ln w="57150">
-            <a:solidFill>
-              <a:schemeClr val="bg1"/>
-            </a:solidFill>
-          </a:ln>
-          <a:effectLst>
-            <a:outerShdw dist="38100" dir="2700000" algn="tl" rotWithShape="0">
-              <a:prstClr val="black">
-                <a:alpha val="17000"/>
-              </a:prstClr>
-            </a:outerShdw>
-          </a:effectLst>
-        </p:spPr>
-      </p:pic>
-      <p:pic>
-        <p:nvPicPr>
-          <p:cNvPr id="16" name="Picture 15"/>
-          <p:cNvPicPr>
-            <a:picLocks/>
-          </p:cNvPicPr>
-          <p:nvPr/>
-        </p:nvPicPr>
-        <p:blipFill rotWithShape="1">
-          <a:blip r:embed="rId6" cstate="email">
-            <a:extLst>
-              <a:ext uri="{28A0092B-C50C-407E-A947-70E740481C1C}">
-                <a14:useLocalDpi xmlns:a14="http://schemas.microsoft.com/office/drawing/2010/main"/>
-              </a:ext>
-            </a:extLst>
-          </a:blip>
-          <a:srcRect b="-396"/>
-          <a:stretch/>
-        </p:blipFill>
-        <p:spPr>
-          <a:xfrm>
-            <a:off x="803424" y="2074848"/>
-            <a:ext cx="1993392" cy="3099816"/>
-          </a:xfrm>
-          <a:prstGeom prst="rect">
-            <a:avLst/>
-          </a:prstGeom>
-          <a:solidFill>
-            <a:srgbClr val="F0F0F0"/>
-          </a:solidFill>
-          <a:ln w="57150">
-            <a:solidFill>
-              <a:schemeClr val="bg1"/>
-            </a:solidFill>
-          </a:ln>
-          <a:effectLst>
-            <a:outerShdw dist="38100" dir="2700000" algn="tl" rotWithShape="0">
-              <a:prstClr val="black">
-                <a:alpha val="17000"/>
-              </a:prstClr>
-            </a:outerShdw>
-          </a:effectLst>
-        </p:spPr>
-      </p:pic>
-      <p:pic>
-        <p:nvPicPr>
-          <p:cNvPr id="17" name="Picture 16"/>
-          <p:cNvPicPr>
-            <a:picLocks/>
-          </p:cNvPicPr>
-          <p:nvPr/>
-        </p:nvPicPr>
-        <p:blipFill rotWithShape="1">
-          <a:blip r:embed="rId7" cstate="email">
-            <a:duotone>
-              <a:prstClr val="black"/>
-              <a:srgbClr val="D9C3A5">
-                <a:tint val="50000"/>
-                <a:satMod val="180000"/>
-              </a:srgbClr>
-            </a:duotone>
-            <a:extLst>
-              <a:ext uri="{28A0092B-C50C-407E-A947-70E740481C1C}">
-                <a14:useLocalDpi xmlns:a14="http://schemas.microsoft.com/office/drawing/2010/main"/>
-              </a:ext>
-            </a:extLst>
-          </a:blip>
-          <a:srcRect l="-1"/>
-          <a:stretch/>
-        </p:blipFill>
-        <p:spPr>
-          <a:xfrm rot="10800000">
-            <a:off x="3530837" y="2074849"/>
-            <a:ext cx="1993392" cy="3099816"/>
-          </a:xfrm>
-          <a:prstGeom prst="rect">
-            <a:avLst/>
-          </a:prstGeom>
-          <a:solidFill>
-            <a:srgbClr val="F0F0F0"/>
-          </a:solidFill>
-          <a:ln w="57150">
-            <a:solidFill>
-              <a:schemeClr val="bg1"/>
-            </a:solidFill>
-          </a:ln>
-          <a:effectLst>
-            <a:outerShdw dist="38100" dir="2700000" algn="tl" rotWithShape="0">
-              <a:prstClr val="black">
-                <a:alpha val="17000"/>
-              </a:prstClr>
-            </a:outerShdw>
-          </a:effectLst>
-        </p:spPr>
-      </p:pic>
-      <p:sp>
-        <p:nvSpPr>
-          <p:cNvPr id="26" name="TextBox 25"/>
-          <p:cNvSpPr txBox="1"/>
-          <p:nvPr/>
-        </p:nvSpPr>
-        <p:spPr>
-          <a:xfrm>
-            <a:off x="304800" y="556650"/>
-            <a:ext cx="7439025" cy="381000"/>
-          </a:xfrm>
-          <a:prstGeom prst="rect">
-            <a:avLst/>
-          </a:prstGeom>
-          <a:solidFill>
-            <a:schemeClr val="tx1">
-              <a:lumMod val="95000"/>
-              <a:lumOff val="5000"/>
-              <a:alpha val="55000"/>
-            </a:schemeClr>
-          </a:solidFill>
-        </p:spPr>
-        <p:txBody>
-          <a:bodyPr wrap="square" rtlCol="0">
-            <a:spAutoFit/>
-          </a:bodyPr>
-          <a:lstStyle/>
-          <a:p>
-            <a:r>
-              <a:rPr lang="en-US" dirty="0" smtClean="0">
-                <a:solidFill>
-                  <a:schemeClr val="bg1"/>
-                </a:solidFill>
-              </a:rPr>
-              <a:t>   </a:t>
-            </a:r>
-            <a:r>
-              <a:rPr lang="en-US" b="1" dirty="0" smtClean="0">
-                <a:solidFill>
-                  <a:schemeClr val="bg1"/>
-                </a:solidFill>
-              </a:rPr>
-              <a:t>Before</a:t>
-            </a:r>
-            <a:endParaRPr lang="en-US" b="1" dirty="0">
-              <a:solidFill>
-                <a:schemeClr val="bg1"/>
-              </a:solidFill>
-            </a:endParaRPr>
-          </a:p>
-        </p:txBody>
-      </p:sp>
-      <p:sp>
-        <p:nvSpPr>
-          <p:cNvPr id="28" name="TextBox 27"/>
-          <p:cNvSpPr txBox="1"/>
-          <p:nvPr/>
-        </p:nvSpPr>
-        <p:spPr>
-          <a:xfrm>
-            <a:off x="803424" y="2064816"/>
-            <a:ext cx="7443216" cy="384048"/>
-          </a:xfrm>
-          <a:prstGeom prst="rect">
-            <a:avLst/>
-          </a:prstGeom>
-          <a:solidFill>
-            <a:schemeClr val="tx1">
-              <a:lumMod val="95000"/>
-              <a:lumOff val="5000"/>
-              <a:alpha val="55000"/>
-            </a:schemeClr>
-          </a:solidFill>
-        </p:spPr>
-        <p:txBody>
-          <a:bodyPr wrap="square" rtlCol="0">
-            <a:spAutoFit/>
-          </a:bodyPr>
-          <a:lstStyle/>
-          <a:p>
-            <a:r>
-              <a:rPr lang="en-US" b="1" dirty="0" smtClean="0">
-                <a:solidFill>
-                  <a:schemeClr val="bg1"/>
-                </a:solidFill>
-              </a:rPr>
-              <a:t>   After</a:t>
-            </a:r>
-            <a:endParaRPr lang="en-US" b="1" dirty="0">
-              <a:solidFill>
-                <a:schemeClr val="bg1"/>
-              </a:solidFill>
-            </a:endParaRPr>
-          </a:p>
-        </p:txBody>
-      </p:sp>
-      <p:sp>
-        <p:nvSpPr>
-          <p:cNvPr id="14" name="TextBox 13"/>
-          <p:cNvSpPr txBox="1"/>
-          <p:nvPr/>
-        </p:nvSpPr>
-        <p:spPr>
-          <a:xfrm>
-            <a:off x="807522" y="4854033"/>
-            <a:ext cx="1993392" cy="307777"/>
-          </a:xfrm>
-          <a:prstGeom prst="rect">
-            <a:avLst/>
-          </a:prstGeom>
-          <a:solidFill>
-            <a:schemeClr val="tx1">
-              <a:lumMod val="95000"/>
-              <a:lumOff val="5000"/>
-              <a:alpha val="55000"/>
-            </a:schemeClr>
-          </a:solidFill>
-        </p:spPr>
-        <p:txBody>
-          <a:bodyPr wrap="square" rtlCol="0">
-            <a:spAutoFit/>
-          </a:bodyPr>
-          <a:lstStyle/>
-          <a:p>
-            <a:r>
-              <a:rPr lang="en-US" sz="1400" b="1" dirty="0" smtClean="0">
-                <a:solidFill>
-                  <a:schemeClr val="bg1"/>
-                </a:solidFill>
-              </a:rPr>
-              <a:t>Tone </a:t>
-            </a:r>
-            <a:endParaRPr lang="en-US" sz="1400" b="1" dirty="0">
-              <a:solidFill>
-                <a:schemeClr val="bg1"/>
-              </a:solidFill>
-            </a:endParaRPr>
-          </a:p>
-        </p:txBody>
-      </p:sp>
-      <p:sp>
-        <p:nvSpPr>
-          <p:cNvPr id="18" name="TextBox 17"/>
-          <p:cNvSpPr txBox="1"/>
-          <p:nvPr/>
-        </p:nvSpPr>
-        <p:spPr>
-          <a:xfrm>
-            <a:off x="3531741" y="4861467"/>
-            <a:ext cx="1993392" cy="307777"/>
-          </a:xfrm>
-          <a:prstGeom prst="rect">
-            <a:avLst/>
-          </a:prstGeom>
-          <a:solidFill>
-            <a:schemeClr val="tx1">
-              <a:lumMod val="95000"/>
-              <a:lumOff val="5000"/>
-              <a:alpha val="55000"/>
-            </a:schemeClr>
-          </a:solidFill>
-        </p:spPr>
-        <p:txBody>
-          <a:bodyPr wrap="square" rtlCol="0">
-            <a:spAutoFit/>
-          </a:bodyPr>
-          <a:lstStyle/>
-          <a:p>
-            <a:r>
-              <a:rPr lang="en-US" sz="1400" b="1" dirty="0" smtClean="0">
-                <a:solidFill>
-                  <a:schemeClr val="bg1"/>
-                </a:solidFill>
-              </a:rPr>
-              <a:t>Saturation</a:t>
-            </a:r>
-            <a:endParaRPr lang="en-US" sz="1400" b="1" dirty="0">
-              <a:solidFill>
-                <a:schemeClr val="bg1"/>
-              </a:solidFill>
-            </a:endParaRPr>
-          </a:p>
-        </p:txBody>
-      </p:sp>
-      <p:sp>
-        <p:nvSpPr>
-          <p:cNvPr id="19" name="TextBox 18"/>
-          <p:cNvSpPr txBox="1"/>
-          <p:nvPr/>
-        </p:nvSpPr>
-        <p:spPr>
-          <a:xfrm>
-            <a:off x="6256796" y="4861467"/>
-            <a:ext cx="1993392" cy="307777"/>
-          </a:xfrm>
-          <a:prstGeom prst="rect">
-            <a:avLst/>
-          </a:prstGeom>
-          <a:solidFill>
-            <a:schemeClr val="tx1">
-              <a:lumMod val="95000"/>
-              <a:lumOff val="5000"/>
-              <a:alpha val="55000"/>
-            </a:schemeClr>
-          </a:solidFill>
-        </p:spPr>
-        <p:txBody>
-          <a:bodyPr wrap="square" rtlCol="0">
-            <a:spAutoFit/>
-          </a:bodyPr>
-          <a:lstStyle/>
-          <a:p>
-            <a:r>
-              <a:rPr lang="en-US" sz="1400" b="1" dirty="0" smtClean="0">
-                <a:solidFill>
-                  <a:schemeClr val="bg1"/>
-                </a:solidFill>
-              </a:rPr>
-              <a:t>Color</a:t>
-            </a:r>
-            <a:endParaRPr lang="en-US" sz="1400" b="1" dirty="0">
-              <a:solidFill>
-                <a:schemeClr val="bg1"/>
-              </a:solidFill>
-            </a:endParaRPr>
-          </a:p>
-        </p:txBody>
-      </p:sp>
-    </p:spTree>
-  </p:cSld>
-  <p:clrMapOvr>
-    <a:masterClrMapping/>
-  </p:clrMapOvr>
-  <mc:AlternateContent xmlns:mc="http://schemas.openxmlformats.org/markup-compatibility/2006" xmlns:p14="http://schemas.microsoft.com/office/powerpoint/2010/main">
-    <mc:Choice Requires="p14">
-      <p:transition spd="slow" p14:dur="2000">
-        <p:cover/>
-      </p:transition>
-    </mc:Choice>
-    <mc:Fallback xmlns="">
-      <p:transition spd="slow">
-        <p:cover/>
-      </p:transition>
-    </mc:Fallback>
-  </mc:AlternateContent>
-  <p:timing>
-    <p:tnLst>
-      <p:par>
-        <p:cTn id="1" dur="indefinite" restart="never" nodeType="tmRoot">
-          <p:childTnLst>
-            <p:seq concurrent="1" nextAc="seek">
-              <p:cTn id="2" dur="indefinite" nodeType="mainSeq">
-                <p:childTnLst>
-                  <p:par>
-                    <p:cTn id="3" fill="hold">
-                      <p:stCondLst>
-                        <p:cond delay="indefinite"/>
-                        <p:cond evt="onBegin" delay="0">
-                          <p:tn val="2"/>
-                        </p:cond>
-                      </p:stCondLst>
-                      <p:childTnLst>
-                        <p:par>
-                          <p:cTn id="4" fill="hold">
-                            <p:stCondLst>
-                              <p:cond delay="0"/>
-                            </p:stCondLst>
-                            <p:childTnLst>
-                              <p:par>
-                                <p:cTn id="5" presetID="47" presetClass="entr" presetSubtype="0" fill="hold" nodeType="afterEffect">
-                                  <p:stCondLst>
-                                    <p:cond delay="300"/>
-                                  </p:stCondLst>
-                                  <p:childTnLst>
-                                    <p:set>
-                                      <p:cBhvr>
-                                        <p:cTn id="6" dur="1" fill="hold">
-                                          <p:stCondLst>
-                                            <p:cond delay="0"/>
-                                          </p:stCondLst>
-                                        </p:cTn>
-                                        <p:tgtEl>
-                                          <p:spTgt spid="16"/>
-                                        </p:tgtEl>
-                                        <p:attrNameLst>
-                                          <p:attrName>style.visibility</p:attrName>
-                                        </p:attrNameLst>
-                                      </p:cBhvr>
-                                      <p:to>
-                                        <p:strVal val="visible"/>
-                                      </p:to>
-                                    </p:set>
-                                    <p:animEffect transition="in" filter="fade">
-                                      <p:cBhvr>
-                                        <p:cTn id="7" dur="500"/>
-                                        <p:tgtEl>
-                                          <p:spTgt spid="16"/>
-                                        </p:tgtEl>
-                                      </p:cBhvr>
-                                    </p:animEffect>
-                                    <p:anim calcmode="lin" valueType="num">
-                                      <p:cBhvr>
-                                        <p:cTn id="8" dur="500" fill="hold"/>
-                                        <p:tgtEl>
-                                          <p:spTgt spid="16"/>
-                                        </p:tgtEl>
-                                        <p:attrNameLst>
-                                          <p:attrName>ppt_x</p:attrName>
-                                        </p:attrNameLst>
-                                      </p:cBhvr>
-                                      <p:tavLst>
-                                        <p:tav tm="0">
-                                          <p:val>
-                                            <p:strVal val="#ppt_x"/>
-                                          </p:val>
-                                        </p:tav>
-                                        <p:tav tm="100000">
-                                          <p:val>
-                                            <p:strVal val="#ppt_x"/>
-                                          </p:val>
-                                        </p:tav>
-                                      </p:tavLst>
-                                    </p:anim>
-                                    <p:anim calcmode="lin" valueType="num">
-                                      <p:cBhvr>
-                                        <p:cTn id="9" dur="500" fill="hold"/>
-                                        <p:tgtEl>
-                                          <p:spTgt spid="16"/>
-                                        </p:tgtEl>
-                                        <p:attrNameLst>
-                                          <p:attrName>ppt_y</p:attrName>
-                                        </p:attrNameLst>
-                                      </p:cBhvr>
-                                      <p:tavLst>
-                                        <p:tav tm="0">
-                                          <p:val>
-                                            <p:strVal val="#ppt_y-.1"/>
-                                          </p:val>
-                                        </p:tav>
-                                        <p:tav tm="100000">
-                                          <p:val>
-                                            <p:strVal val="#ppt_y"/>
-                                          </p:val>
-                                        </p:tav>
-                                      </p:tavLst>
-                                    </p:anim>
-                                  </p:childTnLst>
-                                </p:cTn>
-                              </p:par>
-                            </p:childTnLst>
-                          </p:cTn>
-                        </p:par>
-                        <p:par>
-                          <p:cTn id="10" fill="hold">
-                            <p:stCondLst>
-                              <p:cond delay="800"/>
-                            </p:stCondLst>
-                            <p:childTnLst>
-                              <p:par>
-                                <p:cTn id="11" presetID="10" presetClass="entr" presetSubtype="0" fill="hold" grpId="0" nodeType="afterEffect">
-                                  <p:stCondLst>
-                                    <p:cond delay="0"/>
-                                  </p:stCondLst>
-                                  <p:childTnLst>
-                                    <p:set>
-                                      <p:cBhvr>
-                                        <p:cTn id="12" dur="1" fill="hold">
-                                          <p:stCondLst>
-                                            <p:cond delay="0"/>
-                                          </p:stCondLst>
-                                        </p:cTn>
-                                        <p:tgtEl>
-                                          <p:spTgt spid="14"/>
-                                        </p:tgtEl>
-                                        <p:attrNameLst>
-                                          <p:attrName>style.visibility</p:attrName>
-                                        </p:attrNameLst>
-                                      </p:cBhvr>
-                                      <p:to>
-                                        <p:strVal val="visible"/>
-                                      </p:to>
-                                    </p:set>
-                                    <p:animEffect transition="in" filter="fade">
-                                      <p:cBhvr>
-                                        <p:cTn id="13" dur="250"/>
-                                        <p:tgtEl>
-                                          <p:spTgt spid="14"/>
-                                        </p:tgtEl>
-                                      </p:cBhvr>
-                                    </p:animEffect>
-                                  </p:childTnLst>
-                                </p:cTn>
-                              </p:par>
-                            </p:childTnLst>
-                          </p:cTn>
-                        </p:par>
-                        <p:par>
-                          <p:cTn id="14" fill="hold">
-                            <p:stCondLst>
-                              <p:cond delay="1050"/>
-                            </p:stCondLst>
-                            <p:childTnLst>
-                              <p:par>
-                                <p:cTn id="15" presetID="47" presetClass="entr" presetSubtype="0" fill="hold" nodeType="afterEffect">
-                                  <p:stCondLst>
-                                    <p:cond delay="0"/>
-                                  </p:stCondLst>
-                                  <p:childTnLst>
-                                    <p:set>
-                                      <p:cBhvr>
-                                        <p:cTn id="16" dur="1" fill="hold">
-                                          <p:stCondLst>
-                                            <p:cond delay="0"/>
-                                          </p:stCondLst>
-                                        </p:cTn>
-                                        <p:tgtEl>
-                                          <p:spTgt spid="17"/>
-                                        </p:tgtEl>
-                                        <p:attrNameLst>
-                                          <p:attrName>style.visibility</p:attrName>
-                                        </p:attrNameLst>
-                                      </p:cBhvr>
-                                      <p:to>
-                                        <p:strVal val="visible"/>
-                                      </p:to>
-                                    </p:set>
-                                    <p:animEffect transition="in" filter="fade">
-                                      <p:cBhvr>
-                                        <p:cTn id="17" dur="500"/>
-                                        <p:tgtEl>
-                                          <p:spTgt spid="17"/>
-                                        </p:tgtEl>
-                                      </p:cBhvr>
-                                    </p:animEffect>
-                                    <p:anim calcmode="lin" valueType="num">
-                                      <p:cBhvr>
-                                        <p:cTn id="18" dur="500" fill="hold"/>
-                                        <p:tgtEl>
-                                          <p:spTgt spid="17"/>
-                                        </p:tgtEl>
-                                        <p:attrNameLst>
-                                          <p:attrName>ppt_x</p:attrName>
-                                        </p:attrNameLst>
-                                      </p:cBhvr>
-                                      <p:tavLst>
-                                        <p:tav tm="0">
-                                          <p:val>
-                                            <p:strVal val="#ppt_x"/>
-                                          </p:val>
-                                        </p:tav>
-                                        <p:tav tm="100000">
-                                          <p:val>
-                                            <p:strVal val="#ppt_x"/>
-                                          </p:val>
-                                        </p:tav>
-                                      </p:tavLst>
-                                    </p:anim>
-                                    <p:anim calcmode="lin" valueType="num">
-                                      <p:cBhvr>
-                                        <p:cTn id="19" dur="500" fill="hold"/>
-                                        <p:tgtEl>
-                                          <p:spTgt spid="17"/>
-                                        </p:tgtEl>
-                                        <p:attrNameLst>
-                                          <p:attrName>ppt_y</p:attrName>
-                                        </p:attrNameLst>
-                                      </p:cBhvr>
-                                      <p:tavLst>
-                                        <p:tav tm="0">
-                                          <p:val>
-                                            <p:strVal val="#ppt_y-.1"/>
-                                          </p:val>
-                                        </p:tav>
-                                        <p:tav tm="100000">
-                                          <p:val>
-                                            <p:strVal val="#ppt_y"/>
-                                          </p:val>
-                                        </p:tav>
-                                      </p:tavLst>
-                                    </p:anim>
-                                  </p:childTnLst>
-                                </p:cTn>
-                              </p:par>
-                            </p:childTnLst>
-                          </p:cTn>
-                        </p:par>
-                        <p:par>
-                          <p:cTn id="20" fill="hold">
-                            <p:stCondLst>
-                              <p:cond delay="1550"/>
-                            </p:stCondLst>
-                            <p:childTnLst>
-                              <p:par>
-                                <p:cTn id="21" presetID="10" presetClass="entr" presetSubtype="0" fill="hold" grpId="0" nodeType="afterEffect">
-                                  <p:stCondLst>
-                                    <p:cond delay="0"/>
-                                  </p:stCondLst>
-                                  <p:childTnLst>
-                                    <p:set>
-                                      <p:cBhvr>
-                                        <p:cTn id="22" dur="1" fill="hold">
-                                          <p:stCondLst>
-                                            <p:cond delay="0"/>
-                                          </p:stCondLst>
-                                        </p:cTn>
-                                        <p:tgtEl>
-                                          <p:spTgt spid="18"/>
-                                        </p:tgtEl>
-                                        <p:attrNameLst>
-                                          <p:attrName>style.visibility</p:attrName>
-                                        </p:attrNameLst>
-                                      </p:cBhvr>
-                                      <p:to>
-                                        <p:strVal val="visible"/>
-                                      </p:to>
-                                    </p:set>
-                                    <p:animEffect transition="in" filter="fade">
-                                      <p:cBhvr>
-                                        <p:cTn id="23" dur="250"/>
-                                        <p:tgtEl>
-                                          <p:spTgt spid="18"/>
-                                        </p:tgtEl>
-                                      </p:cBhvr>
-                                    </p:animEffect>
-                                  </p:childTnLst>
-                                </p:cTn>
-                              </p:par>
-                            </p:childTnLst>
-                          </p:cTn>
-                        </p:par>
-                        <p:par>
-                          <p:cTn id="24" fill="hold">
-                            <p:stCondLst>
-                              <p:cond delay="1800"/>
-                            </p:stCondLst>
-                            <p:childTnLst>
-                              <p:par>
-                                <p:cTn id="25" presetID="47" presetClass="entr" presetSubtype="0" fill="hold" nodeType="afterEffect">
-                                  <p:stCondLst>
-                                    <p:cond delay="0"/>
-                                  </p:stCondLst>
-                                  <p:childTnLst>
-                                    <p:set>
-                                      <p:cBhvr>
-                                        <p:cTn id="26" dur="1" fill="hold">
-                                          <p:stCondLst>
-                                            <p:cond delay="0"/>
-                                          </p:stCondLst>
-                                        </p:cTn>
-                                        <p:tgtEl>
-                                          <p:spTgt spid="15"/>
-                                        </p:tgtEl>
-                                        <p:attrNameLst>
-                                          <p:attrName>style.visibility</p:attrName>
-                                        </p:attrNameLst>
-                                      </p:cBhvr>
-                                      <p:to>
-                                        <p:strVal val="visible"/>
-                                      </p:to>
-                                    </p:set>
-                                    <p:animEffect transition="in" filter="fade">
-                                      <p:cBhvr>
-                                        <p:cTn id="27" dur="500"/>
-                                        <p:tgtEl>
-                                          <p:spTgt spid="15"/>
-                                        </p:tgtEl>
-                                      </p:cBhvr>
-                                    </p:animEffect>
-                                    <p:anim calcmode="lin" valueType="num">
-                                      <p:cBhvr>
-                                        <p:cTn id="28" dur="500" fill="hold"/>
-                                        <p:tgtEl>
-                                          <p:spTgt spid="15"/>
-                                        </p:tgtEl>
-                                        <p:attrNameLst>
-                                          <p:attrName>ppt_x</p:attrName>
-                                        </p:attrNameLst>
-                                      </p:cBhvr>
-                                      <p:tavLst>
-                                        <p:tav tm="0">
-                                          <p:val>
-                                            <p:strVal val="#ppt_x"/>
-                                          </p:val>
-                                        </p:tav>
-                                        <p:tav tm="100000">
-                                          <p:val>
-                                            <p:strVal val="#ppt_x"/>
-                                          </p:val>
-                                        </p:tav>
-                                      </p:tavLst>
-                                    </p:anim>
-                                    <p:anim calcmode="lin" valueType="num">
-                                      <p:cBhvr>
-                                        <p:cTn id="29" dur="500" fill="hold"/>
-                                        <p:tgtEl>
-                                          <p:spTgt spid="15"/>
-                                        </p:tgtEl>
-                                        <p:attrNameLst>
-                                          <p:attrName>ppt_y</p:attrName>
-                                        </p:attrNameLst>
-                                      </p:cBhvr>
-                                      <p:tavLst>
-                                        <p:tav tm="0">
-                                          <p:val>
-                                            <p:strVal val="#ppt_y-.1"/>
-                                          </p:val>
-                                        </p:tav>
-                                        <p:tav tm="100000">
-                                          <p:val>
-                                            <p:strVal val="#ppt_y"/>
-                                          </p:val>
-                                        </p:tav>
-                                      </p:tavLst>
-                                    </p:anim>
-                                  </p:childTnLst>
-                                </p:cTn>
-                              </p:par>
-                            </p:childTnLst>
-                          </p:cTn>
-                        </p:par>
-                        <p:par>
-                          <p:cTn id="30" fill="hold">
-                            <p:stCondLst>
-                              <p:cond delay="2300"/>
-                            </p:stCondLst>
-                            <p:childTnLst>
-                              <p:par>
-                                <p:cTn id="31" presetID="10" presetClass="entr" presetSubtype="0" fill="hold" grpId="0" nodeType="afterEffect">
-                                  <p:stCondLst>
-                                    <p:cond delay="0"/>
-                                  </p:stCondLst>
-                                  <p:childTnLst>
-                                    <p:set>
-                                      <p:cBhvr>
-                                        <p:cTn id="32" dur="1" fill="hold">
-                                          <p:stCondLst>
-                                            <p:cond delay="0"/>
-                                          </p:stCondLst>
-                                        </p:cTn>
-                                        <p:tgtEl>
-                                          <p:spTgt spid="19"/>
-                                        </p:tgtEl>
-                                        <p:attrNameLst>
-                                          <p:attrName>style.visibility</p:attrName>
-                                        </p:attrNameLst>
-                                      </p:cBhvr>
-                                      <p:to>
-                                        <p:strVal val="visible"/>
-                                      </p:to>
-                                    </p:set>
-                                    <p:animEffect transition="in" filter="fade">
-                                      <p:cBhvr>
-                                        <p:cTn id="33" dur="250"/>
-                                        <p:tgtEl>
-                                          <p:spTgt spid="19"/>
-                                        </p:tgtEl>
-                                      </p:cBhvr>
-                                    </p:animEffect>
-                                  </p:childTnLst>
-                                </p:cTn>
-                              </p:par>
-                              <p:par>
-                                <p:cTn id="34" presetID="2" presetClass="entr" presetSubtype="2" fill="hold" grpId="0" nodeType="withEffect">
-                                  <p:stCondLst>
-                                    <p:cond delay="0"/>
-                                  </p:stCondLst>
-                                  <p:childTnLst>
-                                    <p:set>
-                                      <p:cBhvr>
-                                        <p:cTn id="35" dur="1" fill="hold">
-                                          <p:stCondLst>
-                                            <p:cond delay="0"/>
-                                          </p:stCondLst>
-                                        </p:cTn>
-                                        <p:tgtEl>
-                                          <p:spTgt spid="28"/>
-                                        </p:tgtEl>
-                                        <p:attrNameLst>
-                                          <p:attrName>style.visibility</p:attrName>
-                                        </p:attrNameLst>
-                                      </p:cBhvr>
-                                      <p:to>
-                                        <p:strVal val="visible"/>
-                                      </p:to>
-                                    </p:set>
-                                    <p:anim calcmode="lin" valueType="num">
-                                      <p:cBhvr additive="base">
-                                        <p:cTn id="36" dur="750" fill="hold"/>
-                                        <p:tgtEl>
-                                          <p:spTgt spid="28"/>
-                                        </p:tgtEl>
-                                        <p:attrNameLst>
-                                          <p:attrName>ppt_x</p:attrName>
-                                        </p:attrNameLst>
-                                      </p:cBhvr>
-                                      <p:tavLst>
-                                        <p:tav tm="0">
-                                          <p:val>
-                                            <p:strVal val="1+#ppt_w/2"/>
-                                          </p:val>
-                                        </p:tav>
-                                        <p:tav tm="100000">
-                                          <p:val>
-                                            <p:strVal val="#ppt_x"/>
-                                          </p:val>
-                                        </p:tav>
-                                      </p:tavLst>
-                                    </p:anim>
-                                    <p:anim calcmode="lin" valueType="num">
-                                      <p:cBhvr additive="base">
-                                        <p:cTn id="37" dur="750" fill="hold"/>
-                                        <p:tgtEl>
-                                          <p:spTgt spid="28"/>
-                                        </p:tgtEl>
-                                        <p:attrNameLst>
-                                          <p:attrName>ppt_y</p:attrName>
-                                        </p:attrNameLst>
-                                      </p:cBhvr>
-                                      <p:tavLst>
-                                        <p:tav tm="0">
-                                          <p:val>
-                                            <p:strVal val="#ppt_y"/>
-                                          </p:val>
-                                        </p:tav>
-                                        <p:tav tm="100000">
-                                          <p:val>
-                                            <p:strVal val="#ppt_y"/>
-                                          </p:val>
-                                        </p:tav>
-                                      </p:tavLst>
-                                    </p:anim>
-                                  </p:childTnLst>
-                                </p:cTn>
-                              </p:par>
-                            </p:childTnLst>
-                          </p:cTn>
-                        </p:par>
-                      </p:childTnLst>
-                    </p:cTn>
-                  </p:par>
-                </p:childTnLst>
-              </p:cTn>
-              <p:prevCondLst>
-                <p:cond evt="onPrev" delay="0">
-                  <p:tgtEl>
-                    <p:sldTgt/>
-                  </p:tgtEl>
-                </p:cond>
-              </p:prevCondLst>
-              <p:nextCondLst>
-                <p:cond evt="onNext" delay="0">
-                  <p:tgtEl>
-                    <p:sldTgt/>
-                  </p:tgtEl>
-                </p:cond>
-              </p:nextCondLst>
-            </p:seq>
-          </p:childTnLst>
-        </p:cTn>
-      </p:par>
-    </p:tnLst>
-    <p:bldLst>
-      <p:bldP spid="28" grpId="0" animBg="1"/>
-      <p:bldP spid="14" grpId="0" animBg="1"/>
-      <p:bldP spid="18" grpId="0" animBg="1"/>
-      <p:bldP spid="19" grpId="0" animBg="1"/>
-    </p:bldLst>
-  </p:timing>
-</p:sld>
-</file>
-
-<file path=ppt/slides/slide29.xml><?xml version="1.0" encoding="utf-8"?>
-<p:sld xmlns:a="http://schemas.openxmlformats.org/drawingml/2006/main" xmlns:r="http://schemas.openxmlformats.org/officeDocument/2006/relationships" xmlns:p="http://schemas.openxmlformats.org/presentationml/2006/main">
-  <p:cSld>
-    <p:bg>
-      <p:bgPr>
-        <a:solidFill>
-          <a:schemeClr val="bg1">
-            <a:lumMod val="95000"/>
-          </a:schemeClr>
-        </a:solidFill>
-        <a:effectLst/>
-      </p:bgPr>
-    </p:bg>
-    <p:spTree>
-      <p:nvGrpSpPr>
-        <p:cNvPr id="1" name=""/>
-        <p:cNvGrpSpPr/>
-        <p:nvPr/>
-      </p:nvGrpSpPr>
-      <p:grpSpPr>
-        <a:xfrm>
-          <a:off x="0" y="0"/>
-          <a:ext cx="0" cy="0"/>
-          <a:chOff x="0" y="0"/>
-          <a:chExt cx="0" cy="0"/>
-        </a:xfrm>
-      </p:grpSpPr>
-      <p:pic>
-        <p:nvPicPr>
-          <p:cNvPr id="6" name="Picture 5"/>
-          <p:cNvPicPr>
-            <a:picLocks noChangeAspect="1"/>
-          </p:cNvPicPr>
-          <p:nvPr/>
-        </p:nvPicPr>
-        <p:blipFill>
-          <a:blip r:embed="rId4" cstate="email">
-            <a:extLst>
-              <a:ext uri="{28A0092B-C50C-407E-A947-70E740481C1C}">
-                <a14:useLocalDpi xmlns:a14="http://schemas.microsoft.com/office/drawing/2010/main"/>
-              </a:ext>
-            </a:extLst>
-          </a:blip>
-          <a:stretch>
-            <a:fillRect/>
-          </a:stretch>
-        </p:blipFill>
-        <p:spPr>
-          <a:xfrm>
-            <a:off x="1752600" y="1066800"/>
-            <a:ext cx="5305254" cy="3797046"/>
-          </a:xfrm>
-          <a:prstGeom prst="rect">
-            <a:avLst/>
-          </a:prstGeom>
-          <a:solidFill>
-            <a:srgbClr val="F0F0F0"/>
-          </a:solidFill>
-          <a:ln w="57150">
-            <a:solidFill>
-              <a:schemeClr val="bg1"/>
-            </a:solidFill>
-          </a:ln>
-          <a:effectLst>
-            <a:outerShdw dist="38100" dir="2700000" algn="tl" rotWithShape="0">
-              <a:prstClr val="black">
-                <a:alpha val="17000"/>
-              </a:prstClr>
-            </a:outerShdw>
-          </a:effectLst>
-        </p:spPr>
-      </p:pic>
-      <p:sp>
-        <p:nvSpPr>
-          <p:cNvPr id="7" name="TextBox 6"/>
-          <p:cNvSpPr txBox="1"/>
-          <p:nvPr/>
-        </p:nvSpPr>
-        <p:spPr>
-          <a:xfrm>
-            <a:off x="990600" y="5334000"/>
-            <a:ext cx="6781800" cy="1371600"/>
-          </a:xfrm>
-          <a:prstGeom prst="rect">
-            <a:avLst/>
-          </a:prstGeom>
-          <a:noFill/>
-        </p:spPr>
-        <p:txBody>
-          <a:bodyPr wrap="square" rtlCol="0">
-            <a:normAutofit/>
-          </a:bodyPr>
-          <a:lstStyle/>
-          <a:p>
-            <a:pPr algn="ctr"/>
-            <a:r>
-              <a:rPr lang="en-US" sz="2400" b="1" dirty="0" smtClean="0">
-                <a:solidFill>
-                  <a:srgbClr val="FC7500"/>
-                </a:solidFill>
-              </a:rPr>
-              <a:t>Dramatic </a:t>
-            </a:r>
-            <a:r>
-              <a:rPr lang="en-US" sz="2400" b="1" dirty="0">
-                <a:solidFill>
-                  <a:srgbClr val="FC7500"/>
-                </a:solidFill>
-              </a:rPr>
-              <a:t>effects </a:t>
-            </a:r>
-            <a:r>
-              <a:rPr lang="en-US" sz="2400" dirty="0"/>
-              <a:t>can be </a:t>
-            </a:r>
-            <a:r>
-              <a:rPr lang="en-US" sz="2400" dirty="0" smtClean="0"/>
-              <a:t>achieved by layering an object over the same image with artistic effects</a:t>
-            </a:r>
-            <a:endParaRPr lang="en-US" sz="2400" dirty="0">
-              <a:solidFill>
-                <a:schemeClr val="tx1">
-                  <a:lumMod val="85000"/>
-                  <a:lumOff val="15000"/>
-                </a:schemeClr>
-              </a:solidFill>
-            </a:endParaRPr>
-          </a:p>
-        </p:txBody>
-      </p:sp>
-      <p:pic>
-        <p:nvPicPr>
-          <p:cNvPr id="13" name="Picture 12"/>
-          <p:cNvPicPr>
-            <a:picLocks noChangeAspect="1"/>
-          </p:cNvPicPr>
-          <p:nvPr/>
-        </p:nvPicPr>
-        <p:blipFill rotWithShape="1">
-          <a:blip r:embed="rId5" cstate="email">
-            <a:extLst>
-              <a:ext uri="{28A0092B-C50C-407E-A947-70E740481C1C}">
-                <a14:useLocalDpi xmlns:a14="http://schemas.microsoft.com/office/drawing/2010/main"/>
-              </a:ext>
-            </a:extLst>
-          </a:blip>
-          <a:srcRect r="-210"/>
-          <a:stretch/>
-        </p:blipFill>
-        <p:spPr>
-          <a:xfrm>
-            <a:off x="1752600" y="1066800"/>
-            <a:ext cx="5313218" cy="3794760"/>
-          </a:xfrm>
-          <a:prstGeom prst="rect">
-            <a:avLst/>
-          </a:prstGeom>
-          <a:solidFill>
-            <a:srgbClr val="F0F0F0"/>
-          </a:solidFill>
-          <a:ln w="57150">
-            <a:solidFill>
-              <a:schemeClr val="bg1"/>
-            </a:solidFill>
-          </a:ln>
-          <a:effectLst/>
-        </p:spPr>
-      </p:pic>
-      <p:pic>
-        <p:nvPicPr>
-          <p:cNvPr id="12" name="Picture 11"/>
-          <p:cNvPicPr>
-            <a:picLocks noChangeAspect="1"/>
-          </p:cNvPicPr>
-          <p:nvPr/>
-        </p:nvPicPr>
-        <p:blipFill>
-          <a:blip r:embed="rId6" cstate="email">
-            <a:extLst>
-              <a:ext uri="{28A0092B-C50C-407E-A947-70E740481C1C}">
-                <a14:useLocalDpi xmlns:a14="http://schemas.microsoft.com/office/drawing/2010/main"/>
-              </a:ext>
-            </a:extLst>
-          </a:blip>
-          <a:stretch>
-            <a:fillRect/>
-          </a:stretch>
-        </p:blipFill>
-        <p:spPr>
-          <a:xfrm>
-            <a:off x="1752600" y="1078675"/>
-            <a:ext cx="5297027" cy="3791158"/>
-          </a:xfrm>
-          <a:prstGeom prst="rect">
-            <a:avLst/>
-          </a:prstGeom>
-        </p:spPr>
-      </p:pic>
-    </p:spTree>
-  </p:cSld>
-  <p:clrMapOvr>
-    <a:overrideClrMapping bg1="lt1" tx1="dk1" bg2="lt2" tx2="dk2" accent1="accent1" accent2="accent2" accent3="accent3" accent4="accent4" accent5="accent5" accent6="accent6" hlink="hlink" folHlink="folHlink"/>
-  </p:clrMapOvr>
-  <mc:AlternateContent xmlns:mc="http://schemas.openxmlformats.org/markup-compatibility/2006" xmlns:p14="http://schemas.microsoft.com/office/powerpoint/2010/main">
-    <mc:Choice Requires="p14">
-      <p:transition spd="slow" p14:dur="2000">
-        <p14:flip dir="r"/>
-      </p:transition>
-    </mc:Choice>
-    <mc:Fallback xmlns="">
-      <p:transition spd="slow">
-        <p:fade/>
-      </p:transition>
-    </mc:Fallback>
-  </mc:AlternateContent>
-  <p:timing>
-    <p:tnLst>
-      <p:par>
-        <p:cTn id="1" dur="indefinite" restart="never" nodeType="tmRoot">
-          <p:childTnLst>
-            <p:seq concurrent="1" nextAc="seek">
-              <p:cTn id="2" dur="indefinite" nodeType="mainSeq">
-                <p:childTnLst>
-                  <p:par>
-                    <p:cTn id="3" fill="hold">
-                      <p:stCondLst>
-                        <p:cond delay="indefinite"/>
-                        <p:cond evt="onBegin" delay="0">
-                          <p:tn val="2"/>
-                        </p:cond>
-                      </p:stCondLst>
-                      <p:childTnLst>
-                        <p:par>
-                          <p:cTn id="4" fill="hold">
-                            <p:stCondLst>
-                              <p:cond delay="0"/>
-                            </p:stCondLst>
-                            <p:childTnLst>
-                              <p:par>
-                                <p:cTn id="5" presetID="10" presetClass="exit" presetSubtype="0" fill="hold" nodeType="afterEffect">
-                                  <p:stCondLst>
-                                    <p:cond delay="500"/>
-                                  </p:stCondLst>
-                                  <p:childTnLst>
-                                    <p:animEffect transition="out" filter="fade">
-                                      <p:cBhvr>
-                                        <p:cTn id="6" dur="2000"/>
-                                        <p:tgtEl>
-                                          <p:spTgt spid="13"/>
-                                        </p:tgtEl>
-                                      </p:cBhvr>
-                                    </p:animEffect>
-                                    <p:set>
-                                      <p:cBhvr>
-                                        <p:cTn id="7" dur="1" fill="hold">
-                                          <p:stCondLst>
-                                            <p:cond delay="1999"/>
-                                          </p:stCondLst>
-                                        </p:cTn>
-                                        <p:tgtEl>
-                                          <p:spTgt spid="13"/>
-                                        </p:tgtEl>
-                                        <p:attrNameLst>
-                                          <p:attrName>style.visibility</p:attrName>
-                                        </p:attrNameLst>
-                                      </p:cBhvr>
-                                      <p:to>
-                                        <p:strVal val="hidden"/>
-                                      </p:to>
-                                    </p:set>
-                                  </p:childTnLst>
-                                </p:cTn>
-                              </p:par>
-                            </p:childTnLst>
-                          </p:cTn>
-                        </p:par>
-                        <p:par>
-                          <p:cTn id="8" fill="hold">
-                            <p:stCondLst>
-                              <p:cond delay="2500"/>
-                            </p:stCondLst>
-                            <p:childTnLst>
-                              <p:par>
-                                <p:cTn id="9" presetID="42" presetClass="entr" presetSubtype="0" fill="hold" nodeType="afterEffect">
-                                  <p:stCondLst>
-                                    <p:cond delay="500"/>
-                                  </p:stCondLst>
-                                  <p:childTnLst>
-                                    <p:set>
-                                      <p:cBhvr>
-                                        <p:cTn id="10" dur="1" fill="hold">
-                                          <p:stCondLst>
-                                            <p:cond delay="0"/>
-                                          </p:stCondLst>
-                                        </p:cTn>
-                                        <p:tgtEl>
-                                          <p:spTgt spid="12"/>
-                                        </p:tgtEl>
-                                        <p:attrNameLst>
-                                          <p:attrName>style.visibility</p:attrName>
-                                        </p:attrNameLst>
-                                      </p:cBhvr>
-                                      <p:to>
-                                        <p:strVal val="visible"/>
-                                      </p:to>
-                                    </p:set>
-                                    <p:animEffect transition="in" filter="fade">
-                                      <p:cBhvr>
-                                        <p:cTn id="11" dur="1000"/>
-                                        <p:tgtEl>
-                                          <p:spTgt spid="12"/>
-                                        </p:tgtEl>
-                                      </p:cBhvr>
-                                    </p:animEffect>
-                                    <p:anim calcmode="lin" valueType="num">
-                                      <p:cBhvr>
-                                        <p:cTn id="12" dur="1000" fill="hold"/>
-                                        <p:tgtEl>
-                                          <p:spTgt spid="12"/>
-                                        </p:tgtEl>
-                                        <p:attrNameLst>
-                                          <p:attrName>ppt_x</p:attrName>
-                                        </p:attrNameLst>
-                                      </p:cBhvr>
-                                      <p:tavLst>
-                                        <p:tav tm="0">
-                                          <p:val>
-                                            <p:strVal val="#ppt_x"/>
-                                          </p:val>
-                                        </p:tav>
-                                        <p:tav tm="100000">
-                                          <p:val>
-                                            <p:strVal val="#ppt_x"/>
-                                          </p:val>
-                                        </p:tav>
-                                      </p:tavLst>
-                                    </p:anim>
-                                    <p:anim calcmode="lin" valueType="num">
-                                      <p:cBhvr>
-                                        <p:cTn id="13" dur="1000" fill="hold"/>
-                                        <p:tgtEl>
-                                          <p:spTgt spid="12"/>
-                                        </p:tgtEl>
-                                        <p:attrNameLst>
-                                          <p:attrName>ppt_y</p:attrName>
-                                        </p:attrNameLst>
-                                      </p:cBhvr>
-                                      <p:tavLst>
-                                        <p:tav tm="0">
-                                          <p:val>
-                                            <p:strVal val="#ppt_y+.1"/>
-                                          </p:val>
-                                        </p:tav>
-                                        <p:tav tm="100000">
-                                          <p:val>
-                                            <p:strVal val="#ppt_y"/>
-                                          </p:val>
-                                        </p:tav>
-                                      </p:tavLst>
-                                    </p:anim>
-                                  </p:childTnLst>
-                                </p:cTn>
-                              </p:par>
-                            </p:childTnLst>
-                          </p:cTn>
-                        </p:par>
-                      </p:childTnLst>
-                    </p:cTn>
-                  </p:par>
-                </p:childTnLst>
-              </p:cTn>
-              <p:prevCondLst>
-                <p:cond evt="onPrev" delay="0">
-                  <p:tgtEl>
-                    <p:sldTgt/>
-                  </p:tgtEl>
-                </p:cond>
-              </p:prevCondLst>
-              <p:nextCondLst>
-                <p:cond evt="onNext" delay="0">
-                  <p:tgtEl>
-                    <p:sldTgt/>
-                  </p:tgtEl>
-                </p:cond>
-              </p:nextCondLst>
-            </p:seq>
-          </p:childTnLst>
-        </p:cTn>
-      </p:par>
-    </p:tnLst>
-  </p:timing>
-</p:sld>
-</file>
-
-<file path=ppt/slides/slide3.xml><?xml version="1.0" encoding="utf-8"?>
-<p:sld xmlns:a="http://schemas.openxmlformats.org/drawingml/2006/main" xmlns:r="http://schemas.openxmlformats.org/officeDocument/2006/relationships" xmlns:p="http://schemas.openxmlformats.org/presentationml/2006/main">
-  <p:cSld>
-    <p:spTree>
-      <p:nvGrpSpPr>
-        <p:cNvPr id="1" name=""/>
-        <p:cNvGrpSpPr/>
-        <p:nvPr/>
-      </p:nvGrpSpPr>
-      <p:grpSpPr>
-        <a:xfrm>
-          <a:off x="0" y="0"/>
-          <a:ext cx="0" cy="0"/>
-          <a:chOff x="0" y="0"/>
-          <a:chExt cx="0" cy="0"/>
-        </a:xfrm>
-      </p:grpSpPr>
-      <p:sp>
-        <p:nvSpPr>
-          <p:cNvPr id="15" name="Rectangle 14"/>
-          <p:cNvSpPr/>
-          <p:nvPr/>
-        </p:nvSpPr>
-        <p:spPr>
-          <a:xfrm>
-            <a:off x="240475" y="240475"/>
-            <a:ext cx="8686800" cy="6400800"/>
-          </a:xfrm>
-          <a:prstGeom prst="rect">
-            <a:avLst/>
-          </a:prstGeom>
-          <a:solidFill>
-            <a:schemeClr val="bg1"/>
-          </a:solidFill>
-          <a:ln>
-            <a:noFill/>
-          </a:ln>
-        </p:spPr>
-        <p:style>
-          <a:lnRef idx="2">
-            <a:schemeClr val="accent1">
-              <a:shade val="50000"/>
-            </a:schemeClr>
-          </a:lnRef>
-          <a:fillRef idx="1">
-            <a:schemeClr val="accent1"/>
-          </a:fillRef>
-          <a:effectRef idx="0">
-            <a:schemeClr val="accent1"/>
-          </a:effectRef>
-          <a:fontRef idx="minor">
-            <a:schemeClr val="lt1"/>
-          </a:fontRef>
-        </p:style>
-        <p:txBody>
-          <a:bodyPr rtlCol="0" anchor="ctr"/>
-          <a:lstStyle/>
-          <a:p>
-            <a:pPr algn="ctr"/>
-            <a:endParaRPr lang="en-US"/>
-          </a:p>
-        </p:txBody>
-      </p:sp>
-      <p:sp>
-        <p:nvSpPr>
-          <p:cNvPr id="16" name="Rectangle 15"/>
-          <p:cNvSpPr/>
-          <p:nvPr/>
-        </p:nvSpPr>
-        <p:spPr>
-          <a:xfrm>
-            <a:off x="188259" y="188259"/>
-            <a:ext cx="8776448" cy="6490448"/>
-          </a:xfrm>
-          <a:prstGeom prst="rect">
-            <a:avLst/>
-          </a:prstGeom>
-          <a:noFill/>
-          <a:ln w="31750">
-            <a:solidFill>
-              <a:schemeClr val="bg1"/>
-            </a:solidFill>
-          </a:ln>
-        </p:spPr>
-        <p:style>
-          <a:lnRef idx="2">
-            <a:schemeClr val="accent1">
-              <a:shade val="50000"/>
-            </a:schemeClr>
-          </a:lnRef>
-          <a:fillRef idx="1">
-            <a:schemeClr val="accent1"/>
-          </a:fillRef>
-          <a:effectRef idx="0">
-            <a:schemeClr val="accent1"/>
-          </a:effectRef>
-          <a:fontRef idx="minor">
-            <a:schemeClr val="lt1"/>
-          </a:fontRef>
-        </p:style>
-        <p:txBody>
-          <a:bodyPr rtlCol="0" anchor="ctr"/>
-          <a:lstStyle/>
-          <a:p>
-            <a:pPr algn="ctr"/>
-            <a:endParaRPr lang="en-US"/>
-          </a:p>
-        </p:txBody>
-      </p:sp>
-      <p:sp>
-        <p:nvSpPr>
-          <p:cNvPr id="9" name="TextBox 8"/>
-          <p:cNvSpPr txBox="1"/>
-          <p:nvPr/>
-        </p:nvSpPr>
-        <p:spPr>
-          <a:xfrm>
-            <a:off x="1143000" y="1828799"/>
-            <a:ext cx="6781800" cy="4648201"/>
-          </a:xfrm>
-          <a:prstGeom prst="rect">
-            <a:avLst/>
-          </a:prstGeom>
-          <a:noFill/>
-        </p:spPr>
-        <p:txBody>
-          <a:bodyPr wrap="square" rtlCol="0">
-            <a:normAutofit/>
-          </a:bodyPr>
-          <a:lstStyle/>
-          <a:p>
-            <a:pPr marL="342900" indent="-342900">
-              <a:buFont typeface="Arial" pitchFamily="34" charset="0"/>
-              <a:buChar char="•"/>
-            </a:pPr>
-            <a:r>
-              <a:rPr lang="en-US" sz="2400" b="1" dirty="0">
-                <a:solidFill>
-                  <a:srgbClr val="FC7500"/>
-                </a:solidFill>
-              </a:rPr>
-              <a:t>Background Removal </a:t>
-            </a:r>
-            <a:r>
-              <a:rPr lang="en-US" sz="2400" dirty="0"/>
-              <a:t>allows you to quickly and easily remove backgrounds to isolate </a:t>
-            </a:r>
-            <a:r>
-              <a:rPr lang="en-US" sz="2400" dirty="0" smtClean="0"/>
-              <a:t>items </a:t>
-            </a:r>
-            <a:r>
-              <a:rPr lang="en-US" sz="2400" dirty="0"/>
-              <a:t>in your image.</a:t>
-            </a:r>
-          </a:p>
-        </p:txBody>
-      </p:sp>
-      <p:sp>
-        <p:nvSpPr>
-          <p:cNvPr id="10" name="TextBox 9"/>
-          <p:cNvSpPr txBox="1"/>
-          <p:nvPr/>
-        </p:nvSpPr>
-        <p:spPr>
-          <a:xfrm>
-            <a:off x="240767" y="762000"/>
-            <a:ext cx="6432176" cy="461665"/>
-          </a:xfrm>
-          <a:prstGeom prst="rect">
-            <a:avLst/>
-          </a:prstGeom>
-          <a:solidFill>
-            <a:schemeClr val="tx1">
-              <a:lumMod val="95000"/>
-              <a:lumOff val="5000"/>
-              <a:alpha val="55000"/>
-            </a:schemeClr>
-          </a:solidFill>
-        </p:spPr>
-        <p:txBody>
-          <a:bodyPr wrap="square" rtlCol="0">
-            <a:normAutofit/>
-          </a:bodyPr>
-          <a:lstStyle/>
-          <a:p>
-            <a:r>
-              <a:rPr lang="en-US" sz="2400" b="1" dirty="0" smtClean="0">
-                <a:solidFill>
-                  <a:schemeClr val="bg1"/>
-                </a:solidFill>
-              </a:rPr>
-              <a:t>	What is Stock Monitoring System</a:t>
-            </a:r>
-            <a:endParaRPr lang="en-US" sz="2400" b="1" dirty="0">
-              <a:solidFill>
-                <a:schemeClr val="bg1"/>
-              </a:solidFill>
-            </a:endParaRPr>
-          </a:p>
-        </p:txBody>
-      </p:sp>
-    </p:spTree>
-  </p:cSld>
-  <p:clrMapOvr>
-    <a:masterClrMapping/>
-  </p:clrMapOvr>
-  <mc:AlternateContent xmlns:mc="http://schemas.openxmlformats.org/markup-compatibility/2006" xmlns:p14="http://schemas.microsoft.com/office/powerpoint/2010/main">
-    <mc:Choice Requires="p14">
-      <p:transition spd="slow" p14:dur="2000">
-        <p:blinds dir="vert"/>
-      </p:transition>
-    </mc:Choice>
-    <mc:Fallback xmlns="">
-      <p:transition spd="slow">
-        <p:blinds dir="vert"/>
-      </p:transition>
-    </mc:Fallback>
-  </mc:AlternateContent>
-  <p:timing>
-    <p:tnLst>
-      <p:par>
-        <p:cTn id="1" dur="indefinite" restart="never" nodeType="tmRoot"/>
-      </p:par>
-    </p:tnLst>
-  </p:timing>
-</p:sld>
-</file>
-
-<file path=ppt/slides/slide30.xml><?xml version="1.0" encoding="utf-8"?>
-<p:sld xmlns:a="http://schemas.openxmlformats.org/drawingml/2006/main" xmlns:r="http://schemas.openxmlformats.org/officeDocument/2006/relationships" xmlns:p="http://schemas.openxmlformats.org/presentationml/2006/main">
-  <p:cSld>
-    <p:spTree>
-      <p:nvGrpSpPr>
-        <p:cNvPr id="1" name=""/>
-        <p:cNvGrpSpPr/>
-        <p:nvPr/>
-      </p:nvGrpSpPr>
-      <p:grpSpPr>
-        <a:xfrm>
-          <a:off x="0" y="0"/>
-          <a:ext cx="0" cy="0"/>
-          <a:chOff x="0" y="0"/>
-          <a:chExt cx="0" cy="0"/>
-        </a:xfrm>
-      </p:grpSpPr>
-      <p:pic>
-        <p:nvPicPr>
-          <p:cNvPr id="10" name="Picture Placeholder 9"/>
-          <p:cNvPicPr>
-            <a:picLocks noGrp="1" noChangeAspect="1"/>
-          </p:cNvPicPr>
-          <p:nvPr>
-            <p:ph type="pic" sz="quarter" idx="15"/>
-          </p:nvPr>
-        </p:nvPicPr>
-        <p:blipFill>
-          <a:blip r:embed="rId2" cstate="email">
-            <a:extLst>
-              <a:ext uri="{28A0092B-C50C-407E-A947-70E740481C1C}">
-                <a14:useLocalDpi xmlns:a14="http://schemas.microsoft.com/office/drawing/2010/main"/>
-              </a:ext>
-            </a:extLst>
-          </a:blip>
-          <a:srcRect/>
-          <a:stretch>
-            <a:fillRect/>
-          </a:stretch>
-        </p:blipFill>
-        <p:spPr/>
-      </p:pic>
-      <p:sp>
-        <p:nvSpPr>
-          <p:cNvPr id="3" name="Text Placeholder 2"/>
-          <p:cNvSpPr>
-            <a:spLocks noGrp="1"/>
-          </p:cNvSpPr>
-          <p:nvPr>
-            <p:ph type="body" sz="quarter" idx="18"/>
-          </p:nvPr>
-        </p:nvSpPr>
-        <p:spPr>
-          <a:xfrm>
-            <a:off x="457200" y="5791200"/>
-            <a:ext cx="8153400" cy="914400"/>
-          </a:xfrm>
-          <a:noFill/>
-        </p:spPr>
-        <p:txBody>
-          <a:bodyPr>
-            <a:normAutofit/>
-          </a:bodyPr>
-          <a:lstStyle/>
-          <a:p>
-            <a:pPr>
-              <a:lnSpc>
-                <a:spcPct val="70000"/>
-              </a:lnSpc>
-            </a:pPr>
-            <a:r>
-              <a:rPr lang="en-US" dirty="0" smtClean="0">
-                <a:solidFill>
-                  <a:schemeClr val="tx1">
-                    <a:lumMod val="75000"/>
-                    <a:lumOff val="25000"/>
-                  </a:schemeClr>
-                </a:solidFill>
-              </a:rPr>
-              <a:t>New layouts bring </a:t>
-            </a:r>
-          </a:p>
-          <a:p>
-            <a:pPr marL="0">
-              <a:lnSpc>
-                <a:spcPct val="70000"/>
-              </a:lnSpc>
-            </a:pPr>
-            <a:r>
-              <a:rPr lang="en-US" sz="3700" dirty="0" smtClean="0">
-                <a:solidFill>
-                  <a:srgbClr val="FC7500"/>
-                </a:solidFill>
-              </a:rPr>
-              <a:t>creativity</a:t>
-            </a:r>
-            <a:r>
-              <a:rPr lang="en-US" sz="3700" dirty="0" smtClean="0">
-                <a:solidFill>
-                  <a:schemeClr val="tx1">
-                    <a:lumMod val="75000"/>
-                    <a:lumOff val="25000"/>
-                  </a:schemeClr>
-                </a:solidFill>
-              </a:rPr>
-              <a:t> to your presentation</a:t>
-            </a:r>
-            <a:endParaRPr lang="en-US" sz="3700" dirty="0">
-              <a:solidFill>
-                <a:schemeClr val="tx1">
-                  <a:lumMod val="75000"/>
-                  <a:lumOff val="25000"/>
-                </a:schemeClr>
-              </a:solidFill>
-            </a:endParaRPr>
-          </a:p>
-        </p:txBody>
-      </p:sp>
-      <p:sp>
-        <p:nvSpPr>
-          <p:cNvPr id="5" name="Text Placeholder 4"/>
-          <p:cNvSpPr>
-            <a:spLocks noGrp="1"/>
-          </p:cNvSpPr>
-          <p:nvPr>
-            <p:ph type="body" sz="quarter" idx="14"/>
-          </p:nvPr>
-        </p:nvSpPr>
-        <p:spPr/>
-        <p:txBody>
-          <a:bodyPr/>
-          <a:lstStyle/>
-          <a:p>
-            <a:r>
-              <a:rPr lang="en-US" dirty="0" smtClean="0"/>
-              <a:t>Mechanical Flower</a:t>
-            </a:r>
-            <a:endParaRPr lang="en-US" dirty="0"/>
-          </a:p>
-        </p:txBody>
-      </p:sp>
-      <p:sp>
-        <p:nvSpPr>
-          <p:cNvPr id="15" name="TextBox 14"/>
-          <p:cNvSpPr txBox="1"/>
-          <p:nvPr/>
-        </p:nvSpPr>
-        <p:spPr>
-          <a:xfrm>
-            <a:off x="0" y="528935"/>
-            <a:ext cx="4343400" cy="461665"/>
-          </a:xfrm>
-          <a:prstGeom prst="rect">
-            <a:avLst/>
-          </a:prstGeom>
-          <a:solidFill>
-            <a:schemeClr val="tx1">
-              <a:lumMod val="95000"/>
-              <a:lumOff val="5000"/>
-              <a:alpha val="55000"/>
-            </a:schemeClr>
-          </a:solidFill>
-        </p:spPr>
-        <p:txBody>
-          <a:bodyPr wrap="square" rtlCol="0">
-            <a:normAutofit/>
-          </a:bodyPr>
-          <a:lstStyle/>
-          <a:p>
-            <a:r>
-              <a:rPr lang="en-US" sz="2400" dirty="0" smtClean="0">
-                <a:solidFill>
-                  <a:schemeClr val="bg1"/>
-                </a:solidFill>
-              </a:rPr>
-              <a:t>      Snapshots</a:t>
-            </a:r>
-            <a:endParaRPr lang="en-US" sz="2400" b="1" dirty="0">
-              <a:solidFill>
-                <a:schemeClr val="bg1"/>
-              </a:solidFill>
-            </a:endParaRPr>
-          </a:p>
-        </p:txBody>
-      </p:sp>
-      <p:pic>
-        <p:nvPicPr>
-          <p:cNvPr id="6" name="Picture Placeholder 5"/>
-          <p:cNvPicPr>
-            <a:picLocks noGrp="1" noChangeAspect="1"/>
-          </p:cNvPicPr>
-          <p:nvPr>
-            <p:ph type="pic" sz="quarter" idx="13"/>
-          </p:nvPr>
-        </p:nvPicPr>
-        <p:blipFill rotWithShape="1">
-          <a:blip r:embed="rId3" cstate="email">
-            <a:extLst>
-              <a:ext uri="{28A0092B-C50C-407E-A947-70E740481C1C}">
-                <a14:useLocalDpi xmlns:a14="http://schemas.microsoft.com/office/drawing/2010/main"/>
-              </a:ext>
-            </a:extLst>
-          </a:blip>
-          <a:srcRect/>
-          <a:stretch/>
-        </p:blipFill>
-        <p:spPr>
-          <a:xfrm>
-            <a:off x="808593" y="1346849"/>
-            <a:ext cx="3296159" cy="3204090"/>
-          </a:xfrm>
-        </p:spPr>
-      </p:pic>
-      <p:pic>
-        <p:nvPicPr>
-          <p:cNvPr id="4" name="Picture Placeholder 3"/>
-          <p:cNvPicPr>
-            <a:picLocks noGrp="1" noChangeAspect="1"/>
-          </p:cNvPicPr>
-          <p:nvPr>
-            <p:ph type="pic" sz="quarter" idx="17"/>
-          </p:nvPr>
-        </p:nvPicPr>
-        <p:blipFill>
-          <a:blip r:embed="rId4">
-            <a:extLst>
-              <a:ext uri="{28A0092B-C50C-407E-A947-70E740481C1C}">
-                <a14:useLocalDpi xmlns:a14="http://schemas.microsoft.com/office/drawing/2010/main"/>
-              </a:ext>
-            </a:extLst>
-          </a:blip>
-          <a:srcRect/>
-          <a:stretch>
-            <a:fillRect/>
-          </a:stretch>
-        </p:blipFill>
-        <p:spPr/>
-      </p:pic>
-    </p:spTree>
-  </p:cSld>
-  <p:clrMapOvr>
-    <a:masterClrMapping/>
-  </p:clrMapOvr>
-  <mc:AlternateContent xmlns:mc="http://schemas.openxmlformats.org/markup-compatibility/2006" xmlns:p14="http://schemas.microsoft.com/office/powerpoint/2010/main">
-    <mc:Choice Requires="p14">
-      <p:transition spd="slow" p14:dur="2000">
-        <p:push/>
-      </p:transition>
-    </mc:Choice>
-    <mc:Fallback xmlns="">
-      <p:transition spd="slow">
-        <p:push/>
-      </p:transition>
-    </mc:Fallback>
-  </mc:AlternateContent>
-  <p:timing>
-    <p:tnLst>
-      <p:par>
-        <p:cTn id="1" dur="indefinite" restart="never" nodeType="tmRoot">
-          <p:childTnLst>
-            <p:seq concurrent="1" nextAc="seek">
-              <p:cTn id="2" dur="indefinite" nodeType="mainSeq">
-                <p:childTnLst>
-                  <p:par>
-                    <p:cTn id="3" fill="hold">
-                      <p:stCondLst>
-                        <p:cond delay="indefinite"/>
-                        <p:cond evt="onBegin" delay="0">
-                          <p:tn val="2"/>
-                        </p:cond>
-                      </p:stCondLst>
-                      <p:childTnLst>
-                        <p:par>
-                          <p:cTn id="4" fill="hold">
-                            <p:stCondLst>
-                              <p:cond delay="0"/>
-                            </p:stCondLst>
-                            <p:childTnLst>
-                              <p:par>
-                                <p:cTn id="5" presetID="2" presetClass="entr" presetSubtype="8" fill="hold" grpId="0" nodeType="afterEffect">
-                                  <p:stCondLst>
-                                    <p:cond delay="100"/>
-                                  </p:stCondLst>
-                                  <p:childTnLst>
-                                    <p:set>
-                                      <p:cBhvr>
-                                        <p:cTn id="6" dur="1" fill="hold">
-                                          <p:stCondLst>
-                                            <p:cond delay="0"/>
-                                          </p:stCondLst>
-                                        </p:cTn>
-                                        <p:tgtEl>
-                                          <p:spTgt spid="15"/>
-                                        </p:tgtEl>
-                                        <p:attrNameLst>
-                                          <p:attrName>style.visibility</p:attrName>
-                                        </p:attrNameLst>
-                                      </p:cBhvr>
-                                      <p:to>
-                                        <p:strVal val="visible"/>
-                                      </p:to>
-                                    </p:set>
-                                    <p:anim calcmode="lin" valueType="num">
-                                      <p:cBhvr additive="base">
-                                        <p:cTn id="7" dur="500" fill="hold"/>
-                                        <p:tgtEl>
-                                          <p:spTgt spid="15"/>
-                                        </p:tgtEl>
-                                        <p:attrNameLst>
-                                          <p:attrName>ppt_x</p:attrName>
-                                        </p:attrNameLst>
-                                      </p:cBhvr>
-                                      <p:tavLst>
-                                        <p:tav tm="0">
-                                          <p:val>
-                                            <p:strVal val="0-#ppt_w/2"/>
-                                          </p:val>
-                                        </p:tav>
-                                        <p:tav tm="100000">
-                                          <p:val>
-                                            <p:strVal val="#ppt_x"/>
-                                          </p:val>
-                                        </p:tav>
-                                      </p:tavLst>
-                                    </p:anim>
-                                    <p:anim calcmode="lin" valueType="num">
-                                      <p:cBhvr additive="base">
-                                        <p:cTn id="8" dur="500" fill="hold"/>
-                                        <p:tgtEl>
-                                          <p:spTgt spid="15"/>
-                                        </p:tgtEl>
-                                        <p:attrNameLst>
-                                          <p:attrName>ppt_y</p:attrName>
-                                        </p:attrNameLst>
-                                      </p:cBhvr>
-                                      <p:tavLst>
-                                        <p:tav tm="0">
-                                          <p:val>
-                                            <p:strVal val="#ppt_y"/>
-                                          </p:val>
-                                        </p:tav>
-                                        <p:tav tm="100000">
-                                          <p:val>
-                                            <p:strVal val="#ppt_y"/>
-                                          </p:val>
-                                        </p:tav>
-                                      </p:tavLst>
-                                    </p:anim>
-                                  </p:childTnLst>
-                                </p:cTn>
-                              </p:par>
-                            </p:childTnLst>
-                          </p:cTn>
-                        </p:par>
-                      </p:childTnLst>
-                    </p:cTn>
-                  </p:par>
-                </p:childTnLst>
-              </p:cTn>
-              <p:prevCondLst>
-                <p:cond evt="onPrev" delay="0">
-                  <p:tgtEl>
-                    <p:sldTgt/>
-                  </p:tgtEl>
-                </p:cond>
-              </p:prevCondLst>
-              <p:nextCondLst>
-                <p:cond evt="onNext" delay="0">
-                  <p:tgtEl>
-                    <p:sldTgt/>
-                  </p:tgtEl>
-                </p:cond>
-              </p:nextCondLst>
-            </p:seq>
-          </p:childTnLst>
-        </p:cTn>
-      </p:par>
-    </p:tnLst>
-    <p:bldLst>
-      <p:bldP spid="15" grpId="0" animBg="1" autoUpdateAnimBg="0"/>
-    </p:bldLst>
-  </p:timing>
-</p:sld>
-</file>
-
-<file path=ppt/slides/slide31.xml><?xml version="1.0" encoding="utf-8"?>
-<p:sld xmlns:a="http://schemas.openxmlformats.org/drawingml/2006/main" xmlns:r="http://schemas.openxmlformats.org/officeDocument/2006/relationships" xmlns:p="http://schemas.openxmlformats.org/presentationml/2006/main">
-  <p:cSld>
-    <p:spTree>
-      <p:nvGrpSpPr>
-        <p:cNvPr id="1" name=""/>
-        <p:cNvGrpSpPr/>
-        <p:nvPr/>
-      </p:nvGrpSpPr>
-      <p:grpSpPr>
-        <a:xfrm>
-          <a:off x="0" y="0"/>
-          <a:ext cx="0" cy="0"/>
-          <a:chOff x="0" y="0"/>
-          <a:chExt cx="0" cy="0"/>
-        </a:xfrm>
-      </p:grpSpPr>
-      <p:pic>
-        <p:nvPicPr>
-          <p:cNvPr id="8" name="Picture Placeholder 7"/>
-          <p:cNvPicPr>
-            <a:picLocks noGrp="1" noChangeAspect="1"/>
-          </p:cNvPicPr>
-          <p:nvPr>
-            <p:ph type="pic" sz="quarter" idx="14"/>
-          </p:nvPr>
-        </p:nvPicPr>
-        <p:blipFill>
-          <a:blip r:embed="rId3" cstate="email">
-            <a:extLst>
-              <a:ext uri="{28A0092B-C50C-407E-A947-70E740481C1C}">
-                <a14:useLocalDpi xmlns:a14="http://schemas.microsoft.com/office/drawing/2010/main"/>
-              </a:ext>
-            </a:extLst>
-          </a:blip>
-          <a:srcRect/>
-          <a:stretch>
-            <a:fillRect/>
-          </a:stretch>
-        </p:blipFill>
-        <p:spPr/>
-      </p:pic>
-      <p:sp>
-        <p:nvSpPr>
-          <p:cNvPr id="10" name="TextBox 9"/>
-          <p:cNvSpPr txBox="1"/>
-          <p:nvPr/>
-        </p:nvSpPr>
-        <p:spPr>
-          <a:xfrm>
-            <a:off x="0" y="533400"/>
-            <a:ext cx="4343400" cy="461665"/>
-          </a:xfrm>
-          <a:prstGeom prst="rect">
-            <a:avLst/>
-          </a:prstGeom>
-          <a:solidFill>
-            <a:schemeClr val="tx1">
-              <a:lumMod val="95000"/>
-              <a:lumOff val="5000"/>
-              <a:alpha val="55000"/>
-            </a:schemeClr>
-          </a:solidFill>
-        </p:spPr>
-        <p:txBody>
-          <a:bodyPr wrap="square" rtlCol="0">
-            <a:normAutofit/>
-          </a:bodyPr>
-          <a:lstStyle/>
-          <a:p>
-            <a:r>
-              <a:rPr lang="en-US" sz="2400" dirty="0" smtClean="0">
-                <a:solidFill>
-                  <a:schemeClr val="bg1"/>
-                </a:solidFill>
-              </a:rPr>
-              <a:t>      Slide Film</a:t>
-            </a:r>
-            <a:endParaRPr lang="en-US" sz="2400" b="1" dirty="0">
-              <a:solidFill>
-                <a:schemeClr val="bg1"/>
-              </a:solidFill>
-            </a:endParaRPr>
-          </a:p>
-        </p:txBody>
-      </p:sp>
-      <p:pic>
-        <p:nvPicPr>
-          <p:cNvPr id="6" name="Picture Placeholder 5"/>
-          <p:cNvPicPr>
-            <a:picLocks noGrp="1" noChangeAspect="1"/>
-          </p:cNvPicPr>
-          <p:nvPr>
-            <p:ph type="pic" sz="quarter" idx="15"/>
-          </p:nvPr>
-        </p:nvPicPr>
-        <p:blipFill>
-          <a:blip r:embed="rId4" cstate="email">
-            <a:extLst>
-              <a:ext uri="{28A0092B-C50C-407E-A947-70E740481C1C}">
-                <a14:useLocalDpi xmlns:a14="http://schemas.microsoft.com/office/drawing/2010/main"/>
-              </a:ext>
-            </a:extLst>
-          </a:blip>
-          <a:srcRect/>
-          <a:stretch>
-            <a:fillRect/>
-          </a:stretch>
-        </p:blipFill>
-        <p:spPr/>
-      </p:pic>
-      <p:pic>
-        <p:nvPicPr>
-          <p:cNvPr id="5" name="Picture Placeholder 4"/>
-          <p:cNvPicPr>
-            <a:picLocks noGrp="1" noChangeAspect="1"/>
-          </p:cNvPicPr>
-          <p:nvPr>
-            <p:ph type="pic" sz="quarter" idx="13"/>
-          </p:nvPr>
-        </p:nvPicPr>
-        <p:blipFill>
-          <a:blip r:embed="rId5" cstate="email">
-            <a:extLst>
-              <a:ext uri="{28A0092B-C50C-407E-A947-70E740481C1C}">
-                <a14:useLocalDpi xmlns:a14="http://schemas.microsoft.com/office/drawing/2010/main"/>
-              </a:ext>
-            </a:extLst>
-          </a:blip>
-          <a:srcRect/>
-          <a:stretch>
-            <a:fillRect/>
-          </a:stretch>
-        </p:blipFill>
-        <p:spPr/>
-      </p:pic>
-    </p:spTree>
-  </p:cSld>
-  <p:clrMapOvr>
-    <a:masterClrMapping/>
-  </p:clrMapOvr>
-  <p:transition spd="slow">
-    <p:push/>
-  </p:transition>
-  <p:timing>
-    <p:tnLst>
-      <p:par>
-        <p:cTn id="1" dur="indefinite" restart="never" nodeType="tmRoot">
-          <p:childTnLst>
-            <p:seq concurrent="1" nextAc="seek">
-              <p:cTn id="2" dur="indefinite" nodeType="mainSeq">
-                <p:childTnLst>
-                  <p:par>
-                    <p:cTn id="3" fill="hold">
-                      <p:stCondLst>
-                        <p:cond delay="indefinite"/>
-                        <p:cond evt="onBegin" delay="0">
-                          <p:tn val="2"/>
-                        </p:cond>
-                      </p:stCondLst>
-                      <p:childTnLst>
-                        <p:par>
-                          <p:cTn id="4" fill="hold">
-                            <p:stCondLst>
-                              <p:cond delay="0"/>
-                            </p:stCondLst>
-                            <p:childTnLst>
-                              <p:par>
-                                <p:cTn id="5" presetID="2" presetClass="entr" presetSubtype="8" fill="hold" grpId="0" nodeType="afterEffect">
-                                  <p:stCondLst>
-                                    <p:cond delay="100"/>
-                                  </p:stCondLst>
-                                  <p:childTnLst>
-                                    <p:set>
-                                      <p:cBhvr>
-                                        <p:cTn id="6" dur="1" fill="hold">
-                                          <p:stCondLst>
-                                            <p:cond delay="0"/>
-                                          </p:stCondLst>
-                                        </p:cTn>
-                                        <p:tgtEl>
-                                          <p:spTgt spid="10"/>
-                                        </p:tgtEl>
-                                        <p:attrNameLst>
-                                          <p:attrName>style.visibility</p:attrName>
-                                        </p:attrNameLst>
-                                      </p:cBhvr>
-                                      <p:to>
-                                        <p:strVal val="visible"/>
-                                      </p:to>
-                                    </p:set>
-                                    <p:anim calcmode="lin" valueType="num">
-                                      <p:cBhvr additive="base">
-                                        <p:cTn id="7" dur="500" fill="hold"/>
-                                        <p:tgtEl>
-                                          <p:spTgt spid="10"/>
-                                        </p:tgtEl>
-                                        <p:attrNameLst>
-                                          <p:attrName>ppt_x</p:attrName>
-                                        </p:attrNameLst>
-                                      </p:cBhvr>
-                                      <p:tavLst>
-                                        <p:tav tm="0">
-                                          <p:val>
-                                            <p:strVal val="0-#ppt_w/2"/>
-                                          </p:val>
-                                        </p:tav>
-                                        <p:tav tm="100000">
-                                          <p:val>
-                                            <p:strVal val="#ppt_x"/>
-                                          </p:val>
-                                        </p:tav>
-                                      </p:tavLst>
-                                    </p:anim>
-                                    <p:anim calcmode="lin" valueType="num">
-                                      <p:cBhvr additive="base">
-                                        <p:cTn id="8" dur="500" fill="hold"/>
-                                        <p:tgtEl>
-                                          <p:spTgt spid="10"/>
-                                        </p:tgtEl>
-                                        <p:attrNameLst>
-                                          <p:attrName>ppt_y</p:attrName>
-                                        </p:attrNameLst>
-                                      </p:cBhvr>
-                                      <p:tavLst>
-                                        <p:tav tm="0">
-                                          <p:val>
-                                            <p:strVal val="#ppt_y"/>
-                                          </p:val>
-                                        </p:tav>
-                                        <p:tav tm="100000">
-                                          <p:val>
-                                            <p:strVal val="#ppt_y"/>
-                                          </p:val>
-                                        </p:tav>
-                                      </p:tavLst>
-                                    </p:anim>
-                                  </p:childTnLst>
-                                </p:cTn>
-                              </p:par>
-                            </p:childTnLst>
-                          </p:cTn>
-                        </p:par>
-                      </p:childTnLst>
-                    </p:cTn>
-                  </p:par>
-                </p:childTnLst>
-              </p:cTn>
-              <p:prevCondLst>
-                <p:cond evt="onPrev" delay="0">
-                  <p:tgtEl>
-                    <p:sldTgt/>
-                  </p:tgtEl>
-                </p:cond>
-              </p:prevCondLst>
-              <p:nextCondLst>
-                <p:cond evt="onNext" delay="0">
-                  <p:tgtEl>
-                    <p:sldTgt/>
-                  </p:tgtEl>
-                </p:cond>
-              </p:nextCondLst>
-            </p:seq>
-          </p:childTnLst>
-        </p:cTn>
-      </p:par>
-    </p:tnLst>
-    <p:bldLst>
-      <p:bldP spid="10" grpId="0" animBg="1" autoUpdateAnimBg="0"/>
-    </p:bldLst>
-  </p:timing>
-</p:sld>
-</file>
-
 <file path=ppt/slides/slide32.xml><?xml version="1.0" encoding="utf-8"?>
-<p:sld xmlns:a="http://schemas.openxmlformats.org/drawingml/2006/main" xmlns:r="http://schemas.openxmlformats.org/officeDocument/2006/relationships" xmlns:p="http://schemas.openxmlformats.org/presentationml/2006/main">
-  <p:cSld>
-    <p:spTree>
-      <p:nvGrpSpPr>
-        <p:cNvPr id="1" name=""/>
-        <p:cNvGrpSpPr/>
-        <p:nvPr/>
-      </p:nvGrpSpPr>
-      <p:grpSpPr>
-        <a:xfrm>
-          <a:off x="0" y="0"/>
-          <a:ext cx="0" cy="0"/>
-          <a:chOff x="0" y="0"/>
-          <a:chExt cx="0" cy="0"/>
-        </a:xfrm>
-      </p:grpSpPr>
-      <p:pic>
-        <p:nvPicPr>
-          <p:cNvPr id="9" name="Picture 8"/>
-          <p:cNvPicPr>
-            <a:picLocks noChangeAspect="1"/>
-          </p:cNvPicPr>
-          <p:nvPr/>
-        </p:nvPicPr>
-        <p:blipFill rotWithShape="1">
-          <a:blip r:embed="rId2" cstate="email">
-            <a:extLst>
-              <a:ext uri="{28A0092B-C50C-407E-A947-70E740481C1C}">
-                <a14:useLocalDpi xmlns:a14="http://schemas.microsoft.com/office/drawing/2010/main"/>
-              </a:ext>
-            </a:extLst>
-          </a:blip>
-          <a:srcRect/>
-          <a:stretch/>
-        </p:blipFill>
-        <p:spPr>
-          <a:xfrm>
-            <a:off x="1271649" y="1346617"/>
-            <a:ext cx="6262255" cy="4685445"/>
-          </a:xfrm>
-          <a:prstGeom prst="rect">
-            <a:avLst/>
-          </a:prstGeom>
-          <a:solidFill>
-            <a:srgbClr val="F0F0F0"/>
-          </a:solidFill>
-          <a:ln w="57150">
-            <a:solidFill>
-              <a:schemeClr val="bg1"/>
-            </a:solidFill>
-          </a:ln>
-          <a:effectLst/>
-        </p:spPr>
-      </p:pic>
-      <p:pic>
-        <p:nvPicPr>
-          <p:cNvPr id="3" name="Picture 2"/>
-          <p:cNvPicPr>
-            <a:picLocks noChangeAspect="1"/>
-          </p:cNvPicPr>
-          <p:nvPr/>
-        </p:nvPicPr>
-        <p:blipFill>
-          <a:blip r:embed="rId3" cstate="email">
-            <a:extLst>
-              <a:ext uri="{28A0092B-C50C-407E-A947-70E740481C1C}">
-                <a14:useLocalDpi xmlns:a14="http://schemas.microsoft.com/office/drawing/2010/main"/>
-              </a:ext>
-            </a:extLst>
-          </a:blip>
-          <a:stretch>
-            <a:fillRect/>
-          </a:stretch>
-        </p:blipFill>
-        <p:spPr>
-          <a:xfrm>
-            <a:off x="6980716" y="5466414"/>
-            <a:ext cx="609600" cy="619125"/>
-          </a:xfrm>
-          <a:prstGeom prst="rect">
-            <a:avLst/>
-          </a:prstGeom>
-        </p:spPr>
-      </p:pic>
-      <p:pic>
-        <p:nvPicPr>
-          <p:cNvPr id="4" name="Picture 3"/>
-          <p:cNvPicPr>
-            <a:picLocks noChangeAspect="1"/>
-          </p:cNvPicPr>
-          <p:nvPr/>
-        </p:nvPicPr>
-        <p:blipFill>
-          <a:blip r:embed="rId4" cstate="email">
-            <a:extLst>
-              <a:ext uri="{28A0092B-C50C-407E-A947-70E740481C1C}">
-                <a14:useLocalDpi xmlns:a14="http://schemas.microsoft.com/office/drawing/2010/main"/>
-              </a:ext>
-            </a:extLst>
-          </a:blip>
-          <a:stretch>
-            <a:fillRect/>
-          </a:stretch>
-        </p:blipFill>
-        <p:spPr>
-          <a:xfrm>
-            <a:off x="1215224" y="5475939"/>
-            <a:ext cx="619125" cy="609600"/>
-          </a:xfrm>
-          <a:prstGeom prst="rect">
-            <a:avLst/>
-          </a:prstGeom>
-        </p:spPr>
-      </p:pic>
-      <p:pic>
-        <p:nvPicPr>
-          <p:cNvPr id="5" name="Picture 4"/>
-          <p:cNvPicPr>
-            <a:picLocks noChangeAspect="1"/>
-          </p:cNvPicPr>
-          <p:nvPr/>
-        </p:nvPicPr>
-        <p:blipFill>
-          <a:blip r:embed="rId5" cstate="email">
-            <a:extLst>
-              <a:ext uri="{28A0092B-C50C-407E-A947-70E740481C1C}">
-                <a14:useLocalDpi xmlns:a14="http://schemas.microsoft.com/office/drawing/2010/main"/>
-              </a:ext>
-            </a:extLst>
-          </a:blip>
-          <a:stretch>
-            <a:fillRect/>
-          </a:stretch>
-        </p:blipFill>
-        <p:spPr>
-          <a:xfrm>
-            <a:off x="6970942" y="1291424"/>
-            <a:ext cx="619125" cy="609600"/>
-          </a:xfrm>
-          <a:prstGeom prst="rect">
-            <a:avLst/>
-          </a:prstGeom>
-        </p:spPr>
-      </p:pic>
-      <p:pic>
-        <p:nvPicPr>
-          <p:cNvPr id="6" name="Picture 5"/>
-          <p:cNvPicPr>
-            <a:picLocks noChangeAspect="1"/>
-          </p:cNvPicPr>
-          <p:nvPr/>
-        </p:nvPicPr>
-        <p:blipFill>
-          <a:blip r:embed="rId6" cstate="email">
-            <a:extLst>
-              <a:ext uri="{28A0092B-C50C-407E-A947-70E740481C1C}">
-                <a14:useLocalDpi xmlns:a14="http://schemas.microsoft.com/office/drawing/2010/main"/>
-              </a:ext>
-            </a:extLst>
-          </a:blip>
-          <a:stretch>
-            <a:fillRect/>
-          </a:stretch>
-        </p:blipFill>
-        <p:spPr>
-          <a:xfrm>
-            <a:off x="1216858" y="1291424"/>
-            <a:ext cx="609600" cy="619125"/>
-          </a:xfrm>
-          <a:prstGeom prst="rect">
-            <a:avLst/>
-          </a:prstGeom>
-        </p:spPr>
-      </p:pic>
-      <p:sp>
-        <p:nvSpPr>
-          <p:cNvPr id="13" name="TextBox 12"/>
-          <p:cNvSpPr txBox="1"/>
-          <p:nvPr/>
-        </p:nvSpPr>
-        <p:spPr>
-          <a:xfrm>
-            <a:off x="0" y="533400"/>
-            <a:ext cx="4343400" cy="461665"/>
-          </a:xfrm>
-          <a:prstGeom prst="rect">
-            <a:avLst/>
-          </a:prstGeom>
-          <a:solidFill>
-            <a:schemeClr val="tx1">
-              <a:lumMod val="95000"/>
-              <a:lumOff val="5000"/>
-              <a:alpha val="55000"/>
-            </a:schemeClr>
-          </a:solidFill>
-        </p:spPr>
-        <p:txBody>
-          <a:bodyPr wrap="square" rtlCol="0" anchor="ctr" anchorCtr="0">
-            <a:normAutofit/>
-          </a:bodyPr>
-          <a:lstStyle/>
-          <a:p>
-            <a:r>
-              <a:rPr lang="en-US" sz="2400" dirty="0" smtClean="0">
-                <a:solidFill>
-                  <a:schemeClr val="bg1"/>
-                </a:solidFill>
-              </a:rPr>
-              <a:t>      Photo Corners</a:t>
-            </a:r>
-            <a:endParaRPr lang="en-US" sz="2400" b="1" dirty="0">
-              <a:solidFill>
-                <a:schemeClr val="bg1"/>
-              </a:solidFill>
-            </a:endParaRPr>
-          </a:p>
-        </p:txBody>
-      </p:sp>
-    </p:spTree>
-  </p:cSld>
-  <p:clrMapOvr>
-    <a:masterClrMapping/>
-  </p:clrMapOvr>
-  <mc:AlternateContent xmlns:mc="http://schemas.openxmlformats.org/markup-compatibility/2006" xmlns:p14="http://schemas.microsoft.com/office/powerpoint/2010/main">
-    <mc:Choice Requires="p14">
-      <p:transition spd="slow" p14:dur="2000">
-        <p14:doors dir="vert"/>
-      </p:transition>
-    </mc:Choice>
-    <mc:Fallback xmlns="">
-      <p:transition spd="slow">
-        <p:fade/>
-      </p:transition>
-    </mc:Fallback>
-  </mc:AlternateContent>
-  <p:timing>
-    <p:tnLst>
-      <p:par>
-        <p:cTn id="1" dur="indefinite" restart="never" nodeType="tmRoot">
-          <p:childTnLst>
-            <p:seq concurrent="1" nextAc="seek">
-              <p:cTn id="2" dur="indefinite" nodeType="mainSeq">
-                <p:childTnLst>
-                  <p:par>
-                    <p:cTn id="3" fill="hold">
-                      <p:stCondLst>
-                        <p:cond delay="indefinite"/>
-                        <p:cond evt="onBegin" delay="0">
-                          <p:tn val="2"/>
-                        </p:cond>
-                      </p:stCondLst>
-                      <p:childTnLst>
-                        <p:par>
-                          <p:cTn id="4" fill="hold">
-                            <p:stCondLst>
-                              <p:cond delay="0"/>
-                            </p:stCondLst>
-                            <p:childTnLst>
-                              <p:par>
-                                <p:cTn id="5" presetID="2" presetClass="entr" presetSubtype="8" fill="hold" grpId="0" nodeType="afterEffect">
-                                  <p:stCondLst>
-                                    <p:cond delay="100"/>
-                                  </p:stCondLst>
-                                  <p:childTnLst>
-                                    <p:set>
-                                      <p:cBhvr>
-                                        <p:cTn id="6" dur="1" fill="hold">
-                                          <p:stCondLst>
-                                            <p:cond delay="0"/>
-                                          </p:stCondLst>
-                                        </p:cTn>
-                                        <p:tgtEl>
-                                          <p:spTgt spid="13"/>
-                                        </p:tgtEl>
-                                        <p:attrNameLst>
-                                          <p:attrName>style.visibility</p:attrName>
-                                        </p:attrNameLst>
-                                      </p:cBhvr>
-                                      <p:to>
-                                        <p:strVal val="visible"/>
-                                      </p:to>
-                                    </p:set>
-                                    <p:anim calcmode="lin" valueType="num">
-                                      <p:cBhvr additive="base">
-                                        <p:cTn id="7" dur="500" fill="hold"/>
-                                        <p:tgtEl>
-                                          <p:spTgt spid="13"/>
-                                        </p:tgtEl>
-                                        <p:attrNameLst>
-                                          <p:attrName>ppt_x</p:attrName>
-                                        </p:attrNameLst>
-                                      </p:cBhvr>
-                                      <p:tavLst>
-                                        <p:tav tm="0">
-                                          <p:val>
-                                            <p:strVal val="0-#ppt_w/2"/>
-                                          </p:val>
-                                        </p:tav>
-                                        <p:tav tm="100000">
-                                          <p:val>
-                                            <p:strVal val="#ppt_x"/>
-                                          </p:val>
-                                        </p:tav>
-                                      </p:tavLst>
-                                    </p:anim>
-                                    <p:anim calcmode="lin" valueType="num">
-                                      <p:cBhvr additive="base">
-                                        <p:cTn id="8" dur="500" fill="hold"/>
-                                        <p:tgtEl>
-                                          <p:spTgt spid="13"/>
-                                        </p:tgtEl>
-                                        <p:attrNameLst>
-                                          <p:attrName>ppt_y</p:attrName>
-                                        </p:attrNameLst>
-                                      </p:cBhvr>
-                                      <p:tavLst>
-                                        <p:tav tm="0">
-                                          <p:val>
-                                            <p:strVal val="#ppt_y"/>
-                                          </p:val>
-                                        </p:tav>
-                                        <p:tav tm="100000">
-                                          <p:val>
-                                            <p:strVal val="#ppt_y"/>
-                                          </p:val>
-                                        </p:tav>
-                                      </p:tavLst>
-                                    </p:anim>
-                                  </p:childTnLst>
-                                </p:cTn>
-                              </p:par>
-                            </p:childTnLst>
-                          </p:cTn>
-                        </p:par>
-                      </p:childTnLst>
-                    </p:cTn>
-                  </p:par>
-                </p:childTnLst>
-              </p:cTn>
-              <p:prevCondLst>
-                <p:cond evt="onPrev" delay="0">
-                  <p:tgtEl>
-                    <p:sldTgt/>
-                  </p:tgtEl>
-                </p:cond>
-              </p:prevCondLst>
-              <p:nextCondLst>
-                <p:cond evt="onNext" delay="0">
-                  <p:tgtEl>
-                    <p:sldTgt/>
-                  </p:tgtEl>
-                </p:cond>
-              </p:nextCondLst>
-            </p:seq>
-          </p:childTnLst>
-        </p:cTn>
-      </p:par>
-    </p:tnLst>
-    <p:bldLst>
-      <p:bldP spid="13" grpId="0" animBg="1"/>
-    </p:bldLst>
-  </p:timing>
-</p:sld>
-</file>
-
-<file path=ppt/slides/slide33.xml><?xml version="1.0" encoding="utf-8"?>
-<p:sld xmlns:a="http://schemas.openxmlformats.org/drawingml/2006/main" xmlns:r="http://schemas.openxmlformats.org/officeDocument/2006/relationships" xmlns:p="http://schemas.openxmlformats.org/presentationml/2006/main">
-  <p:cSld>
-    <p:spTree>
-      <p:nvGrpSpPr>
-        <p:cNvPr id="1" name=""/>
-        <p:cNvGrpSpPr/>
-        <p:nvPr/>
-      </p:nvGrpSpPr>
-      <p:grpSpPr>
-        <a:xfrm>
-          <a:off x="0" y="0"/>
-          <a:ext cx="0" cy="0"/>
-          <a:chOff x="0" y="0"/>
-          <a:chExt cx="0" cy="0"/>
-        </a:xfrm>
-      </p:grpSpPr>
-      <p:sp>
-        <p:nvSpPr>
-          <p:cNvPr id="3" name="Text Placeholder 2"/>
-          <p:cNvSpPr>
-            <a:spLocks noGrp="1"/>
-          </p:cNvSpPr>
-          <p:nvPr>
-            <p:ph type="body" sz="quarter" idx="32"/>
-          </p:nvPr>
-        </p:nvSpPr>
-        <p:spPr>
-          <a:xfrm>
-            <a:off x="4724400" y="5244010"/>
-            <a:ext cx="1905000" cy="914400"/>
-          </a:xfrm>
-        </p:spPr>
-        <p:txBody>
-          <a:bodyPr/>
-          <a:lstStyle/>
-          <a:p>
-            <a:pPr algn="ctr"/>
-            <a:r>
-              <a:rPr lang="en-US" b="1" dirty="0" smtClean="0">
-                <a:solidFill>
-                  <a:schemeClr val="bg1">
-                    <a:lumMod val="65000"/>
-                  </a:schemeClr>
-                </a:solidFill>
-              </a:rPr>
-              <a:t>MODERN</a:t>
-            </a:r>
-            <a:endParaRPr lang="en-US" b="1" dirty="0">
-              <a:solidFill>
-                <a:schemeClr val="bg1">
-                  <a:lumMod val="65000"/>
-                </a:schemeClr>
-              </a:solidFill>
-            </a:endParaRPr>
-          </a:p>
-        </p:txBody>
-      </p:sp>
-      <p:sp>
-        <p:nvSpPr>
-          <p:cNvPr id="5" name="Text Placeholder 4"/>
-          <p:cNvSpPr>
-            <a:spLocks noGrp="1"/>
-          </p:cNvSpPr>
-          <p:nvPr>
-            <p:ph type="body" sz="quarter" idx="20"/>
-          </p:nvPr>
-        </p:nvSpPr>
-        <p:spPr>
-          <a:xfrm>
-            <a:off x="4724400" y="990600"/>
-            <a:ext cx="1905000" cy="914400"/>
-          </a:xfrm>
-        </p:spPr>
-        <p:txBody>
-          <a:bodyPr/>
-          <a:lstStyle/>
-          <a:p>
-            <a:pPr algn="ctr"/>
-            <a:r>
-              <a:rPr lang="en-US" b="1" dirty="0" smtClean="0">
-                <a:solidFill>
-                  <a:schemeClr val="bg1">
-                    <a:lumMod val="65000"/>
-                  </a:schemeClr>
-                </a:solidFill>
-              </a:rPr>
-              <a:t>DYNAMIC</a:t>
-            </a:r>
-            <a:endParaRPr lang="en-US" b="1" dirty="0">
-              <a:solidFill>
-                <a:schemeClr val="bg1">
-                  <a:lumMod val="65000"/>
-                </a:schemeClr>
-              </a:solidFill>
-            </a:endParaRPr>
-          </a:p>
-        </p:txBody>
-      </p:sp>
-      <p:pic>
-        <p:nvPicPr>
-          <p:cNvPr id="20" name="Picture Placeholder 19"/>
-          <p:cNvPicPr>
-            <a:picLocks noGrp="1" noChangeAspect="1"/>
-          </p:cNvPicPr>
-          <p:nvPr>
-            <p:ph type="pic" sz="quarter" idx="13"/>
-          </p:nvPr>
-        </p:nvPicPr>
-        <p:blipFill rotWithShape="1">
-          <a:blip r:embed="rId3" cstate="email">
-            <a:extLst>
-              <a:ext uri="{28A0092B-C50C-407E-A947-70E740481C1C}">
-                <a14:useLocalDpi xmlns:a14="http://schemas.microsoft.com/office/drawing/2010/main"/>
-              </a:ext>
-            </a:extLst>
-          </a:blip>
-          <a:srcRect/>
-          <a:stretch/>
-        </p:blipFill>
-        <p:spPr>
-          <a:xfrm>
-            <a:off x="2432050" y="291010"/>
-            <a:ext cx="2070100" cy="1994990"/>
-          </a:xfrm>
-        </p:spPr>
-      </p:pic>
-      <p:pic>
-        <p:nvPicPr>
-          <p:cNvPr id="21" name="Picture Placeholder 20"/>
-          <p:cNvPicPr>
-            <a:picLocks noGrp="1" noChangeAspect="1"/>
-          </p:cNvPicPr>
-          <p:nvPr>
-            <p:ph type="pic" sz="quarter" idx="16"/>
-          </p:nvPr>
-        </p:nvPicPr>
-        <p:blipFill>
-          <a:blip r:embed="rId4" cstate="email">
-            <a:extLst>
-              <a:ext uri="{28A0092B-C50C-407E-A947-70E740481C1C}">
-                <a14:useLocalDpi xmlns:a14="http://schemas.microsoft.com/office/drawing/2010/main"/>
-              </a:ext>
-            </a:extLst>
-          </a:blip>
-          <a:srcRect/>
-          <a:stretch>
-            <a:fillRect/>
-          </a:stretch>
-        </p:blipFill>
-        <p:spPr>
-          <a:xfrm>
-            <a:off x="6858000" y="291009"/>
-            <a:ext cx="2059858" cy="1997633"/>
-          </a:xfrm>
-        </p:spPr>
-      </p:pic>
-      <p:sp>
-        <p:nvSpPr>
-          <p:cNvPr id="9" name="Text Placeholder 8"/>
-          <p:cNvSpPr>
-            <a:spLocks noGrp="1"/>
-          </p:cNvSpPr>
-          <p:nvPr>
-            <p:ph type="body" sz="quarter" idx="18"/>
-          </p:nvPr>
-        </p:nvSpPr>
-        <p:spPr>
-          <a:xfrm>
-            <a:off x="304800" y="989272"/>
-            <a:ext cx="1905000" cy="914400"/>
-          </a:xfrm>
-        </p:spPr>
-        <p:txBody>
-          <a:bodyPr/>
-          <a:lstStyle/>
-          <a:p>
-            <a:pPr algn="ctr"/>
-            <a:r>
-              <a:rPr lang="en-US" b="1" dirty="0" smtClean="0">
-                <a:solidFill>
-                  <a:schemeClr val="bg1">
-                    <a:lumMod val="65000"/>
-                  </a:schemeClr>
-                </a:solidFill>
-              </a:rPr>
-              <a:t>PROFESSIONAL</a:t>
-            </a:r>
-            <a:endParaRPr lang="en-US" b="1" dirty="0">
-              <a:solidFill>
-                <a:schemeClr val="bg1">
-                  <a:lumMod val="65000"/>
-                </a:schemeClr>
-              </a:solidFill>
-            </a:endParaRPr>
-          </a:p>
-        </p:txBody>
-      </p:sp>
-      <p:pic>
-        <p:nvPicPr>
-          <p:cNvPr id="23" name="Picture Placeholder 22"/>
-          <p:cNvPicPr>
-            <a:picLocks noGrp="1" noChangeAspect="1"/>
-          </p:cNvPicPr>
-          <p:nvPr>
-            <p:ph type="pic" sz="quarter" idx="22"/>
-          </p:nvPr>
-        </p:nvPicPr>
-        <p:blipFill>
-          <a:blip r:embed="rId5" cstate="email">
-            <a:extLst>
-              <a:ext uri="{28A0092B-C50C-407E-A947-70E740481C1C}">
-                <a14:useLocalDpi xmlns:a14="http://schemas.microsoft.com/office/drawing/2010/main"/>
-              </a:ext>
-            </a:extLst>
-          </a:blip>
-          <a:srcRect/>
-          <a:stretch>
-            <a:fillRect/>
-          </a:stretch>
-        </p:blipFill>
-        <p:spPr/>
-      </p:pic>
-      <p:sp>
-        <p:nvSpPr>
-          <p:cNvPr id="13" name="Text Placeholder 12"/>
-          <p:cNvSpPr>
-            <a:spLocks noGrp="1"/>
-          </p:cNvSpPr>
-          <p:nvPr>
-            <p:ph type="body" sz="quarter" idx="24"/>
-          </p:nvPr>
-        </p:nvSpPr>
-        <p:spPr>
-          <a:xfrm>
-            <a:off x="2517057" y="3110410"/>
-            <a:ext cx="1905000" cy="914400"/>
-          </a:xfrm>
-        </p:spPr>
-        <p:txBody>
-          <a:bodyPr/>
-          <a:lstStyle/>
-          <a:p>
-            <a:pPr algn="ctr"/>
-            <a:r>
-              <a:rPr lang="en-US" b="1" dirty="0" smtClean="0">
-                <a:solidFill>
-                  <a:schemeClr val="bg1">
-                    <a:lumMod val="65000"/>
-                  </a:schemeClr>
-                </a:solidFill>
-              </a:rPr>
-              <a:t>ABSTRACT</a:t>
-            </a:r>
-            <a:endParaRPr lang="en-US" b="1" dirty="0">
-              <a:solidFill>
-                <a:schemeClr val="bg1">
-                  <a:lumMod val="65000"/>
-                </a:schemeClr>
-              </a:solidFill>
-            </a:endParaRPr>
-          </a:p>
-        </p:txBody>
-      </p:sp>
-      <p:sp>
-        <p:nvSpPr>
-          <p:cNvPr id="15" name="Text Placeholder 14"/>
-          <p:cNvSpPr>
-            <a:spLocks noGrp="1"/>
-          </p:cNvSpPr>
-          <p:nvPr>
-            <p:ph type="body" sz="quarter" idx="26"/>
-          </p:nvPr>
-        </p:nvSpPr>
-        <p:spPr>
-          <a:xfrm>
-            <a:off x="6936657" y="3124200"/>
-            <a:ext cx="1905000" cy="914400"/>
-          </a:xfrm>
-        </p:spPr>
-        <p:txBody>
-          <a:bodyPr/>
-          <a:lstStyle/>
-          <a:p>
-            <a:pPr algn="ctr"/>
-            <a:r>
-              <a:rPr lang="en-US" b="1" dirty="0" smtClean="0">
-                <a:solidFill>
-                  <a:schemeClr val="bg1">
-                    <a:lumMod val="65000"/>
-                  </a:schemeClr>
-                </a:solidFill>
-              </a:rPr>
-              <a:t>SOPHISTICATED</a:t>
-            </a:r>
-            <a:endParaRPr lang="en-US" b="1" dirty="0">
-              <a:solidFill>
-                <a:schemeClr val="bg1">
-                  <a:lumMod val="65000"/>
-                </a:schemeClr>
-              </a:solidFill>
-            </a:endParaRPr>
-          </a:p>
-        </p:txBody>
-      </p:sp>
-      <p:pic>
-        <p:nvPicPr>
-          <p:cNvPr id="25" name="Picture Placeholder 24"/>
-          <p:cNvPicPr>
-            <a:picLocks noGrp="1" noChangeAspect="1"/>
-          </p:cNvPicPr>
-          <p:nvPr>
-            <p:ph type="pic" sz="quarter" idx="27"/>
-          </p:nvPr>
-        </p:nvPicPr>
-        <p:blipFill>
-          <a:blip r:embed="rId6" cstate="email">
-            <a:extLst>
-              <a:ext uri="{28A0092B-C50C-407E-A947-70E740481C1C}">
-                <a14:useLocalDpi xmlns:a14="http://schemas.microsoft.com/office/drawing/2010/main"/>
-              </a:ext>
-            </a:extLst>
-          </a:blip>
-          <a:srcRect/>
-          <a:stretch>
-            <a:fillRect/>
-          </a:stretch>
-        </p:blipFill>
-        <p:spPr/>
-      </p:pic>
-      <p:sp>
-        <p:nvSpPr>
-          <p:cNvPr id="19" name="Text Placeholder 18"/>
-          <p:cNvSpPr>
-            <a:spLocks noGrp="1"/>
-          </p:cNvSpPr>
-          <p:nvPr>
-            <p:ph type="body" sz="quarter" idx="30"/>
-          </p:nvPr>
-        </p:nvSpPr>
-        <p:spPr>
-          <a:xfrm>
-            <a:off x="304800" y="5257800"/>
-            <a:ext cx="1905000" cy="914400"/>
-          </a:xfrm>
-        </p:spPr>
-        <p:txBody>
-          <a:bodyPr/>
-          <a:lstStyle/>
-          <a:p>
-            <a:pPr algn="ctr"/>
-            <a:r>
-              <a:rPr lang="en-US" b="1" dirty="0" smtClean="0">
-                <a:solidFill>
-                  <a:schemeClr val="bg1">
-                    <a:lumMod val="65000"/>
-                  </a:schemeClr>
-                </a:solidFill>
-              </a:rPr>
-              <a:t>CREATIVE</a:t>
-            </a:r>
-            <a:endParaRPr lang="en-US" b="1" dirty="0">
-              <a:solidFill>
-                <a:schemeClr val="bg1">
-                  <a:lumMod val="65000"/>
-                </a:schemeClr>
-              </a:solidFill>
-            </a:endParaRPr>
-          </a:p>
-        </p:txBody>
-      </p:sp>
-      <p:pic>
-        <p:nvPicPr>
-          <p:cNvPr id="6" name="Picture Placeholder 5"/>
-          <p:cNvPicPr>
-            <a:picLocks noGrp="1" noChangeAspect="1"/>
-          </p:cNvPicPr>
-          <p:nvPr>
-            <p:ph type="pic" sz="quarter" idx="28"/>
-          </p:nvPr>
-        </p:nvPicPr>
-        <p:blipFill>
-          <a:blip r:embed="rId7">
-            <a:grayscl/>
-            <a:extLst>
-              <a:ext uri="{28A0092B-C50C-407E-A947-70E740481C1C}">
-                <a14:useLocalDpi xmlns:a14="http://schemas.microsoft.com/office/drawing/2010/main"/>
-              </a:ext>
-            </a:extLst>
-          </a:blip>
-          <a:srcRect/>
-          <a:stretch>
-            <a:fillRect/>
-          </a:stretch>
-        </p:blipFill>
-        <p:spPr/>
-      </p:pic>
-      <p:pic>
-        <p:nvPicPr>
-          <p:cNvPr id="4" name="Picture Placeholder 3"/>
-          <p:cNvPicPr>
-            <a:picLocks noGrp="1" noChangeAspect="1"/>
-          </p:cNvPicPr>
-          <p:nvPr>
-            <p:ph type="pic" sz="quarter" idx="21"/>
-          </p:nvPr>
-        </p:nvPicPr>
-        <p:blipFill rotWithShape="1">
-          <a:blip r:embed="rId8" cstate="email">
-            <a:extLst>
-              <a:ext uri="{28A0092B-C50C-407E-A947-70E740481C1C}">
-                <a14:useLocalDpi xmlns:a14="http://schemas.microsoft.com/office/drawing/2010/main"/>
-              </a:ext>
-            </a:extLst>
-          </a:blip>
-          <a:srcRect/>
-          <a:stretch/>
-        </p:blipFill>
-        <p:spPr/>
-      </p:pic>
-    </p:spTree>
-  </p:cSld>
-  <p:clrMapOvr>
-    <a:masterClrMapping/>
-  </p:clrMapOvr>
-  <mc:AlternateContent xmlns:mc="http://schemas.openxmlformats.org/markup-compatibility/2006" xmlns:p14="http://schemas.microsoft.com/office/powerpoint/2010/main">
-    <mc:Choice Requires="p14">
-      <p:transition spd="slow" p14:dur="2000">
-        <p:checker/>
-      </p:transition>
-    </mc:Choice>
-    <mc:Fallback xmlns="">
-      <p:transition spd="slow">
-        <p:checker/>
-      </p:transition>
-    </mc:Fallback>
-  </mc:AlternateContent>
-  <p:timing>
-    <p:tnLst>
-      <p:par>
-        <p:cTn id="1" dur="indefinite" restart="never" nodeType="tmRoot">
-          <p:childTnLst>
-            <p:seq concurrent="1" nextAc="seek">
-              <p:cTn id="2" dur="indefinite" nodeType="mainSeq">
-                <p:childTnLst>
-                  <p:par>
-                    <p:cTn id="3" fill="hold">
-                      <p:stCondLst>
-                        <p:cond delay="indefinite"/>
-                        <p:cond evt="onBegin" delay="0">
-                          <p:tn val="2"/>
-                        </p:cond>
-                      </p:stCondLst>
-                      <p:childTnLst>
-                        <p:par>
-                          <p:cTn id="4" fill="hold">
-                            <p:stCondLst>
-                              <p:cond delay="0"/>
-                            </p:stCondLst>
-                            <p:childTnLst>
-                              <p:par>
-                                <p:cTn id="5" presetID="23" presetClass="entr" presetSubtype="16" fill="hold" nodeType="withEffect">
-                                  <p:stCondLst>
-                                    <p:cond delay="0"/>
-                                  </p:stCondLst>
-                                  <p:childTnLst>
-                                    <p:set>
-                                      <p:cBhvr>
-                                        <p:cTn id="6" dur="1" fill="hold">
-                                          <p:stCondLst>
-                                            <p:cond delay="0"/>
-                                          </p:stCondLst>
-                                        </p:cTn>
-                                        <p:tgtEl>
-                                          <p:spTgt spid="20"/>
-                                        </p:tgtEl>
-                                        <p:attrNameLst>
-                                          <p:attrName>style.visibility</p:attrName>
-                                        </p:attrNameLst>
-                                      </p:cBhvr>
-                                      <p:to>
-                                        <p:strVal val="visible"/>
-                                      </p:to>
-                                    </p:set>
-                                    <p:anim calcmode="lin" valueType="num">
-                                      <p:cBhvr>
-                                        <p:cTn id="7" dur="250" fill="hold"/>
-                                        <p:tgtEl>
-                                          <p:spTgt spid="20"/>
-                                        </p:tgtEl>
-                                        <p:attrNameLst>
-                                          <p:attrName>ppt_w</p:attrName>
-                                        </p:attrNameLst>
-                                      </p:cBhvr>
-                                      <p:tavLst>
-                                        <p:tav tm="0">
-                                          <p:val>
-                                            <p:fltVal val="0"/>
-                                          </p:val>
-                                        </p:tav>
-                                        <p:tav tm="100000">
-                                          <p:val>
-                                            <p:strVal val="#ppt_w"/>
-                                          </p:val>
-                                        </p:tav>
-                                      </p:tavLst>
-                                    </p:anim>
-                                    <p:anim calcmode="lin" valueType="num">
-                                      <p:cBhvr>
-                                        <p:cTn id="8" dur="250" fill="hold"/>
-                                        <p:tgtEl>
-                                          <p:spTgt spid="20"/>
-                                        </p:tgtEl>
-                                        <p:attrNameLst>
-                                          <p:attrName>ppt_h</p:attrName>
-                                        </p:attrNameLst>
-                                      </p:cBhvr>
-                                      <p:tavLst>
-                                        <p:tav tm="0">
-                                          <p:val>
-                                            <p:fltVal val="0"/>
-                                          </p:val>
-                                        </p:tav>
-                                        <p:tav tm="100000">
-                                          <p:val>
-                                            <p:strVal val="#ppt_h"/>
-                                          </p:val>
-                                        </p:tav>
-                                      </p:tavLst>
-                                    </p:anim>
-                                  </p:childTnLst>
-                                </p:cTn>
-                              </p:par>
-                              <p:par>
-                                <p:cTn id="9" presetID="45" presetClass="entr" presetSubtype="0" fill="hold" grpId="0" nodeType="withEffect">
-                                  <p:stCondLst>
-                                    <p:cond delay="0"/>
-                                  </p:stCondLst>
-                                  <p:iterate type="lt">
-                                    <p:tmPct val="10000"/>
-                                  </p:iterate>
-                                  <p:childTnLst>
-                                    <p:set>
-                                      <p:cBhvr>
-                                        <p:cTn id="10" dur="1" fill="hold">
-                                          <p:stCondLst>
-                                            <p:cond delay="0"/>
-                                          </p:stCondLst>
-                                        </p:cTn>
-                                        <p:tgtEl>
-                                          <p:spTgt spid="9">
-                                            <p:txEl>
-                                              <p:pRg st="0" end="0"/>
-                                            </p:txEl>
-                                          </p:spTgt>
-                                        </p:tgtEl>
-                                        <p:attrNameLst>
-                                          <p:attrName>style.visibility</p:attrName>
-                                        </p:attrNameLst>
-                                      </p:cBhvr>
-                                      <p:to>
-                                        <p:strVal val="visible"/>
-                                      </p:to>
-                                    </p:set>
-                                    <p:animEffect transition="in" filter="fade">
-                                      <p:cBhvr>
-                                        <p:cTn id="11" dur="250"/>
-                                        <p:tgtEl>
-                                          <p:spTgt spid="9">
-                                            <p:txEl>
-                                              <p:pRg st="0" end="0"/>
-                                            </p:txEl>
-                                          </p:spTgt>
-                                        </p:tgtEl>
-                                      </p:cBhvr>
-                                    </p:animEffect>
-                                    <p:anim calcmode="lin" valueType="num">
-                                      <p:cBhvr>
-                                        <p:cTn id="12" dur="250" fill="hold"/>
-                                        <p:tgtEl>
-                                          <p:spTgt spid="9">
-                                            <p:txEl>
-                                              <p:pRg st="0" end="0"/>
-                                            </p:txEl>
-                                          </p:spTgt>
-                                        </p:tgtEl>
-                                        <p:attrNameLst>
-                                          <p:attrName>ppt_w</p:attrName>
-                                        </p:attrNameLst>
-                                      </p:cBhvr>
-                                      <p:tavLst>
-                                        <p:tav tm="0" fmla="#ppt_w*sin(2.5*pi*$)">
-                                          <p:val>
-                                            <p:fltVal val="0"/>
-                                          </p:val>
-                                        </p:tav>
-                                        <p:tav tm="100000">
-                                          <p:val>
-                                            <p:fltVal val="1"/>
-                                          </p:val>
-                                        </p:tav>
-                                      </p:tavLst>
-                                    </p:anim>
-                                    <p:anim calcmode="lin" valueType="num">
-                                      <p:cBhvr>
-                                        <p:cTn id="13" dur="250" fill="hold"/>
-                                        <p:tgtEl>
-                                          <p:spTgt spid="9">
-                                            <p:txEl>
-                                              <p:pRg st="0" end="0"/>
-                                            </p:txEl>
-                                          </p:spTgt>
-                                        </p:tgtEl>
-                                        <p:attrNameLst>
-                                          <p:attrName>ppt_h</p:attrName>
-                                        </p:attrNameLst>
-                                      </p:cBhvr>
-                                      <p:tavLst>
-                                        <p:tav tm="0">
-                                          <p:val>
-                                            <p:strVal val="#ppt_h"/>
-                                          </p:val>
-                                        </p:tav>
-                                        <p:tav tm="100000">
-                                          <p:val>
-                                            <p:strVal val="#ppt_h"/>
-                                          </p:val>
-                                        </p:tav>
-                                      </p:tavLst>
-                                    </p:anim>
-                                  </p:childTnLst>
-                                </p:cTn>
-                              </p:par>
-                            </p:childTnLst>
-                          </p:cTn>
-                        </p:par>
-                        <p:par>
-                          <p:cTn id="14" fill="hold">
-                            <p:stCondLst>
-                              <p:cond delay="525"/>
-                            </p:stCondLst>
-                            <p:childTnLst>
-                              <p:par>
-                                <p:cTn id="15" presetID="23" presetClass="entr" presetSubtype="16" fill="hold" nodeType="afterEffect">
-                                  <p:stCondLst>
-                                    <p:cond delay="0"/>
-                                  </p:stCondLst>
-                                  <p:childTnLst>
-                                    <p:set>
-                                      <p:cBhvr>
-                                        <p:cTn id="16" dur="1" fill="hold">
-                                          <p:stCondLst>
-                                            <p:cond delay="0"/>
-                                          </p:stCondLst>
-                                        </p:cTn>
-                                        <p:tgtEl>
-                                          <p:spTgt spid="23"/>
-                                        </p:tgtEl>
-                                        <p:attrNameLst>
-                                          <p:attrName>style.visibility</p:attrName>
-                                        </p:attrNameLst>
-                                      </p:cBhvr>
-                                      <p:to>
-                                        <p:strVal val="visible"/>
-                                      </p:to>
-                                    </p:set>
-                                    <p:anim calcmode="lin" valueType="num">
-                                      <p:cBhvr>
-                                        <p:cTn id="17" dur="250" fill="hold"/>
-                                        <p:tgtEl>
-                                          <p:spTgt spid="23"/>
-                                        </p:tgtEl>
-                                        <p:attrNameLst>
-                                          <p:attrName>ppt_w</p:attrName>
-                                        </p:attrNameLst>
-                                      </p:cBhvr>
-                                      <p:tavLst>
-                                        <p:tav tm="0">
-                                          <p:val>
-                                            <p:fltVal val="0"/>
-                                          </p:val>
-                                        </p:tav>
-                                        <p:tav tm="100000">
-                                          <p:val>
-                                            <p:strVal val="#ppt_w"/>
-                                          </p:val>
-                                        </p:tav>
-                                      </p:tavLst>
-                                    </p:anim>
-                                    <p:anim calcmode="lin" valueType="num">
-                                      <p:cBhvr>
-                                        <p:cTn id="18" dur="250" fill="hold"/>
-                                        <p:tgtEl>
-                                          <p:spTgt spid="23"/>
-                                        </p:tgtEl>
-                                        <p:attrNameLst>
-                                          <p:attrName>ppt_h</p:attrName>
-                                        </p:attrNameLst>
-                                      </p:cBhvr>
-                                      <p:tavLst>
-                                        <p:tav tm="0">
-                                          <p:val>
-                                            <p:fltVal val="0"/>
-                                          </p:val>
-                                        </p:tav>
-                                        <p:tav tm="100000">
-                                          <p:val>
-                                            <p:strVal val="#ppt_h"/>
-                                          </p:val>
-                                        </p:tav>
-                                      </p:tavLst>
-                                    </p:anim>
-                                  </p:childTnLst>
-                                </p:cTn>
-                              </p:par>
-                              <p:par>
-                                <p:cTn id="19" presetID="45" presetClass="entr" presetSubtype="0" fill="hold" grpId="0" nodeType="withEffect">
-                                  <p:stCondLst>
-                                    <p:cond delay="0"/>
-                                  </p:stCondLst>
-                                  <p:iterate type="lt">
-                                    <p:tmPct val="7500"/>
-                                  </p:iterate>
-                                  <p:childTnLst>
-                                    <p:set>
-                                      <p:cBhvr>
-                                        <p:cTn id="20" dur="1" fill="hold">
-                                          <p:stCondLst>
-                                            <p:cond delay="0"/>
-                                          </p:stCondLst>
-                                        </p:cTn>
-                                        <p:tgtEl>
-                                          <p:spTgt spid="15">
-                                            <p:txEl>
-                                              <p:pRg st="0" end="0"/>
-                                            </p:txEl>
-                                          </p:spTgt>
-                                        </p:tgtEl>
-                                        <p:attrNameLst>
-                                          <p:attrName>style.visibility</p:attrName>
-                                        </p:attrNameLst>
-                                      </p:cBhvr>
-                                      <p:to>
-                                        <p:strVal val="visible"/>
-                                      </p:to>
-                                    </p:set>
-                                    <p:animEffect transition="in" filter="fade">
-                                      <p:cBhvr>
-                                        <p:cTn id="21" dur="250"/>
-                                        <p:tgtEl>
-                                          <p:spTgt spid="15">
-                                            <p:txEl>
-                                              <p:pRg st="0" end="0"/>
-                                            </p:txEl>
-                                          </p:spTgt>
-                                        </p:tgtEl>
-                                      </p:cBhvr>
-                                    </p:animEffect>
-                                    <p:anim calcmode="lin" valueType="num">
-                                      <p:cBhvr>
-                                        <p:cTn id="22" dur="250" fill="hold"/>
-                                        <p:tgtEl>
-                                          <p:spTgt spid="15">
-                                            <p:txEl>
-                                              <p:pRg st="0" end="0"/>
-                                            </p:txEl>
-                                          </p:spTgt>
-                                        </p:tgtEl>
-                                        <p:attrNameLst>
-                                          <p:attrName>ppt_w</p:attrName>
-                                        </p:attrNameLst>
-                                      </p:cBhvr>
-                                      <p:tavLst>
-                                        <p:tav tm="0" fmla="#ppt_w*sin(2.5*pi*$)">
-                                          <p:val>
-                                            <p:fltVal val="0"/>
-                                          </p:val>
-                                        </p:tav>
-                                        <p:tav tm="100000">
-                                          <p:val>
-                                            <p:fltVal val="1"/>
-                                          </p:val>
-                                        </p:tav>
-                                      </p:tavLst>
-                                    </p:anim>
-                                    <p:anim calcmode="lin" valueType="num">
-                                      <p:cBhvr>
-                                        <p:cTn id="23" dur="250" fill="hold"/>
-                                        <p:tgtEl>
-                                          <p:spTgt spid="15">
-                                            <p:txEl>
-                                              <p:pRg st="0" end="0"/>
-                                            </p:txEl>
-                                          </p:spTgt>
-                                        </p:tgtEl>
-                                        <p:attrNameLst>
-                                          <p:attrName>ppt_h</p:attrName>
-                                        </p:attrNameLst>
-                                      </p:cBhvr>
-                                      <p:tavLst>
-                                        <p:tav tm="0">
-                                          <p:val>
-                                            <p:strVal val="#ppt_h"/>
-                                          </p:val>
-                                        </p:tav>
-                                        <p:tav tm="100000">
-                                          <p:val>
-                                            <p:strVal val="#ppt_h"/>
-                                          </p:val>
-                                        </p:tav>
-                                      </p:tavLst>
-                                    </p:anim>
-                                  </p:childTnLst>
-                                </p:cTn>
-                              </p:par>
-                            </p:childTnLst>
-                          </p:cTn>
-                        </p:par>
-                        <p:par>
-                          <p:cTn id="24" fill="hold">
-                            <p:stCondLst>
-                              <p:cond delay="1000"/>
-                            </p:stCondLst>
-                            <p:childTnLst>
-                              <p:par>
-                                <p:cTn id="25" presetID="23" presetClass="entr" presetSubtype="16" fill="hold" nodeType="afterEffect">
-                                  <p:stCondLst>
-                                    <p:cond delay="0"/>
-                                  </p:stCondLst>
-                                  <p:childTnLst>
-                                    <p:set>
-                                      <p:cBhvr>
-                                        <p:cTn id="26" dur="1" fill="hold">
-                                          <p:stCondLst>
-                                            <p:cond delay="0"/>
-                                          </p:stCondLst>
-                                        </p:cTn>
-                                        <p:tgtEl>
-                                          <p:spTgt spid="21"/>
-                                        </p:tgtEl>
-                                        <p:attrNameLst>
-                                          <p:attrName>style.visibility</p:attrName>
-                                        </p:attrNameLst>
-                                      </p:cBhvr>
-                                      <p:to>
-                                        <p:strVal val="visible"/>
-                                      </p:to>
-                                    </p:set>
-                                    <p:anim calcmode="lin" valueType="num">
-                                      <p:cBhvr>
-                                        <p:cTn id="27" dur="300" fill="hold"/>
-                                        <p:tgtEl>
-                                          <p:spTgt spid="21"/>
-                                        </p:tgtEl>
-                                        <p:attrNameLst>
-                                          <p:attrName>ppt_w</p:attrName>
-                                        </p:attrNameLst>
-                                      </p:cBhvr>
-                                      <p:tavLst>
-                                        <p:tav tm="0">
-                                          <p:val>
-                                            <p:fltVal val="0"/>
-                                          </p:val>
-                                        </p:tav>
-                                        <p:tav tm="100000">
-                                          <p:val>
-                                            <p:strVal val="#ppt_w"/>
-                                          </p:val>
-                                        </p:tav>
-                                      </p:tavLst>
-                                    </p:anim>
-                                    <p:anim calcmode="lin" valueType="num">
-                                      <p:cBhvr>
-                                        <p:cTn id="28" dur="300" fill="hold"/>
-                                        <p:tgtEl>
-                                          <p:spTgt spid="21"/>
-                                        </p:tgtEl>
-                                        <p:attrNameLst>
-                                          <p:attrName>ppt_h</p:attrName>
-                                        </p:attrNameLst>
-                                      </p:cBhvr>
-                                      <p:tavLst>
-                                        <p:tav tm="0">
-                                          <p:val>
-                                            <p:fltVal val="0"/>
-                                          </p:val>
-                                        </p:tav>
-                                        <p:tav tm="100000">
-                                          <p:val>
-                                            <p:strVal val="#ppt_h"/>
-                                          </p:val>
-                                        </p:tav>
-                                      </p:tavLst>
-                                    </p:anim>
-                                  </p:childTnLst>
-                                </p:cTn>
-                              </p:par>
-                              <p:par>
-                                <p:cTn id="29" presetID="45" presetClass="entr" presetSubtype="0" fill="hold" grpId="0" nodeType="withEffect">
-                                  <p:stCondLst>
-                                    <p:cond delay="0"/>
-                                  </p:stCondLst>
-                                  <p:iterate type="lt">
-                                    <p:tmPct val="16667"/>
-                                  </p:iterate>
-                                  <p:childTnLst>
-                                    <p:set>
-                                      <p:cBhvr>
-                                        <p:cTn id="30" dur="1" fill="hold">
-                                          <p:stCondLst>
-                                            <p:cond delay="0"/>
-                                          </p:stCondLst>
-                                        </p:cTn>
-                                        <p:tgtEl>
-                                          <p:spTgt spid="5">
-                                            <p:txEl>
-                                              <p:pRg st="0" end="0"/>
-                                            </p:txEl>
-                                          </p:spTgt>
-                                        </p:tgtEl>
-                                        <p:attrNameLst>
-                                          <p:attrName>style.visibility</p:attrName>
-                                        </p:attrNameLst>
-                                      </p:cBhvr>
-                                      <p:to>
-                                        <p:strVal val="visible"/>
-                                      </p:to>
-                                    </p:set>
-                                    <p:animEffect transition="in" filter="fade">
-                                      <p:cBhvr>
-                                        <p:cTn id="31" dur="250"/>
-                                        <p:tgtEl>
-                                          <p:spTgt spid="5">
-                                            <p:txEl>
-                                              <p:pRg st="0" end="0"/>
-                                            </p:txEl>
-                                          </p:spTgt>
-                                        </p:tgtEl>
-                                      </p:cBhvr>
-                                    </p:animEffect>
-                                    <p:anim calcmode="lin" valueType="num">
-                                      <p:cBhvr>
-                                        <p:cTn id="32" dur="250" fill="hold"/>
-                                        <p:tgtEl>
-                                          <p:spTgt spid="5">
-                                            <p:txEl>
-                                              <p:pRg st="0" end="0"/>
-                                            </p:txEl>
-                                          </p:spTgt>
-                                        </p:tgtEl>
-                                        <p:attrNameLst>
-                                          <p:attrName>ppt_w</p:attrName>
-                                        </p:attrNameLst>
-                                      </p:cBhvr>
-                                      <p:tavLst>
-                                        <p:tav tm="0" fmla="#ppt_w*sin(2.5*pi*$)">
-                                          <p:val>
-                                            <p:fltVal val="0"/>
-                                          </p:val>
-                                        </p:tav>
-                                        <p:tav tm="100000">
-                                          <p:val>
-                                            <p:fltVal val="1"/>
-                                          </p:val>
-                                        </p:tav>
-                                      </p:tavLst>
-                                    </p:anim>
-                                    <p:anim calcmode="lin" valueType="num">
-                                      <p:cBhvr>
-                                        <p:cTn id="33" dur="250" fill="hold"/>
-                                        <p:tgtEl>
-                                          <p:spTgt spid="5">
-                                            <p:txEl>
-                                              <p:pRg st="0" end="0"/>
-                                            </p:txEl>
-                                          </p:spTgt>
-                                        </p:tgtEl>
-                                        <p:attrNameLst>
-                                          <p:attrName>ppt_h</p:attrName>
-                                        </p:attrNameLst>
-                                      </p:cBhvr>
-                                      <p:tavLst>
-                                        <p:tav tm="0">
-                                          <p:val>
-                                            <p:strVal val="#ppt_h"/>
-                                          </p:val>
-                                        </p:tav>
-                                        <p:tav tm="100000">
-                                          <p:val>
-                                            <p:strVal val="#ppt_h"/>
-                                          </p:val>
-                                        </p:tav>
-                                      </p:tavLst>
-                                    </p:anim>
-                                  </p:childTnLst>
-                                </p:cTn>
-                              </p:par>
-                            </p:childTnLst>
-                          </p:cTn>
-                        </p:par>
-                        <p:par>
-                          <p:cTn id="34" fill="hold">
-                            <p:stCondLst>
-                              <p:cond delay="1500"/>
-                            </p:stCondLst>
-                            <p:childTnLst>
-                              <p:par>
-                                <p:cTn id="35" presetID="23" presetClass="entr" presetSubtype="16" fill="hold" nodeType="afterEffect">
-                                  <p:stCondLst>
-                                    <p:cond delay="0"/>
-                                  </p:stCondLst>
-                                  <p:childTnLst>
-                                    <p:set>
-                                      <p:cBhvr>
-                                        <p:cTn id="36" dur="1" fill="hold">
-                                          <p:stCondLst>
-                                            <p:cond delay="0"/>
-                                          </p:stCondLst>
-                                        </p:cTn>
-                                        <p:tgtEl>
-                                          <p:spTgt spid="6">
-                                            <p:bg/>
-                                          </p:spTgt>
-                                        </p:tgtEl>
-                                        <p:attrNameLst>
-                                          <p:attrName>style.visibility</p:attrName>
-                                        </p:attrNameLst>
-                                      </p:cBhvr>
-                                      <p:to>
-                                        <p:strVal val="visible"/>
-                                      </p:to>
-                                    </p:set>
-                                    <p:anim calcmode="lin" valueType="num">
-                                      <p:cBhvr>
-                                        <p:cTn id="37" dur="300" fill="hold"/>
-                                        <p:tgtEl>
-                                          <p:spTgt spid="6">
-                                            <p:bg/>
-                                          </p:spTgt>
-                                        </p:tgtEl>
-                                        <p:attrNameLst>
-                                          <p:attrName>ppt_w</p:attrName>
-                                        </p:attrNameLst>
-                                      </p:cBhvr>
-                                      <p:tavLst>
-                                        <p:tav tm="0">
-                                          <p:val>
-                                            <p:fltVal val="0"/>
-                                          </p:val>
-                                        </p:tav>
-                                        <p:tav tm="100000">
-                                          <p:val>
-                                            <p:strVal val="#ppt_w"/>
-                                          </p:val>
-                                        </p:tav>
-                                      </p:tavLst>
-                                    </p:anim>
-                                    <p:anim calcmode="lin" valueType="num">
-                                      <p:cBhvr>
-                                        <p:cTn id="38" dur="300" fill="hold"/>
-                                        <p:tgtEl>
-                                          <p:spTgt spid="6">
-                                            <p:bg/>
-                                          </p:spTgt>
-                                        </p:tgtEl>
-                                        <p:attrNameLst>
-                                          <p:attrName>ppt_h</p:attrName>
-                                        </p:attrNameLst>
-                                      </p:cBhvr>
-                                      <p:tavLst>
-                                        <p:tav tm="0">
-                                          <p:val>
-                                            <p:fltVal val="0"/>
-                                          </p:val>
-                                        </p:tav>
-                                        <p:tav tm="100000">
-                                          <p:val>
-                                            <p:strVal val="#ppt_h"/>
-                                          </p:val>
-                                        </p:tav>
-                                      </p:tavLst>
-                                    </p:anim>
-                                  </p:childTnLst>
-                                </p:cTn>
-                              </p:par>
-                              <p:par>
-                                <p:cTn id="39" presetID="45" presetClass="entr" presetSubtype="0" fill="hold" grpId="0" nodeType="withEffect">
-                                  <p:stCondLst>
-                                    <p:cond delay="0"/>
-                                  </p:stCondLst>
-                                  <p:iterate type="lt">
-                                    <p:tmPct val="20000"/>
-                                  </p:iterate>
-                                  <p:childTnLst>
-                                    <p:set>
-                                      <p:cBhvr>
-                                        <p:cTn id="40" dur="1" fill="hold">
-                                          <p:stCondLst>
-                                            <p:cond delay="0"/>
-                                          </p:stCondLst>
-                                        </p:cTn>
-                                        <p:tgtEl>
-                                          <p:spTgt spid="3">
-                                            <p:txEl>
-                                              <p:pRg st="0" end="0"/>
-                                            </p:txEl>
-                                          </p:spTgt>
-                                        </p:tgtEl>
-                                        <p:attrNameLst>
-                                          <p:attrName>style.visibility</p:attrName>
-                                        </p:attrNameLst>
-                                      </p:cBhvr>
-                                      <p:to>
-                                        <p:strVal val="visible"/>
-                                      </p:to>
-                                    </p:set>
-                                    <p:animEffect transition="in" filter="fade">
-                                      <p:cBhvr>
-                                        <p:cTn id="41" dur="250"/>
-                                        <p:tgtEl>
-                                          <p:spTgt spid="3">
-                                            <p:txEl>
-                                              <p:pRg st="0" end="0"/>
-                                            </p:txEl>
-                                          </p:spTgt>
-                                        </p:tgtEl>
-                                      </p:cBhvr>
-                                    </p:animEffect>
-                                    <p:anim calcmode="lin" valueType="num">
-                                      <p:cBhvr>
-                                        <p:cTn id="42" dur="250" fill="hold"/>
-                                        <p:tgtEl>
-                                          <p:spTgt spid="3">
-                                            <p:txEl>
-                                              <p:pRg st="0" end="0"/>
-                                            </p:txEl>
-                                          </p:spTgt>
-                                        </p:tgtEl>
-                                        <p:attrNameLst>
-                                          <p:attrName>ppt_w</p:attrName>
-                                        </p:attrNameLst>
-                                      </p:cBhvr>
-                                      <p:tavLst>
-                                        <p:tav tm="0" fmla="#ppt_w*sin(2.5*pi*$)">
-                                          <p:val>
-                                            <p:fltVal val="0"/>
-                                          </p:val>
-                                        </p:tav>
-                                        <p:tav tm="100000">
-                                          <p:val>
-                                            <p:fltVal val="1"/>
-                                          </p:val>
-                                        </p:tav>
-                                      </p:tavLst>
-                                    </p:anim>
-                                    <p:anim calcmode="lin" valueType="num">
-                                      <p:cBhvr>
-                                        <p:cTn id="43" dur="250" fill="hold"/>
-                                        <p:tgtEl>
-                                          <p:spTgt spid="3">
-                                            <p:txEl>
-                                              <p:pRg st="0" end="0"/>
-                                            </p:txEl>
-                                          </p:spTgt>
-                                        </p:tgtEl>
-                                        <p:attrNameLst>
-                                          <p:attrName>ppt_h</p:attrName>
-                                        </p:attrNameLst>
-                                      </p:cBhvr>
-                                      <p:tavLst>
-                                        <p:tav tm="0">
-                                          <p:val>
-                                            <p:strVal val="#ppt_h"/>
-                                          </p:val>
-                                        </p:tav>
-                                        <p:tav tm="100000">
-                                          <p:val>
-                                            <p:strVal val="#ppt_h"/>
-                                          </p:val>
-                                        </p:tav>
-                                      </p:tavLst>
-                                    </p:anim>
-                                  </p:childTnLst>
-                                </p:cTn>
-                              </p:par>
-                            </p:childTnLst>
-                          </p:cTn>
-                        </p:par>
-                        <p:par>
-                          <p:cTn id="44" fill="hold">
-                            <p:stCondLst>
-                              <p:cond delay="2000"/>
-                            </p:stCondLst>
-                            <p:childTnLst>
-                              <p:par>
-                                <p:cTn id="45" presetID="23" presetClass="entr" presetSubtype="16" fill="hold" nodeType="afterEffect">
-                                  <p:stCondLst>
-                                    <p:cond delay="0"/>
-                                  </p:stCondLst>
-                                  <p:childTnLst>
-                                    <p:set>
-                                      <p:cBhvr>
-                                        <p:cTn id="46" dur="1" fill="hold">
-                                          <p:stCondLst>
-                                            <p:cond delay="0"/>
-                                          </p:stCondLst>
-                                        </p:cTn>
-                                        <p:tgtEl>
-                                          <p:spTgt spid="25"/>
-                                        </p:tgtEl>
-                                        <p:attrNameLst>
-                                          <p:attrName>style.visibility</p:attrName>
-                                        </p:attrNameLst>
-                                      </p:cBhvr>
-                                      <p:to>
-                                        <p:strVal val="visible"/>
-                                      </p:to>
-                                    </p:set>
-                                    <p:anim calcmode="lin" valueType="num">
-                                      <p:cBhvr>
-                                        <p:cTn id="47" dur="300" fill="hold"/>
-                                        <p:tgtEl>
-                                          <p:spTgt spid="25"/>
-                                        </p:tgtEl>
-                                        <p:attrNameLst>
-                                          <p:attrName>ppt_w</p:attrName>
-                                        </p:attrNameLst>
-                                      </p:cBhvr>
-                                      <p:tavLst>
-                                        <p:tav tm="0">
-                                          <p:val>
-                                            <p:fltVal val="0"/>
-                                          </p:val>
-                                        </p:tav>
-                                        <p:tav tm="100000">
-                                          <p:val>
-                                            <p:strVal val="#ppt_w"/>
-                                          </p:val>
-                                        </p:tav>
-                                      </p:tavLst>
-                                    </p:anim>
-                                    <p:anim calcmode="lin" valueType="num">
-                                      <p:cBhvr>
-                                        <p:cTn id="48" dur="300" fill="hold"/>
-                                        <p:tgtEl>
-                                          <p:spTgt spid="25"/>
-                                        </p:tgtEl>
-                                        <p:attrNameLst>
-                                          <p:attrName>ppt_h</p:attrName>
-                                        </p:attrNameLst>
-                                      </p:cBhvr>
-                                      <p:tavLst>
-                                        <p:tav tm="0">
-                                          <p:val>
-                                            <p:fltVal val="0"/>
-                                          </p:val>
-                                        </p:tav>
-                                        <p:tav tm="100000">
-                                          <p:val>
-                                            <p:strVal val="#ppt_h"/>
-                                          </p:val>
-                                        </p:tav>
-                                      </p:tavLst>
-                                    </p:anim>
-                                  </p:childTnLst>
-                                </p:cTn>
-                              </p:par>
-                              <p:par>
-                                <p:cTn id="49" presetID="45" presetClass="entr" presetSubtype="0" fill="hold" grpId="0" nodeType="withEffect">
-                                  <p:stCondLst>
-                                    <p:cond delay="0"/>
-                                  </p:stCondLst>
-                                  <p:iterate type="lt">
-                                    <p:tmPct val="14286"/>
-                                  </p:iterate>
-                                  <p:childTnLst>
-                                    <p:set>
-                                      <p:cBhvr>
-                                        <p:cTn id="50" dur="1" fill="hold">
-                                          <p:stCondLst>
-                                            <p:cond delay="0"/>
-                                          </p:stCondLst>
-                                        </p:cTn>
-                                        <p:tgtEl>
-                                          <p:spTgt spid="19">
-                                            <p:txEl>
-                                              <p:pRg st="0" end="0"/>
-                                            </p:txEl>
-                                          </p:spTgt>
-                                        </p:tgtEl>
-                                        <p:attrNameLst>
-                                          <p:attrName>style.visibility</p:attrName>
-                                        </p:attrNameLst>
-                                      </p:cBhvr>
-                                      <p:to>
-                                        <p:strVal val="visible"/>
-                                      </p:to>
-                                    </p:set>
-                                    <p:animEffect transition="in" filter="fade">
-                                      <p:cBhvr>
-                                        <p:cTn id="51" dur="250"/>
-                                        <p:tgtEl>
-                                          <p:spTgt spid="19">
-                                            <p:txEl>
-                                              <p:pRg st="0" end="0"/>
-                                            </p:txEl>
-                                          </p:spTgt>
-                                        </p:tgtEl>
-                                      </p:cBhvr>
-                                    </p:animEffect>
-                                    <p:anim calcmode="lin" valueType="num">
-                                      <p:cBhvr>
-                                        <p:cTn id="52" dur="250" fill="hold"/>
-                                        <p:tgtEl>
-                                          <p:spTgt spid="19">
-                                            <p:txEl>
-                                              <p:pRg st="0" end="0"/>
-                                            </p:txEl>
-                                          </p:spTgt>
-                                        </p:tgtEl>
-                                        <p:attrNameLst>
-                                          <p:attrName>ppt_w</p:attrName>
-                                        </p:attrNameLst>
-                                      </p:cBhvr>
-                                      <p:tavLst>
-                                        <p:tav tm="0" fmla="#ppt_w*sin(2.5*pi*$)">
-                                          <p:val>
-                                            <p:fltVal val="0"/>
-                                          </p:val>
-                                        </p:tav>
-                                        <p:tav tm="100000">
-                                          <p:val>
-                                            <p:fltVal val="1"/>
-                                          </p:val>
-                                        </p:tav>
-                                      </p:tavLst>
-                                    </p:anim>
-                                    <p:anim calcmode="lin" valueType="num">
-                                      <p:cBhvr>
-                                        <p:cTn id="53" dur="250" fill="hold"/>
-                                        <p:tgtEl>
-                                          <p:spTgt spid="19">
-                                            <p:txEl>
-                                              <p:pRg st="0" end="0"/>
-                                            </p:txEl>
-                                          </p:spTgt>
-                                        </p:tgtEl>
-                                        <p:attrNameLst>
-                                          <p:attrName>ppt_h</p:attrName>
-                                        </p:attrNameLst>
-                                      </p:cBhvr>
-                                      <p:tavLst>
-                                        <p:tav tm="0">
-                                          <p:val>
-                                            <p:strVal val="#ppt_h"/>
-                                          </p:val>
-                                        </p:tav>
-                                        <p:tav tm="100000">
-                                          <p:val>
-                                            <p:strVal val="#ppt_h"/>
-                                          </p:val>
-                                        </p:tav>
-                                      </p:tavLst>
-                                    </p:anim>
-                                  </p:childTnLst>
-                                </p:cTn>
-                              </p:par>
-                            </p:childTnLst>
-                          </p:cTn>
-                        </p:par>
-                        <p:par>
-                          <p:cTn id="54" fill="hold">
-                            <p:stCondLst>
-                              <p:cond delay="2500"/>
-                            </p:stCondLst>
-                            <p:childTnLst>
-                              <p:par>
-                                <p:cTn id="55" presetID="23" presetClass="entr" presetSubtype="16" fill="hold" nodeType="afterEffect">
-                                  <p:stCondLst>
-                                    <p:cond delay="0"/>
-                                  </p:stCondLst>
-                                  <p:childTnLst>
-                                    <p:set>
-                                      <p:cBhvr>
-                                        <p:cTn id="56" dur="1" fill="hold">
-                                          <p:stCondLst>
-                                            <p:cond delay="0"/>
-                                          </p:stCondLst>
-                                        </p:cTn>
-                                        <p:tgtEl>
-                                          <p:spTgt spid="4">
-                                            <p:bg/>
-                                          </p:spTgt>
-                                        </p:tgtEl>
-                                        <p:attrNameLst>
-                                          <p:attrName>style.visibility</p:attrName>
-                                        </p:attrNameLst>
-                                      </p:cBhvr>
-                                      <p:to>
-                                        <p:strVal val="visible"/>
-                                      </p:to>
-                                    </p:set>
-                                    <p:anim calcmode="lin" valueType="num">
-                                      <p:cBhvr>
-                                        <p:cTn id="57" dur="300" fill="hold"/>
-                                        <p:tgtEl>
-                                          <p:spTgt spid="4">
-                                            <p:bg/>
-                                          </p:spTgt>
-                                        </p:tgtEl>
-                                        <p:attrNameLst>
-                                          <p:attrName>ppt_w</p:attrName>
-                                        </p:attrNameLst>
-                                      </p:cBhvr>
-                                      <p:tavLst>
-                                        <p:tav tm="0">
-                                          <p:val>
-                                            <p:fltVal val="0"/>
-                                          </p:val>
-                                        </p:tav>
-                                        <p:tav tm="100000">
-                                          <p:val>
-                                            <p:strVal val="#ppt_w"/>
-                                          </p:val>
-                                        </p:tav>
-                                      </p:tavLst>
-                                    </p:anim>
-                                    <p:anim calcmode="lin" valueType="num">
-                                      <p:cBhvr>
-                                        <p:cTn id="58" dur="300" fill="hold"/>
-                                        <p:tgtEl>
-                                          <p:spTgt spid="4">
-                                            <p:bg/>
-                                          </p:spTgt>
-                                        </p:tgtEl>
-                                        <p:attrNameLst>
-                                          <p:attrName>ppt_h</p:attrName>
-                                        </p:attrNameLst>
-                                      </p:cBhvr>
-                                      <p:tavLst>
-                                        <p:tav tm="0">
-                                          <p:val>
-                                            <p:fltVal val="0"/>
-                                          </p:val>
-                                        </p:tav>
-                                        <p:tav tm="100000">
-                                          <p:val>
-                                            <p:strVal val="#ppt_h"/>
-                                          </p:val>
-                                        </p:tav>
-                                      </p:tavLst>
-                                    </p:anim>
-                                  </p:childTnLst>
-                                </p:cTn>
-                              </p:par>
-                              <p:par>
-                                <p:cTn id="59" presetID="45" presetClass="entr" presetSubtype="0" fill="hold" grpId="0" nodeType="withEffect">
-                                  <p:stCondLst>
-                                    <p:cond delay="0"/>
-                                  </p:stCondLst>
-                                  <p:iterate type="lt">
-                                    <p:tmPct val="14286"/>
-                                  </p:iterate>
-                                  <p:childTnLst>
-                                    <p:set>
-                                      <p:cBhvr>
-                                        <p:cTn id="60" dur="1" fill="hold">
-                                          <p:stCondLst>
-                                            <p:cond delay="0"/>
-                                          </p:stCondLst>
-                                        </p:cTn>
-                                        <p:tgtEl>
-                                          <p:spTgt spid="13">
-                                            <p:txEl>
-                                              <p:pRg st="0" end="0"/>
-                                            </p:txEl>
-                                          </p:spTgt>
-                                        </p:tgtEl>
-                                        <p:attrNameLst>
-                                          <p:attrName>style.visibility</p:attrName>
-                                        </p:attrNameLst>
-                                      </p:cBhvr>
-                                      <p:to>
-                                        <p:strVal val="visible"/>
-                                      </p:to>
-                                    </p:set>
-                                    <p:animEffect transition="in" filter="fade">
-                                      <p:cBhvr>
-                                        <p:cTn id="61" dur="250"/>
-                                        <p:tgtEl>
-                                          <p:spTgt spid="13">
-                                            <p:txEl>
-                                              <p:pRg st="0" end="0"/>
-                                            </p:txEl>
-                                          </p:spTgt>
-                                        </p:tgtEl>
-                                      </p:cBhvr>
-                                    </p:animEffect>
-                                    <p:anim calcmode="lin" valueType="num">
-                                      <p:cBhvr>
-                                        <p:cTn id="62" dur="250" fill="hold"/>
-                                        <p:tgtEl>
-                                          <p:spTgt spid="13">
-                                            <p:txEl>
-                                              <p:pRg st="0" end="0"/>
-                                            </p:txEl>
-                                          </p:spTgt>
-                                        </p:tgtEl>
-                                        <p:attrNameLst>
-                                          <p:attrName>ppt_w</p:attrName>
-                                        </p:attrNameLst>
-                                      </p:cBhvr>
-                                      <p:tavLst>
-                                        <p:tav tm="0" fmla="#ppt_w*sin(2.5*pi*$)">
-                                          <p:val>
-                                            <p:fltVal val="0"/>
-                                          </p:val>
-                                        </p:tav>
-                                        <p:tav tm="100000">
-                                          <p:val>
-                                            <p:fltVal val="1"/>
-                                          </p:val>
-                                        </p:tav>
-                                      </p:tavLst>
-                                    </p:anim>
-                                    <p:anim calcmode="lin" valueType="num">
-                                      <p:cBhvr>
-                                        <p:cTn id="63" dur="250" fill="hold"/>
-                                        <p:tgtEl>
-                                          <p:spTgt spid="13">
-                                            <p:txEl>
-                                              <p:pRg st="0" end="0"/>
-                                            </p:txEl>
-                                          </p:spTgt>
-                                        </p:tgtEl>
-                                        <p:attrNameLst>
-                                          <p:attrName>ppt_h</p:attrName>
-                                        </p:attrNameLst>
-                                      </p:cBhvr>
-                                      <p:tavLst>
-                                        <p:tav tm="0">
-                                          <p:val>
-                                            <p:strVal val="#ppt_h"/>
-                                          </p:val>
-                                        </p:tav>
-                                        <p:tav tm="100000">
-                                          <p:val>
-                                            <p:strVal val="#ppt_h"/>
-                                          </p:val>
-                                        </p:tav>
-                                      </p:tavLst>
-                                    </p:anim>
-                                  </p:childTnLst>
-                                </p:cTn>
-                              </p:par>
-                            </p:childTnLst>
-                          </p:cTn>
-                        </p:par>
-                      </p:childTnLst>
-                    </p:cTn>
-                  </p:par>
-                </p:childTnLst>
-              </p:cTn>
-              <p:prevCondLst>
-                <p:cond evt="onPrev" delay="0">
-                  <p:tgtEl>
-                    <p:sldTgt/>
-                  </p:tgtEl>
-                </p:cond>
-              </p:prevCondLst>
-              <p:nextCondLst>
-                <p:cond evt="onNext" delay="0">
-                  <p:tgtEl>
-                    <p:sldTgt/>
-                  </p:tgtEl>
-                </p:cond>
-              </p:nextCondLst>
-            </p:seq>
-          </p:childTnLst>
-        </p:cTn>
-      </p:par>
-    </p:tnLst>
-    <p:bldLst>
-      <p:bldP spid="3" grpId="0" build="p" autoUpdateAnimBg="0"/>
-      <p:bldP spid="5" grpId="0" build="p" autoUpdateAnimBg="0"/>
-      <p:bldP spid="9" grpId="0" build="p"/>
-      <p:bldP spid="13" grpId="0" build="p" autoUpdateAnimBg="0"/>
-      <p:bldP spid="15" grpId="0" build="p" autoUpdateAnimBg="0"/>
-      <p:bldP spid="19" grpId="0" build="p" autoUpdateAnimBg="0"/>
-    </p:bldLst>
-  </p:timing>
-</p:sld>
-</file>
-
-<file path=ppt/slides/slide34.xml><?xml version="1.0" encoding="utf-8"?>
 <p:sld xmlns:a="http://schemas.openxmlformats.org/drawingml/2006/main" xmlns:r="http://schemas.openxmlformats.org/officeDocument/2006/relationships" xmlns:p="http://schemas.openxmlformats.org/presentationml/2006/main" showMasterSp="0">
   <p:cSld>
     <p:spTree>
@@ -24562,13 +20753,13 @@
       </p:grpSpPr>
       <p:sp>
         <p:nvSpPr>
-          <p:cNvPr id="5" name="TextBox 4"/>
+          <p:cNvPr id="3" name="TextBox 2"/>
           <p:cNvSpPr txBox="1"/>
           <p:nvPr/>
         </p:nvSpPr>
         <p:spPr>
           <a:xfrm>
-            <a:off x="731520" y="2560320"/>
+            <a:off x="5303520" y="2560320"/>
             <a:ext cx="3200400" cy="640080"/>
           </a:xfrm>
           <a:prstGeom prst="rect">
@@ -24589,256 +20780,12 @@
           <a:lstStyle/>
           <a:p>
             <a:r>
-              <a:rPr lang="en-US" sz="2400" b="1" dirty="0">
+              <a:rPr lang="en-US" sz="2400" b="1" dirty="0" smtClean="0">
                 <a:solidFill>
                   <a:schemeClr val="bg1"/>
                 </a:solidFill>
               </a:rPr>
-              <a:t>Split </a:t>
-            </a:r>
-            <a:r>
-              <a:rPr lang="en-US" sz="2400" b="1" dirty="0" smtClean="0">
-                <a:solidFill>
-                  <a:schemeClr val="bg1"/>
-                </a:solidFill>
-              </a:rPr>
-              <a:t>Picture</a:t>
-            </a:r>
-            <a:endParaRPr lang="en-US" sz="2400" b="1" dirty="0">
-              <a:solidFill>
-                <a:schemeClr val="bg1"/>
-              </a:solidFill>
-            </a:endParaRPr>
-          </a:p>
-        </p:txBody>
-      </p:sp>
-      <p:sp>
-        <p:nvSpPr>
-          <p:cNvPr id="2" name="Rectangle 1"/>
-          <p:cNvSpPr/>
-          <p:nvPr/>
-        </p:nvSpPr>
-        <p:spPr>
-          <a:xfrm>
-            <a:off x="381000" y="5410200"/>
-            <a:ext cx="3810000" cy="1219200"/>
-          </a:xfrm>
-          <a:prstGeom prst="rect">
-            <a:avLst/>
-          </a:prstGeom>
-        </p:spPr>
-        <p:txBody>
-          <a:bodyPr wrap="square">
-            <a:normAutofit/>
-          </a:bodyPr>
-          <a:lstStyle/>
-          <a:p>
-            <a:pPr algn="ctr">
-              <a:defRPr/>
-            </a:pPr>
-            <a:r>
-              <a:rPr lang="en-US" dirty="0">
-                <a:solidFill>
-                  <a:schemeClr val="tx1">
-                    <a:lumMod val="75000"/>
-                    <a:lumOff val="25000"/>
-                  </a:schemeClr>
-                </a:solidFill>
-              </a:rPr>
-              <a:t>Use</a:t>
-            </a:r>
-            <a:r>
-              <a:rPr lang="en-US" dirty="0">
-                <a:solidFill>
-                  <a:schemeClr val="tx1">
-                    <a:lumMod val="85000"/>
-                    <a:lumOff val="15000"/>
-                  </a:schemeClr>
-                </a:solidFill>
-              </a:rPr>
-              <a:t> </a:t>
-            </a:r>
-            <a:r>
-              <a:rPr lang="en-US" b="1" dirty="0">
-                <a:solidFill>
-                  <a:srgbClr val="FC7500"/>
-                </a:solidFill>
-              </a:rPr>
-              <a:t>transitions</a:t>
-            </a:r>
-            <a:r>
-              <a:rPr lang="en-US" dirty="0">
-                <a:solidFill>
-                  <a:schemeClr val="tx1">
-                    <a:lumMod val="85000"/>
-                    <a:lumOff val="15000"/>
-                  </a:schemeClr>
-                </a:solidFill>
-              </a:rPr>
-              <a:t> </a:t>
-            </a:r>
-            <a:r>
-              <a:rPr lang="en-US" dirty="0">
-                <a:solidFill>
-                  <a:schemeClr val="tx1">
-                    <a:lumMod val="75000"/>
-                    <a:lumOff val="25000"/>
-                  </a:schemeClr>
-                </a:solidFill>
-              </a:rPr>
-              <a:t>to add </a:t>
-            </a:r>
-            <a:r>
-              <a:rPr lang="en-US" dirty="0" smtClean="0">
-                <a:solidFill>
-                  <a:schemeClr val="tx1">
-                    <a:lumMod val="75000"/>
-                    <a:lumOff val="25000"/>
-                  </a:schemeClr>
-                </a:solidFill>
-              </a:rPr>
-              <a:t>something special to </a:t>
-            </a:r>
-            <a:r>
-              <a:rPr lang="en-US" dirty="0">
-                <a:solidFill>
-                  <a:schemeClr val="tx1">
-                    <a:lumMod val="75000"/>
-                    <a:lumOff val="25000"/>
-                  </a:schemeClr>
-                </a:solidFill>
-              </a:rPr>
-              <a:t>your </a:t>
-            </a:r>
-            <a:r>
-              <a:rPr lang="en-US" dirty="0" smtClean="0">
-                <a:solidFill>
-                  <a:schemeClr val="tx1">
-                    <a:lumMod val="75000"/>
-                    <a:lumOff val="25000"/>
-                  </a:schemeClr>
-                </a:solidFill>
-              </a:rPr>
-              <a:t>photo album</a:t>
-            </a:r>
-            <a:endParaRPr lang="en-US" dirty="0">
-              <a:solidFill>
-                <a:schemeClr val="tx1">
-                  <a:lumMod val="75000"/>
-                  <a:lumOff val="25000"/>
-                </a:schemeClr>
-              </a:solidFill>
-            </a:endParaRPr>
-          </a:p>
-        </p:txBody>
-      </p:sp>
-      <p:pic>
-        <p:nvPicPr>
-          <p:cNvPr id="6" name="Picture 2"/>
-          <p:cNvPicPr>
-            <a:picLocks noChangeAspect="1" noChangeArrowheads="1"/>
-          </p:cNvPicPr>
-          <p:nvPr/>
-        </p:nvPicPr>
-        <p:blipFill rotWithShape="1">
-          <a:blip r:embed="rId3" cstate="email">
-            <a:extLst>
-              <a:ext uri="{28A0092B-C50C-407E-A947-70E740481C1C}">
-                <a14:useLocalDpi xmlns:a14="http://schemas.microsoft.com/office/drawing/2010/main"/>
-              </a:ext>
-            </a:extLst>
-          </a:blip>
-          <a:srcRect/>
-          <a:stretch/>
-        </p:blipFill>
-        <p:spPr bwMode="auto">
-          <a:xfrm>
-            <a:off x="4552950" y="0"/>
-            <a:ext cx="4591050" cy="6858000"/>
-          </a:xfrm>
-          <a:prstGeom prst="rect">
-            <a:avLst/>
-          </a:prstGeom>
-        </p:spPr>
-      </p:pic>
-    </p:spTree>
-  </p:cSld>
-  <p:clrMapOvr>
-    <a:masterClrMapping/>
-  </p:clrMapOvr>
-  <p:transition spd="slow">
-    <p:fade/>
-  </p:transition>
-  <p:timing>
-    <p:tnLst>
-      <p:par>
-        <p:cTn id="1" dur="indefinite" restart="never" nodeType="tmRoot"/>
-      </p:par>
-    </p:tnLst>
-  </p:timing>
-</p:sld>
-</file>
-
-<file path=ppt/slides/slide35.xml><?xml version="1.0" encoding="utf-8"?>
-<p:sld xmlns:a="http://schemas.openxmlformats.org/drawingml/2006/main" xmlns:r="http://schemas.openxmlformats.org/officeDocument/2006/relationships" xmlns:p="http://schemas.openxmlformats.org/presentationml/2006/main" showMasterSp="0">
-  <p:cSld>
-    <p:spTree>
-      <p:nvGrpSpPr>
-        <p:cNvPr id="1" name=""/>
-        <p:cNvGrpSpPr/>
-        <p:nvPr/>
-      </p:nvGrpSpPr>
-      <p:grpSpPr>
-        <a:xfrm>
-          <a:off x="0" y="0"/>
-          <a:ext cx="0" cy="0"/>
-          <a:chOff x="0" y="0"/>
-          <a:chExt cx="0" cy="0"/>
-        </a:xfrm>
-      </p:grpSpPr>
-      <p:sp>
-        <p:nvSpPr>
-          <p:cNvPr id="3" name="TextBox 2"/>
-          <p:cNvSpPr txBox="1"/>
-          <p:nvPr/>
-        </p:nvSpPr>
-        <p:spPr>
-          <a:xfrm>
-            <a:off x="5303520" y="2560320"/>
-            <a:ext cx="3200400" cy="640080"/>
-          </a:xfrm>
-          <a:prstGeom prst="rect">
-            <a:avLst/>
-          </a:prstGeom>
-          <a:solidFill>
-            <a:schemeClr val="tx1">
-              <a:lumMod val="95000"/>
-              <a:lumOff val="5000"/>
-              <a:alpha val="55000"/>
-            </a:schemeClr>
-          </a:solidFill>
-        </p:spPr>
-        <p:txBody>
-          <a:bodyPr wrap="square" rtlCol="0" anchor="ctr" anchorCtr="1">
-            <a:normAutofit/>
-          </a:bodyPr>
-          <a:lstStyle/>
-          <a:p>
-            <a:r>
-              <a:rPr lang="en-US" sz="2400" b="1" dirty="0">
-                <a:solidFill>
-                  <a:schemeClr val="bg1"/>
-                </a:solidFill>
-              </a:rPr>
-              <a:t>Split </a:t>
-            </a:r>
-            <a:r>
-              <a:rPr lang="en-US" sz="2400" b="1" dirty="0" smtClean="0">
-                <a:solidFill>
-                  <a:schemeClr val="bg1"/>
-                </a:solidFill>
-              </a:rPr>
-              <a:t>Picture</a:t>
+              <a:t>Q&amp;A TIME</a:t>
             </a:r>
             <a:endParaRPr lang="en-US" sz="2400" b="1" dirty="0">
               <a:solidFill>
@@ -24904,8 +20851,8 @@
 </p:sld>
 </file>
 
-<file path=ppt/slides/slide36.xml><?xml version="1.0" encoding="utf-8"?>
-<p:sld xmlns:a="http://schemas.openxmlformats.org/drawingml/2006/main" xmlns:r="http://schemas.openxmlformats.org/officeDocument/2006/relationships" xmlns:p="http://schemas.openxmlformats.org/presentationml/2006/main">
+<file path=ppt/slides/slide33.xml><?xml version="1.0" encoding="utf-8"?>
+<p:sld xmlns:a="http://schemas.openxmlformats.org/drawingml/2006/main" xmlns:r="http://schemas.openxmlformats.org/officeDocument/2006/relationships" xmlns:p="http://schemas.openxmlformats.org/presentationml/2006/main" showMasterSp="0">
   <p:cSld>
     <p:spTree>
       <p:nvGrpSpPr>
@@ -24921,68 +20868,60 @@
           <a:chExt cx="0" cy="0"/>
         </a:xfrm>
       </p:grpSpPr>
+      <p:sp>
+        <p:nvSpPr>
+          <p:cNvPr id="3" name="TextBox 2"/>
+          <p:cNvSpPr txBox="1"/>
+          <p:nvPr/>
+        </p:nvSpPr>
+        <p:spPr>
+          <a:xfrm>
+            <a:off x="5303520" y="2560320"/>
+            <a:ext cx="3200400" cy="640080"/>
+          </a:xfrm>
+          <a:prstGeom prst="rect">
+            <a:avLst/>
+          </a:prstGeom>
+          <a:solidFill>
+            <a:schemeClr val="tx1">
+              <a:lumMod val="95000"/>
+              <a:lumOff val="5000"/>
+              <a:alpha val="55000"/>
+            </a:schemeClr>
+          </a:solidFill>
+        </p:spPr>
+        <p:txBody>
+          <a:bodyPr wrap="square" rtlCol="0" anchor="ctr" anchorCtr="1">
+            <a:normAutofit/>
+          </a:bodyPr>
+          <a:lstStyle/>
+          <a:p>
+            <a:r>
+              <a:rPr lang="en-US" sz="2400" b="1" dirty="0" smtClean="0">
+                <a:solidFill>
+                  <a:schemeClr val="bg1"/>
+                </a:solidFill>
+              </a:rPr>
+              <a:t>Thank You !</a:t>
+            </a:r>
+            <a:endParaRPr lang="en-US" sz="2400" b="1" dirty="0">
+              <a:solidFill>
+                <a:schemeClr val="bg1"/>
+              </a:solidFill>
+            </a:endParaRPr>
+          </a:p>
+        </p:txBody>
+      </p:sp>
       <p:pic>
         <p:nvPicPr>
-          <p:cNvPr id="6" name="Picture Placeholder 5"/>
+          <p:cNvPr id="6" name="Picture 2"/>
           <p:cNvPicPr>
-            <a:picLocks noGrp="1" noChangeAspect="1"/>
+            <a:picLocks noChangeAspect="1" noChangeArrowheads="1"/>
           </p:cNvPicPr>
-          <p:nvPr>
-            <p:ph type="pic" sz="quarter" idx="14"/>
-          </p:nvPr>
-        </p:nvPicPr>
-        <p:blipFill>
-          <a:blip r:embed="rId2" cstate="email">
-            <a:extLst>
-              <a:ext uri="{28A0092B-C50C-407E-A947-70E740481C1C}">
-                <a14:useLocalDpi xmlns:a14="http://schemas.microsoft.com/office/drawing/2010/main"/>
-              </a:ext>
-            </a:extLst>
-          </a:blip>
-          <a:srcRect/>
-          <a:stretch>
-            <a:fillRect/>
-          </a:stretch>
-        </p:blipFill>
-        <p:spPr/>
-      </p:pic>
-      <p:pic>
-        <p:nvPicPr>
-          <p:cNvPr id="10" name="Picture Placeholder 9"/>
-          <p:cNvPicPr>
-            <a:picLocks noGrp="1" noChangeAspect="1"/>
-          </p:cNvPicPr>
-          <p:nvPr>
-            <p:ph type="pic" sz="quarter" idx="18"/>
-          </p:nvPr>
+          <p:nvPr/>
         </p:nvPicPr>
         <p:blipFill rotWithShape="1">
           <a:blip r:embed="rId3" cstate="email">
-            <a:grayscl/>
-            <a:extLst>
-              <a:ext uri="{28A0092B-C50C-407E-A947-70E740481C1C}">
-                <a14:useLocalDpi xmlns:a14="http://schemas.microsoft.com/office/drawing/2010/main"/>
-              </a:ext>
-            </a:extLst>
-          </a:blip>
-          <a:srcRect t="-401"/>
-          <a:stretch/>
-        </p:blipFill>
-        <p:spPr/>
-      </p:pic>
-      <p:pic>
-        <p:nvPicPr>
-          <p:cNvPr id="3" name="Picture Placeholder 2"/>
-          <p:cNvPicPr>
-            <a:picLocks noGrp="1" noChangeAspect="1"/>
-          </p:cNvPicPr>
-          <p:nvPr>
-            <p:ph type="pic" sz="quarter" idx="23"/>
-          </p:nvPr>
-        </p:nvPicPr>
-        <p:blipFill rotWithShape="1">
-          <a:blip r:embed="rId4" cstate="email">
-            <a:grayscl/>
             <a:extLst>
               <a:ext uri="{28A0092B-C50C-407E-A947-70E740481C1C}">
                 <a14:useLocalDpi xmlns:a14="http://schemas.microsoft.com/office/drawing/2010/main"/>
@@ -24992,47 +20931,35 @@
           <a:srcRect/>
           <a:stretch/>
         </p:blipFill>
-        <p:spPr/>
-      </p:pic>
-      <p:pic>
-        <p:nvPicPr>
-          <p:cNvPr id="4" name="Picture Placeholder 3"/>
-          <p:cNvPicPr>
-            <a:picLocks noGrp="1" noChangeAspect="1"/>
-          </p:cNvPicPr>
-          <p:nvPr>
-            <p:ph type="pic" sz="quarter" idx="22"/>
-          </p:nvPr>
-        </p:nvPicPr>
-        <p:blipFill>
-          <a:blip r:embed="rId5" cstate="email">
-            <a:extLst>
-              <a:ext uri="{28A0092B-C50C-407E-A947-70E740481C1C}">
-                <a14:useLocalDpi xmlns:a14="http://schemas.microsoft.com/office/drawing/2010/main"/>
-              </a:ext>
-            </a:extLst>
-          </a:blip>
-          <a:srcRect/>
-          <a:stretch>
-            <a:fillRect/>
-          </a:stretch>
-        </p:blipFill>
-        <p:spPr/>
+        <p:spPr bwMode="auto">
+          <a:xfrm>
+            <a:off x="0" y="0"/>
+            <a:ext cx="4583873" cy="6858000"/>
+          </a:xfrm>
+          <a:prstGeom prst="rect">
+            <a:avLst/>
+          </a:prstGeom>
+        </p:spPr>
       </p:pic>
     </p:spTree>
+    <p:extLst>
+      <p:ext uri="{BB962C8B-B14F-4D97-AF65-F5344CB8AC3E}">
+        <p14:creationId xmlns:p14="http://schemas.microsoft.com/office/powerpoint/2010/main" val="2337517943"/>
+      </p:ext>
+    </p:extLst>
   </p:cSld>
   <p:clrMapOvr>
     <a:masterClrMapping/>
   </p:clrMapOvr>
   <mc:AlternateContent xmlns:mc="http://schemas.openxmlformats.org/markup-compatibility/2006" xmlns:p14="http://schemas.microsoft.com/office/powerpoint/2010/main">
     <mc:Choice Requires="p14">
-      <p:transition spd="slow" p14:dur="1250">
-        <p:cover/>
+      <p:transition spd="slow" p14:dur="2000">
+        <p:push/>
       </p:transition>
     </mc:Choice>
     <mc:Fallback xmlns="">
       <p:transition spd="slow">
-        <p:cover/>
+        <p:push/>
       </p:transition>
     </mc:Fallback>
   </mc:AlternateContent>
@@ -25187,15 +21114,7 @@
                   <a:srgbClr val="FC7500"/>
                 </a:solidFill>
               </a:rPr>
-              <a:t>Monitoring multi stocks </a:t>
-            </a:r>
-            <a:r>
-              <a:rPr lang="en-US" sz="2400" b="1" dirty="0" smtClean="0">
-                <a:solidFill>
-                  <a:srgbClr val="FC7500"/>
-                </a:solidFill>
-              </a:rPr>
-              <a:t>concurrently</a:t>
+              <a:t>Monitoring multi stocks concurrently</a:t>
             </a:r>
           </a:p>
           <a:p>
@@ -25435,15 +21354,7 @@
                   <a:srgbClr val="FC7500"/>
                 </a:solidFill>
               </a:rPr>
-              <a:t>Monitoring multi stocks </a:t>
-            </a:r>
-            <a:r>
-              <a:rPr lang="en-US" sz="2400" b="1" dirty="0" smtClean="0">
-                <a:solidFill>
-                  <a:srgbClr val="FC7500"/>
-                </a:solidFill>
-              </a:rPr>
-              <a:t>concurrently</a:t>
+              <a:t>Monitoring multi stocks concurrently</a:t>
             </a:r>
           </a:p>
           <a:p>
@@ -25500,15 +21411,7 @@
                   <a:schemeClr val="bg1"/>
                 </a:solidFill>
               </a:rPr>
-              <a:t>	</a:t>
-            </a:r>
-            <a:r>
-              <a:rPr lang="en-US" sz="2400" b="1" dirty="0" smtClean="0">
-                <a:solidFill>
-                  <a:schemeClr val="bg1"/>
-                </a:solidFill>
-              </a:rPr>
-              <a:t>Difficulties of the system</a:t>
+              <a:t>	Difficulties of the system</a:t>
             </a:r>
             <a:endParaRPr lang="en-US" sz="2400" b="1" dirty="0">
               <a:solidFill>
@@ -25691,15 +21594,7 @@
                   <a:srgbClr val="FC7500"/>
                 </a:solidFill>
               </a:rPr>
-              <a:t>Monitoring multi stocks </a:t>
-            </a:r>
-            <a:r>
-              <a:rPr lang="en-US" sz="2400" b="1" dirty="0" smtClean="0">
-                <a:solidFill>
-                  <a:srgbClr val="FC7500"/>
-                </a:solidFill>
-              </a:rPr>
-              <a:t>concurrently</a:t>
+              <a:t>Monitoring multi stocks concurrently</a:t>
             </a:r>
           </a:p>
           <a:p>
@@ -25756,15 +21651,7 @@
                   <a:schemeClr val="bg1"/>
                 </a:solidFill>
               </a:rPr>
-              <a:t>	</a:t>
-            </a:r>
-            <a:r>
-              <a:rPr lang="en-US" sz="2400" b="1" dirty="0" smtClean="0">
-                <a:solidFill>
-                  <a:schemeClr val="bg1"/>
-                </a:solidFill>
-              </a:rPr>
-              <a:t>How to overcome the difficulties</a:t>
+              <a:t>	How to overcome the difficulties</a:t>
             </a:r>
             <a:endParaRPr lang="en-US" sz="2400" b="1" dirty="0">
               <a:solidFill>
@@ -25975,8 +21862,13 @@
                   <a:srgbClr val="FC7500"/>
                 </a:solidFill>
               </a:rPr>
-              <a:t>Login</a:t>
-            </a:r>
+              <a:t>Login*</a:t>
+            </a:r>
+            <a:endParaRPr lang="en-US" sz="2400" b="1" dirty="0" smtClean="0">
+              <a:solidFill>
+                <a:srgbClr val="FC7500"/>
+              </a:solidFill>
+            </a:endParaRPr>
           </a:p>
           <a:p>
             <a:pPr marL="800100" lvl="1" indent="-342900">
@@ -25989,8 +21881,13 @@
                   <a:srgbClr val="FC7500"/>
                 </a:solidFill>
               </a:rPr>
-              <a:t>Logout</a:t>
-            </a:r>
+              <a:t>Logout*</a:t>
+            </a:r>
+            <a:endParaRPr lang="en-US" sz="2400" b="1" dirty="0" smtClean="0">
+              <a:solidFill>
+                <a:srgbClr val="FC7500"/>
+              </a:solidFill>
+            </a:endParaRPr>
           </a:p>
           <a:p>
             <a:pPr marL="800100" lvl="1" indent="-342900">
@@ -26031,8 +21928,21 @@
                   <a:srgbClr val="FC7500"/>
                 </a:solidFill>
               </a:rPr>
-              <a:t>Display news related to HK stock market</a:t>
-            </a:r>
+              <a:t>Display news related to HK stock </a:t>
+            </a:r>
+            <a:r>
+              <a:rPr lang="en-US" sz="2400" b="1" dirty="0" smtClean="0">
+                <a:solidFill>
+                  <a:srgbClr val="FC7500"/>
+                </a:solidFill>
+              </a:rPr>
+              <a:t>market*</a:t>
+            </a:r>
+            <a:endParaRPr lang="en-US" sz="2400" b="1" dirty="0" smtClean="0">
+              <a:solidFill>
+                <a:srgbClr val="FC7500"/>
+              </a:solidFill>
+            </a:endParaRPr>
           </a:p>
           <a:p>
             <a:pPr marL="342900" indent="-342900">
@@ -26059,7 +21969,15 @@
                   <a:srgbClr val="FC7500"/>
                 </a:solidFill>
               </a:rPr>
-              <a:t>Search stock real-time information</a:t>
+              <a:t>Search stock real-time </a:t>
+            </a:r>
+            <a:r>
+              <a:rPr lang="en-US" sz="2400" b="1" dirty="0" smtClean="0">
+                <a:solidFill>
+                  <a:srgbClr val="FC7500"/>
+                </a:solidFill>
+              </a:rPr>
+              <a:t>information*</a:t>
             </a:r>
             <a:endParaRPr lang="en-US" sz="2400" b="1" dirty="0" smtClean="0">
               <a:solidFill>
@@ -26121,15 +22039,7 @@
                   <a:schemeClr val="bg1"/>
                 </a:solidFill>
               </a:rPr>
-              <a:t>	</a:t>
-            </a:r>
-            <a:r>
-              <a:rPr lang="en-US" sz="2400" b="1" dirty="0" smtClean="0">
-                <a:solidFill>
-                  <a:schemeClr val="bg1"/>
-                </a:solidFill>
-              </a:rPr>
-              <a:t>Functions of the Program</a:t>
+              <a:t>	Functions of the Program</a:t>
             </a:r>
             <a:endParaRPr lang="en-US" sz="2400" b="1" dirty="0">
               <a:solidFill>
@@ -26326,7 +22236,15 @@
                   <a:srgbClr val="FC7500"/>
                 </a:solidFill>
               </a:rPr>
-              <a:t>Stock price tracking</a:t>
+              <a:t>Stock price </a:t>
+            </a:r>
+            <a:r>
+              <a:rPr lang="en-US" sz="2400" b="1" dirty="0" smtClean="0">
+                <a:solidFill>
+                  <a:srgbClr val="FC7500"/>
+                </a:solidFill>
+              </a:rPr>
+              <a:t>tracking*</a:t>
             </a:r>
             <a:endParaRPr lang="en-US" sz="2400" b="1" dirty="0">
               <a:solidFill>
@@ -26513,15 +22431,7 @@
                   <a:schemeClr val="bg1"/>
                 </a:solidFill>
               </a:rPr>
-              <a:t>	</a:t>
-            </a:r>
-            <a:r>
-              <a:rPr lang="en-US" sz="2400" b="1" dirty="0" smtClean="0">
-                <a:solidFill>
-                  <a:schemeClr val="bg1"/>
-                </a:solidFill>
-              </a:rPr>
-              <a:t>Functions of the Program</a:t>
+              <a:t>	Functions of the Program</a:t>
             </a:r>
             <a:endParaRPr lang="en-US" sz="2400" b="1" dirty="0">
               <a:solidFill>
@@ -27707,47 +23617,4 @@
   <a:objectDefaults/>
   <a:extraClrSchemeLst/>
 </a:theme>
-</file>
-
-<file path=ppt/theme/themeOverride1.xml><?xml version="1.0" encoding="utf-8"?>
-<a:themeOverride xmlns:a="http://schemas.openxmlformats.org/drawingml/2006/main">
-  <a:clrScheme name="Office">
-    <a:dk1>
-      <a:sysClr val="windowText" lastClr="000000"/>
-    </a:dk1>
-    <a:lt1>
-      <a:sysClr val="window" lastClr="FFFFFF"/>
-    </a:lt1>
-    <a:dk2>
-      <a:srgbClr val="1F497D"/>
-    </a:dk2>
-    <a:lt2>
-      <a:srgbClr val="EEECE1"/>
-    </a:lt2>
-    <a:accent1>
-      <a:srgbClr val="4F81BD"/>
-    </a:accent1>
-    <a:accent2>
-      <a:srgbClr val="C0504D"/>
-    </a:accent2>
-    <a:accent3>
-      <a:srgbClr val="9BBB59"/>
-    </a:accent3>
-    <a:accent4>
-      <a:srgbClr val="8064A2"/>
-    </a:accent4>
-    <a:accent5>
-      <a:srgbClr val="4BACC6"/>
-    </a:accent5>
-    <a:accent6>
-      <a:srgbClr val="F79646"/>
-    </a:accent6>
-    <a:hlink>
-      <a:srgbClr val="0000FF"/>
-    </a:hlink>
-    <a:folHlink>
-      <a:srgbClr val="800080"/>
-    </a:folHlink>
-  </a:clrScheme>
-</a:themeOverride>
 </file>
--- a/ppt/Presentation3.pptx
+++ b/ppt/Presentation3.pptx
@@ -5,10 +5,10 @@
     <p:sldMasterId id="2147483648" r:id="rId1"/>
   </p:sldMasterIdLst>
   <p:notesMasterIdLst>
-    <p:notesMasterId r:id="rId35"/>
+    <p:notesMasterId r:id="rId33"/>
   </p:notesMasterIdLst>
   <p:handoutMasterIdLst>
-    <p:handoutMasterId r:id="rId36"/>
+    <p:handoutMasterId r:id="rId34"/>
   </p:handoutMasterIdLst>
   <p:sldIdLst>
     <p:sldId id="306" r:id="rId2"/>
@@ -30,20 +30,18 @@
     <p:sldId id="338" r:id="rId18"/>
     <p:sldId id="323" r:id="rId19"/>
     <p:sldId id="324" r:id="rId20"/>
-    <p:sldId id="325" r:id="rId21"/>
+    <p:sldId id="341" r:id="rId21"/>
     <p:sldId id="326" r:id="rId22"/>
     <p:sldId id="327" r:id="rId23"/>
     <p:sldId id="328" r:id="rId24"/>
     <p:sldId id="329" r:id="rId25"/>
-    <p:sldId id="330" r:id="rId26"/>
-    <p:sldId id="331" r:id="rId27"/>
-    <p:sldId id="332" r:id="rId28"/>
-    <p:sldId id="333" r:id="rId29"/>
-    <p:sldId id="318" r:id="rId30"/>
-    <p:sldId id="316" r:id="rId31"/>
-    <p:sldId id="317" r:id="rId32"/>
-    <p:sldId id="270" r:id="rId33"/>
-    <p:sldId id="339" r:id="rId34"/>
+    <p:sldId id="331" r:id="rId26"/>
+    <p:sldId id="340" r:id="rId27"/>
+    <p:sldId id="318" r:id="rId28"/>
+    <p:sldId id="316" r:id="rId29"/>
+    <p:sldId id="317" r:id="rId30"/>
+    <p:sldId id="270" r:id="rId31"/>
+    <p:sldId id="339" r:id="rId32"/>
   </p:sldIdLst>
   <p:sldSz cx="9144000" cy="6858000" type="screen4x3"/>
   <p:notesSz cx="6858000" cy="9144000"/>
@@ -1819,7 +1817,11 @@
             </a:r>
             <a:r>
               <a:rPr lang="en-US" baseline="0" dirty="0" err="1" smtClean="0"/>
-              <a:t>MemberMangagementSystem_Logout</a:t>
+              <a:t>MemberMangagementSystem_Forget</a:t>
+            </a:r>
+            <a:r>
+              <a:rPr lang="en-US" baseline="0" dirty="0" smtClean="0"/>
+              <a:t> PW</a:t>
             </a:r>
             <a:endParaRPr lang="en-US" dirty="0"/>
           </a:p>
@@ -2289,17 +2291,21 @@
           <a:bodyPr/>
           <a:lstStyle/>
           <a:p>
+            <a:pPr marL="457200" lvl="1" indent="0">
+              <a:buFont typeface="Arial" pitchFamily="34" charset="0"/>
+              <a:buNone/>
+            </a:pPr>
             <a:r>
               <a:rPr lang="en-US" dirty="0" smtClean="0"/>
               <a:t>UI</a:t>
             </a:r>
             <a:r>
               <a:rPr lang="en-US" baseline="0" dirty="0" smtClean="0"/>
-              <a:t> - </a:t>
-            </a:r>
-            <a:r>
-              <a:rPr lang="en-US" baseline="0" dirty="0" err="1" smtClean="0"/>
-              <a:t>NotificationSystem</a:t>
+              <a:t> </a:t>
+            </a:r>
+            <a:r>
+              <a:rPr lang="en-US" baseline="0" dirty="0" smtClean="0"/>
+              <a:t>- Admin</a:t>
             </a:r>
             <a:endParaRPr lang="en-US" dirty="0"/>
           </a:p>
@@ -2395,15 +2401,11 @@
             </a:r>
             <a:r>
               <a:rPr lang="en-US" baseline="0" dirty="0" smtClean="0"/>
-              <a:t> - </a:t>
-            </a:r>
-            <a:r>
-              <a:rPr lang="en-US" dirty="0" err="1" smtClean="0"/>
-              <a:t>Modifiy</a:t>
-            </a:r>
-            <a:r>
-              <a:rPr lang="en-US" baseline="0" dirty="0" err="1" smtClean="0"/>
-              <a:t>UserInfo</a:t>
+              <a:t> </a:t>
+            </a:r>
+            <a:r>
+              <a:rPr lang="en-US" baseline="0" dirty="0" smtClean="0"/>
+              <a:t>– About Us</a:t>
             </a:r>
             <a:endParaRPr lang="en-US" dirty="0"/>
           </a:p>
@@ -2489,34 +2491,7 @@
           <a:bodyPr/>
           <a:lstStyle/>
           <a:p>
-            <a:pPr marL="457200" lvl="1" indent="0">
-              <a:buFont typeface="Arial" pitchFamily="34" charset="0"/>
-              <a:buNone/>
-            </a:pPr>
-            <a:r>
-              <a:rPr lang="en-US" sz="2400" b="1" dirty="0" smtClean="0">
-                <a:solidFill>
-                  <a:srgbClr val="FC7500"/>
-                </a:solidFill>
-              </a:rPr>
-              <a:t>UI</a:t>
-            </a:r>
-            <a:r>
-              <a:rPr lang="en-US" sz="2400" b="1" baseline="0" dirty="0" smtClean="0">
-                <a:solidFill>
-                  <a:srgbClr val="FC7500"/>
-                </a:solidFill>
-              </a:rPr>
-              <a:t> - </a:t>
-            </a:r>
-            <a:r>
-              <a:rPr lang="en-US" sz="2400" b="1" dirty="0" smtClean="0">
-                <a:solidFill>
-                  <a:srgbClr val="FC7500"/>
-                </a:solidFill>
-              </a:rPr>
-              <a:t>Member authorization</a:t>
-            </a:r>
+            <a:endParaRPr lang="en-US" dirty="0"/>
           </a:p>
         </p:txBody>
       </p:sp>
@@ -2544,11 +2519,6 @@
         </p:txBody>
       </p:sp>
     </p:spTree>
-    <p:extLst>
-      <p:ext uri="{BB962C8B-B14F-4D97-AF65-F5344CB8AC3E}">
-        <p14:creationId xmlns:p14="http://schemas.microsoft.com/office/powerpoint/2010/main" val="2820704640"/>
-      </p:ext>
-    </p:extLst>
   </p:cSld>
   <p:clrMapOvr>
     <a:masterClrMapping/>
@@ -2600,31 +2570,7 @@
           <a:bodyPr/>
           <a:lstStyle/>
           <a:p>
-            <a:pPr marL="457200" lvl="1" indent="0">
-              <a:buFont typeface="Arial" pitchFamily="34" charset="0"/>
-              <a:buNone/>
-            </a:pPr>
-            <a:r>
-              <a:rPr lang="en-US" dirty="0" smtClean="0"/>
-              <a:t>UI</a:t>
-            </a:r>
-            <a:r>
-              <a:rPr lang="en-US" baseline="0" dirty="0" smtClean="0"/>
-              <a:t> - </a:t>
-            </a:r>
-            <a:r>
-              <a:rPr lang="en-US" sz="2400" b="1" dirty="0" smtClean="0">
-                <a:solidFill>
-                  <a:srgbClr val="FC7500"/>
-                </a:solidFill>
-              </a:rPr>
-              <a:t>System statistics</a:t>
-            </a:r>
-            <a:endParaRPr lang="en-US" sz="2400" b="1" dirty="0">
-              <a:solidFill>
-                <a:srgbClr val="FC7500"/>
-              </a:solidFill>
-            </a:endParaRPr>
+            <a:endParaRPr lang="en-US" dirty="0"/>
           </a:p>
         </p:txBody>
       </p:sp>
@@ -2652,11 +2598,6 @@
         </p:txBody>
       </p:sp>
     </p:spTree>
-    <p:extLst>
-      <p:ext uri="{BB962C8B-B14F-4D97-AF65-F5344CB8AC3E}">
-        <p14:creationId xmlns:p14="http://schemas.microsoft.com/office/powerpoint/2010/main" val="2820704640"/>
-      </p:ext>
-    </p:extLst>
   </p:cSld>
   <p:clrMapOvr>
     <a:masterClrMapping/>
@@ -2967,164 +2908,6 @@
             <a:fld id="{DD7D2AD7-BD31-48B9-8C8A-7D4EAE7F6485}" type="slidenum">
               <a:rPr lang="en-US" smtClean="0"/>
               <a:t>31</a:t>
-            </a:fld>
-            <a:endParaRPr lang="en-US"/>
-          </a:p>
-        </p:txBody>
-      </p:sp>
-    </p:spTree>
-  </p:cSld>
-  <p:clrMapOvr>
-    <a:masterClrMapping/>
-  </p:clrMapOvr>
-</p:notes>
-</file>
-
-<file path=ppt/notesSlides/notesSlide32.xml><?xml version="1.0" encoding="utf-8"?>
-<p:notes xmlns:a="http://schemas.openxmlformats.org/drawingml/2006/main" xmlns:r="http://schemas.openxmlformats.org/officeDocument/2006/relationships" xmlns:p="http://schemas.openxmlformats.org/presentationml/2006/main">
-  <p:cSld>
-    <p:spTree>
-      <p:nvGrpSpPr>
-        <p:cNvPr id="1" name=""/>
-        <p:cNvGrpSpPr/>
-        <p:nvPr/>
-      </p:nvGrpSpPr>
-      <p:grpSpPr>
-        <a:xfrm>
-          <a:off x="0" y="0"/>
-          <a:ext cx="0" cy="0"/>
-          <a:chOff x="0" y="0"/>
-          <a:chExt cx="0" cy="0"/>
-        </a:xfrm>
-      </p:grpSpPr>
-      <p:sp>
-        <p:nvSpPr>
-          <p:cNvPr id="2" name="Slide Image Placeholder 1"/>
-          <p:cNvSpPr>
-            <a:spLocks noGrp="1" noRot="1" noChangeAspect="1"/>
-          </p:cNvSpPr>
-          <p:nvPr>
-            <p:ph type="sldImg"/>
-          </p:nvPr>
-        </p:nvSpPr>
-        <p:spPr/>
-      </p:sp>
-      <p:sp>
-        <p:nvSpPr>
-          <p:cNvPr id="3" name="Notes Placeholder 2"/>
-          <p:cNvSpPr>
-            <a:spLocks noGrp="1"/>
-          </p:cNvSpPr>
-          <p:nvPr>
-            <p:ph type="body" idx="1"/>
-          </p:nvPr>
-        </p:nvSpPr>
-        <p:spPr/>
-        <p:txBody>
-          <a:bodyPr/>
-          <a:lstStyle/>
-          <a:p>
-            <a:endParaRPr lang="en-US" dirty="0"/>
-          </a:p>
-        </p:txBody>
-      </p:sp>
-      <p:sp>
-        <p:nvSpPr>
-          <p:cNvPr id="4" name="Slide Number Placeholder 3"/>
-          <p:cNvSpPr>
-            <a:spLocks noGrp="1"/>
-          </p:cNvSpPr>
-          <p:nvPr>
-            <p:ph type="sldNum" sz="quarter" idx="10"/>
-          </p:nvPr>
-        </p:nvSpPr>
-        <p:spPr/>
-        <p:txBody>
-          <a:bodyPr/>
-          <a:lstStyle/>
-          <a:p>
-            <a:fld id="{DD7D2AD7-BD31-48B9-8C8A-7D4EAE7F6485}" type="slidenum">
-              <a:rPr lang="en-US" smtClean="0"/>
-              <a:t>32</a:t>
-            </a:fld>
-            <a:endParaRPr lang="en-US"/>
-          </a:p>
-        </p:txBody>
-      </p:sp>
-    </p:spTree>
-  </p:cSld>
-  <p:clrMapOvr>
-    <a:masterClrMapping/>
-  </p:clrMapOvr>
-</p:notes>
-</file>
-
-<file path=ppt/notesSlides/notesSlide33.xml><?xml version="1.0" encoding="utf-8"?>
-<p:notes xmlns:a="http://schemas.openxmlformats.org/drawingml/2006/main" xmlns:r="http://schemas.openxmlformats.org/officeDocument/2006/relationships" xmlns:p="http://schemas.openxmlformats.org/presentationml/2006/main">
-  <p:cSld>
-    <p:spTree>
-      <p:nvGrpSpPr>
-        <p:cNvPr id="1" name=""/>
-        <p:cNvGrpSpPr/>
-        <p:nvPr/>
-      </p:nvGrpSpPr>
-      <p:grpSpPr>
-        <a:xfrm>
-          <a:off x="0" y="0"/>
-          <a:ext cx="0" cy="0"/>
-          <a:chOff x="0" y="0"/>
-          <a:chExt cx="0" cy="0"/>
-        </a:xfrm>
-      </p:grpSpPr>
-      <p:sp>
-        <p:nvSpPr>
-          <p:cNvPr id="2" name="Slide Image Placeholder 1"/>
-          <p:cNvSpPr>
-            <a:spLocks noGrp="1" noRot="1" noChangeAspect="1"/>
-          </p:cNvSpPr>
-          <p:nvPr>
-            <p:ph type="sldImg"/>
-          </p:nvPr>
-        </p:nvSpPr>
-        <p:spPr/>
-      </p:sp>
-      <p:sp>
-        <p:nvSpPr>
-          <p:cNvPr id="3" name="Notes Placeholder 2"/>
-          <p:cNvSpPr>
-            <a:spLocks noGrp="1"/>
-          </p:cNvSpPr>
-          <p:nvPr>
-            <p:ph type="body" idx="1"/>
-          </p:nvPr>
-        </p:nvSpPr>
-        <p:spPr/>
-        <p:txBody>
-          <a:bodyPr/>
-          <a:lstStyle/>
-          <a:p>
-            <a:endParaRPr lang="en-US" dirty="0"/>
-          </a:p>
-        </p:txBody>
-      </p:sp>
-      <p:sp>
-        <p:nvSpPr>
-          <p:cNvPr id="4" name="Slide Number Placeholder 3"/>
-          <p:cNvSpPr>
-            <a:spLocks noGrp="1"/>
-          </p:cNvSpPr>
-          <p:nvPr>
-            <p:ph type="sldNum" sz="quarter" idx="10"/>
-          </p:nvPr>
-        </p:nvSpPr>
-        <p:spPr/>
-        <p:txBody>
-          <a:bodyPr/>
-          <a:lstStyle/>
-          <a:p>
-            <a:fld id="{DD7D2AD7-BD31-48B9-8C8A-7D4EAE7F6485}" type="slidenum">
-              <a:rPr lang="en-US" smtClean="0"/>
-              <a:t>33</a:t>
             </a:fld>
             <a:endParaRPr lang="en-US"/>
           </a:p>
@@ -19123,7 +18906,7 @@
     </p:spTree>
     <p:extLst>
       <p:ext uri="{BB962C8B-B14F-4D97-AF65-F5344CB8AC3E}">
-        <p14:creationId xmlns:p14="http://schemas.microsoft.com/office/powerpoint/2010/main" val="4291436500"/>
+        <p14:creationId xmlns:p14="http://schemas.microsoft.com/office/powerpoint/2010/main" val="2849620262"/>
       </p:ext>
     </p:extLst>
   </p:cSld>
@@ -19368,7 +19151,7 @@
     </p:spTree>
     <p:extLst>
       <p:ext uri="{BB962C8B-B14F-4D97-AF65-F5344CB8AC3E}">
-        <p14:creationId xmlns:p14="http://schemas.microsoft.com/office/powerpoint/2010/main" val="1582206214"/>
+        <p14:creationId xmlns:p14="http://schemas.microsoft.com/office/powerpoint/2010/main" val="326641061"/>
       </p:ext>
     </p:extLst>
   </p:cSld>
@@ -19417,7 +19200,7 @@
     </p:spTree>
     <p:extLst>
       <p:ext uri="{BB962C8B-B14F-4D97-AF65-F5344CB8AC3E}">
-        <p14:creationId xmlns:p14="http://schemas.microsoft.com/office/powerpoint/2010/main" val="326641061"/>
+        <p14:creationId xmlns:p14="http://schemas.microsoft.com/office/powerpoint/2010/main" val="2861861948"/>
       </p:ext>
     </p:extLst>
   </p:cSld>
@@ -19435,104 +19218,6 @@
 </file>
 
 <file path=ppt/slides/slide27.xml><?xml version="1.0" encoding="utf-8"?>
-<p:sld xmlns:a="http://schemas.openxmlformats.org/drawingml/2006/main" xmlns:r="http://schemas.openxmlformats.org/officeDocument/2006/relationships" xmlns:p="http://schemas.openxmlformats.org/presentationml/2006/main">
-  <p:cSld>
-    <p:spTree>
-      <p:nvGrpSpPr>
-        <p:cNvPr id="1" name=""/>
-        <p:cNvGrpSpPr/>
-        <p:nvPr/>
-      </p:nvGrpSpPr>
-      <p:grpSpPr>
-        <a:xfrm>
-          <a:off x="0" y="0"/>
-          <a:ext cx="0" cy="0"/>
-          <a:chOff x="0" y="0"/>
-          <a:chExt cx="0" cy="0"/>
-        </a:xfrm>
-      </p:grpSpPr>
-      <p:sp>
-        <p:nvSpPr>
-          <p:cNvPr id="2" name="Picture Placeholder 1"/>
-          <p:cNvSpPr>
-            <a:spLocks noGrp="1"/>
-          </p:cNvSpPr>
-          <p:nvPr>
-            <p:ph type="pic" sz="quarter" idx="13"/>
-          </p:nvPr>
-        </p:nvSpPr>
-        <p:spPr/>
-      </p:sp>
-    </p:spTree>
-    <p:extLst>
-      <p:ext uri="{BB962C8B-B14F-4D97-AF65-F5344CB8AC3E}">
-        <p14:creationId xmlns:p14="http://schemas.microsoft.com/office/powerpoint/2010/main" val="1365972875"/>
-      </p:ext>
-    </p:extLst>
-  </p:cSld>
-  <p:clrMapOvr>
-    <a:masterClrMapping/>
-  </p:clrMapOvr>
-  <p:timing>
-    <p:tnLst>
-      <p:par>
-        <p:cTn id="1" dur="indefinite" restart="never" nodeType="tmRoot"/>
-      </p:par>
-    </p:tnLst>
-  </p:timing>
-</p:sld>
-</file>
-
-<file path=ppt/slides/slide28.xml><?xml version="1.0" encoding="utf-8"?>
-<p:sld xmlns:a="http://schemas.openxmlformats.org/drawingml/2006/main" xmlns:r="http://schemas.openxmlformats.org/officeDocument/2006/relationships" xmlns:p="http://schemas.openxmlformats.org/presentationml/2006/main">
-  <p:cSld>
-    <p:spTree>
-      <p:nvGrpSpPr>
-        <p:cNvPr id="1" name=""/>
-        <p:cNvGrpSpPr/>
-        <p:nvPr/>
-      </p:nvGrpSpPr>
-      <p:grpSpPr>
-        <a:xfrm>
-          <a:off x="0" y="0"/>
-          <a:ext cx="0" cy="0"/>
-          <a:chOff x="0" y="0"/>
-          <a:chExt cx="0" cy="0"/>
-        </a:xfrm>
-      </p:grpSpPr>
-      <p:sp>
-        <p:nvSpPr>
-          <p:cNvPr id="2" name="Picture Placeholder 1"/>
-          <p:cNvSpPr>
-            <a:spLocks noGrp="1"/>
-          </p:cNvSpPr>
-          <p:nvPr>
-            <p:ph type="pic" sz="quarter" idx="13"/>
-          </p:nvPr>
-        </p:nvSpPr>
-        <p:spPr/>
-      </p:sp>
-    </p:spTree>
-    <p:extLst>
-      <p:ext uri="{BB962C8B-B14F-4D97-AF65-F5344CB8AC3E}">
-        <p14:creationId xmlns:p14="http://schemas.microsoft.com/office/powerpoint/2010/main" val="4233378754"/>
-      </p:ext>
-    </p:extLst>
-  </p:cSld>
-  <p:clrMapOvr>
-    <a:masterClrMapping/>
-  </p:clrMapOvr>
-  <p:timing>
-    <p:tnLst>
-      <p:par>
-        <p:cTn id="1" dur="indefinite" restart="never" nodeType="tmRoot"/>
-      </p:par>
-    </p:tnLst>
-  </p:timing>
-</p:sld>
-</file>
-
-<file path=ppt/slides/slide29.xml><?xml version="1.0" encoding="utf-8"?>
 <p:sld xmlns:a="http://schemas.openxmlformats.org/drawingml/2006/main" xmlns:r="http://schemas.openxmlformats.org/officeDocument/2006/relationships" xmlns:p="http://schemas.openxmlformats.org/presentationml/2006/main">
   <p:cSld>
     <p:spTree>
@@ -19829,236 +19514,7 @@
 </p:sld>
 </file>
 
-<file path=ppt/slides/slide3.xml><?xml version="1.0" encoding="utf-8"?>
-<p:sld xmlns:a="http://schemas.openxmlformats.org/drawingml/2006/main" xmlns:r="http://schemas.openxmlformats.org/officeDocument/2006/relationships" xmlns:p="http://schemas.openxmlformats.org/presentationml/2006/main">
-  <p:cSld>
-    <p:spTree>
-      <p:nvGrpSpPr>
-        <p:cNvPr id="1" name=""/>
-        <p:cNvGrpSpPr/>
-        <p:nvPr/>
-      </p:nvGrpSpPr>
-      <p:grpSpPr>
-        <a:xfrm>
-          <a:off x="0" y="0"/>
-          <a:ext cx="0" cy="0"/>
-          <a:chOff x="0" y="0"/>
-          <a:chExt cx="0" cy="0"/>
-        </a:xfrm>
-      </p:grpSpPr>
-      <p:sp>
-        <p:nvSpPr>
-          <p:cNvPr id="15" name="Rectangle 14"/>
-          <p:cNvSpPr/>
-          <p:nvPr/>
-        </p:nvSpPr>
-        <p:spPr>
-          <a:xfrm>
-            <a:off x="240475" y="240475"/>
-            <a:ext cx="8686800" cy="6400800"/>
-          </a:xfrm>
-          <a:prstGeom prst="rect">
-            <a:avLst/>
-          </a:prstGeom>
-          <a:solidFill>
-            <a:schemeClr val="bg1"/>
-          </a:solidFill>
-          <a:ln>
-            <a:noFill/>
-          </a:ln>
-        </p:spPr>
-        <p:style>
-          <a:lnRef idx="2">
-            <a:schemeClr val="accent1">
-              <a:shade val="50000"/>
-            </a:schemeClr>
-          </a:lnRef>
-          <a:fillRef idx="1">
-            <a:schemeClr val="accent1"/>
-          </a:fillRef>
-          <a:effectRef idx="0">
-            <a:schemeClr val="accent1"/>
-          </a:effectRef>
-          <a:fontRef idx="minor">
-            <a:schemeClr val="lt1"/>
-          </a:fontRef>
-        </p:style>
-        <p:txBody>
-          <a:bodyPr rtlCol="0" anchor="ctr"/>
-          <a:lstStyle/>
-          <a:p>
-            <a:pPr algn="ctr"/>
-            <a:endParaRPr lang="en-US"/>
-          </a:p>
-        </p:txBody>
-      </p:sp>
-      <p:sp>
-        <p:nvSpPr>
-          <p:cNvPr id="16" name="Rectangle 15"/>
-          <p:cNvSpPr/>
-          <p:nvPr/>
-        </p:nvSpPr>
-        <p:spPr>
-          <a:xfrm>
-            <a:off x="188259" y="188259"/>
-            <a:ext cx="8776448" cy="6490448"/>
-          </a:xfrm>
-          <a:prstGeom prst="rect">
-            <a:avLst/>
-          </a:prstGeom>
-          <a:noFill/>
-          <a:ln w="31750">
-            <a:solidFill>
-              <a:schemeClr val="bg1"/>
-            </a:solidFill>
-          </a:ln>
-        </p:spPr>
-        <p:style>
-          <a:lnRef idx="2">
-            <a:schemeClr val="accent1">
-              <a:shade val="50000"/>
-            </a:schemeClr>
-          </a:lnRef>
-          <a:fillRef idx="1">
-            <a:schemeClr val="accent1"/>
-          </a:fillRef>
-          <a:effectRef idx="0">
-            <a:schemeClr val="accent1"/>
-          </a:effectRef>
-          <a:fontRef idx="minor">
-            <a:schemeClr val="lt1"/>
-          </a:fontRef>
-        </p:style>
-        <p:txBody>
-          <a:bodyPr rtlCol="0" anchor="ctr"/>
-          <a:lstStyle/>
-          <a:p>
-            <a:pPr algn="ctr"/>
-            <a:endParaRPr lang="en-US"/>
-          </a:p>
-        </p:txBody>
-      </p:sp>
-      <p:sp>
-        <p:nvSpPr>
-          <p:cNvPr id="9" name="TextBox 8"/>
-          <p:cNvSpPr txBox="1"/>
-          <p:nvPr/>
-        </p:nvSpPr>
-        <p:spPr>
-          <a:xfrm>
-            <a:off x="1143000" y="1828799"/>
-            <a:ext cx="6781800" cy="4648201"/>
-          </a:xfrm>
-          <a:prstGeom prst="rect">
-            <a:avLst/>
-          </a:prstGeom>
-          <a:noFill/>
-        </p:spPr>
-        <p:txBody>
-          <a:bodyPr wrap="square" rtlCol="0">
-            <a:normAutofit/>
-          </a:bodyPr>
-          <a:lstStyle/>
-          <a:p>
-            <a:pPr marL="342900" indent="-342900">
-              <a:buFont typeface="Arial" pitchFamily="34" charset="0"/>
-              <a:buChar char="•"/>
-            </a:pPr>
-            <a:r>
-              <a:rPr lang="en-US" sz="2400" b="1" dirty="0">
-                <a:solidFill>
-                  <a:srgbClr val="FC7500"/>
-                </a:solidFill>
-              </a:rPr>
-              <a:t>Background Removal </a:t>
-            </a:r>
-            <a:r>
-              <a:rPr lang="en-US" sz="2400" dirty="0"/>
-              <a:t>allows you to quickly and easily remove backgrounds to isolate </a:t>
-            </a:r>
-            <a:r>
-              <a:rPr lang="en-US" sz="2400" dirty="0" smtClean="0"/>
-              <a:t>items </a:t>
-            </a:r>
-            <a:r>
-              <a:rPr lang="en-US" sz="2400" dirty="0"/>
-              <a:t>in your image.</a:t>
-            </a:r>
-          </a:p>
-        </p:txBody>
-      </p:sp>
-      <p:sp>
-        <p:nvSpPr>
-          <p:cNvPr id="10" name="TextBox 9"/>
-          <p:cNvSpPr txBox="1"/>
-          <p:nvPr/>
-        </p:nvSpPr>
-        <p:spPr>
-          <a:xfrm>
-            <a:off x="240767" y="762000"/>
-            <a:ext cx="6432176" cy="461665"/>
-          </a:xfrm>
-          <a:prstGeom prst="rect">
-            <a:avLst/>
-          </a:prstGeom>
-          <a:solidFill>
-            <a:schemeClr val="tx1">
-              <a:lumMod val="95000"/>
-              <a:lumOff val="5000"/>
-              <a:alpha val="55000"/>
-            </a:schemeClr>
-          </a:solidFill>
-        </p:spPr>
-        <p:txBody>
-          <a:bodyPr wrap="square" rtlCol="0">
-            <a:normAutofit/>
-          </a:bodyPr>
-          <a:lstStyle/>
-          <a:p>
-            <a:r>
-              <a:rPr lang="en-US" sz="2400" b="1" dirty="0" smtClean="0">
-                <a:solidFill>
-                  <a:schemeClr val="bg1"/>
-                </a:solidFill>
-              </a:rPr>
-              <a:t>	What is Stock Monitoring System</a:t>
-            </a:r>
-            <a:endParaRPr lang="en-US" sz="2400" b="1" dirty="0">
-              <a:solidFill>
-                <a:schemeClr val="bg1"/>
-              </a:solidFill>
-            </a:endParaRPr>
-          </a:p>
-        </p:txBody>
-      </p:sp>
-    </p:spTree>
-  </p:cSld>
-  <p:clrMapOvr>
-    <a:masterClrMapping/>
-  </p:clrMapOvr>
-  <mc:AlternateContent xmlns:mc="http://schemas.openxmlformats.org/markup-compatibility/2006" xmlns:p14="http://schemas.microsoft.com/office/powerpoint/2010/main">
-    <mc:Choice Requires="p14">
-      <p:transition spd="slow" p14:dur="2000">
-        <p:blinds dir="vert"/>
-      </p:transition>
-    </mc:Choice>
-    <mc:Fallback xmlns="">
-      <p:transition spd="slow">
-        <p:blinds dir="vert"/>
-      </p:transition>
-    </mc:Fallback>
-  </mc:AlternateContent>
-  <p:timing>
-    <p:tnLst>
-      <p:par>
-        <p:cTn id="1" dur="indefinite" restart="never" nodeType="tmRoot"/>
-      </p:par>
-    </p:tnLst>
-  </p:timing>
-</p:sld>
-</file>
-
-<file path=ppt/slides/slide30.xml><?xml version="1.0" encoding="utf-8"?>
+<file path=ppt/slides/slide28.xml><?xml version="1.0" encoding="utf-8"?>
 <p:sld xmlns:a="http://schemas.openxmlformats.org/drawingml/2006/main" xmlns:r="http://schemas.openxmlformats.org/officeDocument/2006/relationships" xmlns:p="http://schemas.openxmlformats.org/presentationml/2006/main">
   <p:cSld>
     <p:spTree>
@@ -20355,7 +19811,7 @@
 </p:sld>
 </file>
 
-<file path=ppt/slides/slide31.xml><?xml version="1.0" encoding="utf-8"?>
+<file path=ppt/slides/slide29.xml><?xml version="1.0" encoding="utf-8"?>
 <p:sld xmlns:a="http://schemas.openxmlformats.org/drawingml/2006/main" xmlns:r="http://schemas.openxmlformats.org/officeDocument/2006/relationships" xmlns:p="http://schemas.openxmlformats.org/presentationml/2006/main">
   <p:cSld>
     <p:spTree>
@@ -20510,15 +19966,7 @@
                   <a:srgbClr val="FC7500"/>
                 </a:solidFill>
               </a:rPr>
-              <a:t>Multi-processing/threading </a:t>
-            </a:r>
-            <a:r>
-              <a:rPr lang="en-US" sz="2400" b="1" dirty="0" smtClean="0">
-                <a:solidFill>
-                  <a:srgbClr val="FC7500"/>
-                </a:solidFill>
-              </a:rPr>
-              <a:t>enhancement</a:t>
+              <a:t>Multi-processing/threading enhancement</a:t>
             </a:r>
           </a:p>
           <a:p>
@@ -20534,11 +19982,6 @@
               </a:rPr>
               <a:t>Complete Functions Development</a:t>
             </a:r>
-            <a:endParaRPr lang="en-US" sz="2400" b="1" dirty="0" smtClean="0">
-              <a:solidFill>
-                <a:srgbClr val="FC7500"/>
-              </a:solidFill>
-            </a:endParaRPr>
           </a:p>
           <a:p>
             <a:pPr marL="342900" indent="-342900">
@@ -20551,15 +19994,7 @@
                   <a:srgbClr val="FC7500"/>
                 </a:solidFill>
               </a:rPr>
-              <a:t>Multi-language </a:t>
-            </a:r>
-            <a:r>
-              <a:rPr lang="en-US" sz="2400" b="1" dirty="0" smtClean="0">
-                <a:solidFill>
-                  <a:srgbClr val="FC7500"/>
-                </a:solidFill>
-              </a:rPr>
-              <a:t>platforms</a:t>
+              <a:t>Multi-language platforms</a:t>
             </a:r>
           </a:p>
           <a:p>
@@ -20589,11 +20024,6 @@
               </a:rPr>
               <a:t>Multi-Platform Compatible</a:t>
             </a:r>
-            <a:endParaRPr lang="en-US" sz="2400" b="1" dirty="0" smtClean="0">
-              <a:solidFill>
-                <a:srgbClr val="FC7500"/>
-              </a:solidFill>
-            </a:endParaRPr>
           </a:p>
           <a:p>
             <a:pPr marL="342900" indent="-342900">
@@ -20734,7 +20164,236 @@
 </p:sld>
 </file>
 
-<file path=ppt/slides/slide32.xml><?xml version="1.0" encoding="utf-8"?>
+<file path=ppt/slides/slide3.xml><?xml version="1.0" encoding="utf-8"?>
+<p:sld xmlns:a="http://schemas.openxmlformats.org/drawingml/2006/main" xmlns:r="http://schemas.openxmlformats.org/officeDocument/2006/relationships" xmlns:p="http://schemas.openxmlformats.org/presentationml/2006/main">
+  <p:cSld>
+    <p:spTree>
+      <p:nvGrpSpPr>
+        <p:cNvPr id="1" name=""/>
+        <p:cNvGrpSpPr/>
+        <p:nvPr/>
+      </p:nvGrpSpPr>
+      <p:grpSpPr>
+        <a:xfrm>
+          <a:off x="0" y="0"/>
+          <a:ext cx="0" cy="0"/>
+          <a:chOff x="0" y="0"/>
+          <a:chExt cx="0" cy="0"/>
+        </a:xfrm>
+      </p:grpSpPr>
+      <p:sp>
+        <p:nvSpPr>
+          <p:cNvPr id="15" name="Rectangle 14"/>
+          <p:cNvSpPr/>
+          <p:nvPr/>
+        </p:nvSpPr>
+        <p:spPr>
+          <a:xfrm>
+            <a:off x="240475" y="240475"/>
+            <a:ext cx="8686800" cy="6400800"/>
+          </a:xfrm>
+          <a:prstGeom prst="rect">
+            <a:avLst/>
+          </a:prstGeom>
+          <a:solidFill>
+            <a:schemeClr val="bg1"/>
+          </a:solidFill>
+          <a:ln>
+            <a:noFill/>
+          </a:ln>
+        </p:spPr>
+        <p:style>
+          <a:lnRef idx="2">
+            <a:schemeClr val="accent1">
+              <a:shade val="50000"/>
+            </a:schemeClr>
+          </a:lnRef>
+          <a:fillRef idx="1">
+            <a:schemeClr val="accent1"/>
+          </a:fillRef>
+          <a:effectRef idx="0">
+            <a:schemeClr val="accent1"/>
+          </a:effectRef>
+          <a:fontRef idx="minor">
+            <a:schemeClr val="lt1"/>
+          </a:fontRef>
+        </p:style>
+        <p:txBody>
+          <a:bodyPr rtlCol="0" anchor="ctr"/>
+          <a:lstStyle/>
+          <a:p>
+            <a:pPr algn="ctr"/>
+            <a:endParaRPr lang="en-US"/>
+          </a:p>
+        </p:txBody>
+      </p:sp>
+      <p:sp>
+        <p:nvSpPr>
+          <p:cNvPr id="16" name="Rectangle 15"/>
+          <p:cNvSpPr/>
+          <p:nvPr/>
+        </p:nvSpPr>
+        <p:spPr>
+          <a:xfrm>
+            <a:off x="188259" y="188259"/>
+            <a:ext cx="8776448" cy="6490448"/>
+          </a:xfrm>
+          <a:prstGeom prst="rect">
+            <a:avLst/>
+          </a:prstGeom>
+          <a:noFill/>
+          <a:ln w="31750">
+            <a:solidFill>
+              <a:schemeClr val="bg1"/>
+            </a:solidFill>
+          </a:ln>
+        </p:spPr>
+        <p:style>
+          <a:lnRef idx="2">
+            <a:schemeClr val="accent1">
+              <a:shade val="50000"/>
+            </a:schemeClr>
+          </a:lnRef>
+          <a:fillRef idx="1">
+            <a:schemeClr val="accent1"/>
+          </a:fillRef>
+          <a:effectRef idx="0">
+            <a:schemeClr val="accent1"/>
+          </a:effectRef>
+          <a:fontRef idx="minor">
+            <a:schemeClr val="lt1"/>
+          </a:fontRef>
+        </p:style>
+        <p:txBody>
+          <a:bodyPr rtlCol="0" anchor="ctr"/>
+          <a:lstStyle/>
+          <a:p>
+            <a:pPr algn="ctr"/>
+            <a:endParaRPr lang="en-US"/>
+          </a:p>
+        </p:txBody>
+      </p:sp>
+      <p:sp>
+        <p:nvSpPr>
+          <p:cNvPr id="9" name="TextBox 8"/>
+          <p:cNvSpPr txBox="1"/>
+          <p:nvPr/>
+        </p:nvSpPr>
+        <p:spPr>
+          <a:xfrm>
+            <a:off x="1143000" y="1828799"/>
+            <a:ext cx="6781800" cy="4648201"/>
+          </a:xfrm>
+          <a:prstGeom prst="rect">
+            <a:avLst/>
+          </a:prstGeom>
+          <a:noFill/>
+        </p:spPr>
+        <p:txBody>
+          <a:bodyPr wrap="square" rtlCol="0">
+            <a:normAutofit/>
+          </a:bodyPr>
+          <a:lstStyle/>
+          <a:p>
+            <a:pPr marL="342900" indent="-342900">
+              <a:buFont typeface="Arial" pitchFamily="34" charset="0"/>
+              <a:buChar char="•"/>
+            </a:pPr>
+            <a:r>
+              <a:rPr lang="en-US" sz="2400" b="1" dirty="0">
+                <a:solidFill>
+                  <a:srgbClr val="FC7500"/>
+                </a:solidFill>
+              </a:rPr>
+              <a:t>Background Removal </a:t>
+            </a:r>
+            <a:r>
+              <a:rPr lang="en-US" sz="2400" dirty="0"/>
+              <a:t>allows you to quickly and easily remove backgrounds to isolate </a:t>
+            </a:r>
+            <a:r>
+              <a:rPr lang="en-US" sz="2400" dirty="0" smtClean="0"/>
+              <a:t>items </a:t>
+            </a:r>
+            <a:r>
+              <a:rPr lang="en-US" sz="2400" dirty="0"/>
+              <a:t>in your image.</a:t>
+            </a:r>
+          </a:p>
+        </p:txBody>
+      </p:sp>
+      <p:sp>
+        <p:nvSpPr>
+          <p:cNvPr id="10" name="TextBox 9"/>
+          <p:cNvSpPr txBox="1"/>
+          <p:nvPr/>
+        </p:nvSpPr>
+        <p:spPr>
+          <a:xfrm>
+            <a:off x="240767" y="762000"/>
+            <a:ext cx="6432176" cy="461665"/>
+          </a:xfrm>
+          <a:prstGeom prst="rect">
+            <a:avLst/>
+          </a:prstGeom>
+          <a:solidFill>
+            <a:schemeClr val="tx1">
+              <a:lumMod val="95000"/>
+              <a:lumOff val="5000"/>
+              <a:alpha val="55000"/>
+            </a:schemeClr>
+          </a:solidFill>
+        </p:spPr>
+        <p:txBody>
+          <a:bodyPr wrap="square" rtlCol="0">
+            <a:normAutofit/>
+          </a:bodyPr>
+          <a:lstStyle/>
+          <a:p>
+            <a:r>
+              <a:rPr lang="en-US" sz="2400" b="1" dirty="0" smtClean="0">
+                <a:solidFill>
+                  <a:schemeClr val="bg1"/>
+                </a:solidFill>
+              </a:rPr>
+              <a:t>	What is Stock Monitoring System</a:t>
+            </a:r>
+            <a:endParaRPr lang="en-US" sz="2400" b="1" dirty="0">
+              <a:solidFill>
+                <a:schemeClr val="bg1"/>
+              </a:solidFill>
+            </a:endParaRPr>
+          </a:p>
+        </p:txBody>
+      </p:sp>
+    </p:spTree>
+  </p:cSld>
+  <p:clrMapOvr>
+    <a:masterClrMapping/>
+  </p:clrMapOvr>
+  <mc:AlternateContent xmlns:mc="http://schemas.openxmlformats.org/markup-compatibility/2006" xmlns:p14="http://schemas.microsoft.com/office/powerpoint/2010/main">
+    <mc:Choice Requires="p14">
+      <p:transition spd="slow" p14:dur="2000">
+        <p:blinds dir="vert"/>
+      </p:transition>
+    </mc:Choice>
+    <mc:Fallback xmlns="">
+      <p:transition spd="slow">
+        <p:blinds dir="vert"/>
+      </p:transition>
+    </mc:Fallback>
+  </mc:AlternateContent>
+  <p:timing>
+    <p:tnLst>
+      <p:par>
+        <p:cTn id="1" dur="indefinite" restart="never" nodeType="tmRoot"/>
+      </p:par>
+    </p:tnLst>
+  </p:timing>
+</p:sld>
+</file>
+
+<file path=ppt/slides/slide30.xml><?xml version="1.0" encoding="utf-8"?>
 <p:sld xmlns:a="http://schemas.openxmlformats.org/drawingml/2006/main" xmlns:r="http://schemas.openxmlformats.org/officeDocument/2006/relationships" xmlns:p="http://schemas.openxmlformats.org/presentationml/2006/main" showMasterSp="0">
   <p:cSld>
     <p:spTree>
@@ -20851,7 +20510,7 @@
 </p:sld>
 </file>
 
-<file path=ppt/slides/slide33.xml><?xml version="1.0" encoding="utf-8"?>
+<file path=ppt/slides/slide31.xml><?xml version="1.0" encoding="utf-8"?>
 <p:sld xmlns:a="http://schemas.openxmlformats.org/drawingml/2006/main" xmlns:r="http://schemas.openxmlformats.org/officeDocument/2006/relationships" xmlns:p="http://schemas.openxmlformats.org/presentationml/2006/main" showMasterSp="0">
   <p:cSld>
     <p:spTree>
@@ -21864,11 +21523,6 @@
               </a:rPr>
               <a:t>Login*</a:t>
             </a:r>
-            <a:endParaRPr lang="en-US" sz="2400" b="1" dirty="0" smtClean="0">
-              <a:solidFill>
-                <a:srgbClr val="FC7500"/>
-              </a:solidFill>
-            </a:endParaRPr>
           </a:p>
           <a:p>
             <a:pPr marL="800100" lvl="1" indent="-342900">
@@ -21883,11 +21537,6 @@
               </a:rPr>
               <a:t>Logout*</a:t>
             </a:r>
-            <a:endParaRPr lang="en-US" sz="2400" b="1" dirty="0" smtClean="0">
-              <a:solidFill>
-                <a:srgbClr val="FC7500"/>
-              </a:solidFill>
-            </a:endParaRPr>
           </a:p>
           <a:p>
             <a:pPr marL="800100" lvl="1" indent="-342900">
@@ -21928,21 +21577,8 @@
                   <a:srgbClr val="FC7500"/>
                 </a:solidFill>
               </a:rPr>
-              <a:t>Display news related to HK stock </a:t>
-            </a:r>
-            <a:r>
-              <a:rPr lang="en-US" sz="2400" b="1" dirty="0" smtClean="0">
-                <a:solidFill>
-                  <a:srgbClr val="FC7500"/>
-                </a:solidFill>
-              </a:rPr>
-              <a:t>market*</a:t>
-            </a:r>
-            <a:endParaRPr lang="en-US" sz="2400" b="1" dirty="0" smtClean="0">
-              <a:solidFill>
-                <a:srgbClr val="FC7500"/>
-              </a:solidFill>
-            </a:endParaRPr>
+              <a:t>Display news related to HK stock market*</a:t>
+            </a:r>
           </a:p>
           <a:p>
             <a:pPr marL="342900" indent="-342900">
@@ -21969,21 +21605,8 @@
                   <a:srgbClr val="FC7500"/>
                 </a:solidFill>
               </a:rPr>
-              <a:t>Search stock real-time </a:t>
-            </a:r>
-            <a:r>
-              <a:rPr lang="en-US" sz="2400" b="1" dirty="0" smtClean="0">
-                <a:solidFill>
-                  <a:srgbClr val="FC7500"/>
-                </a:solidFill>
-              </a:rPr>
-              <a:t>information*</a:t>
-            </a:r>
-            <a:endParaRPr lang="en-US" sz="2400" b="1" dirty="0" smtClean="0">
-              <a:solidFill>
-                <a:srgbClr val="FC7500"/>
-              </a:solidFill>
-            </a:endParaRPr>
+              <a:t>Search stock real-time information*</a:t>
+            </a:r>
           </a:p>
           <a:p>
             <a:pPr marL="342900" indent="-342900">
@@ -22236,15 +21859,7 @@
                   <a:srgbClr val="FC7500"/>
                 </a:solidFill>
               </a:rPr>
-              <a:t>Stock price </a:t>
-            </a:r>
-            <a:r>
-              <a:rPr lang="en-US" sz="2400" b="1" dirty="0" smtClean="0">
-                <a:solidFill>
-                  <a:srgbClr val="FC7500"/>
-                </a:solidFill>
-              </a:rPr>
-              <a:t>tracking*</a:t>
+              <a:t>Stock price tracking*</a:t>
             </a:r>
             <a:endParaRPr lang="en-US" sz="2400" b="1" dirty="0">
               <a:solidFill>
